--- a/Projektleiter/Prasentation_4.Semester.pptx
+++ b/Projektleiter/Prasentation_4.Semester.pptx
@@ -22,7 +22,7 @@
     <p:sldId id="281" r:id="rId10"/>
     <p:sldId id="280" r:id="rId11"/>
     <p:sldId id="279" r:id="rId12"/>
-    <p:sldId id="282" r:id="rId13"/>
+    <p:sldId id="285" r:id="rId13"/>
     <p:sldId id="283" r:id="rId14"/>
     <p:sldId id="278" r:id="rId15"/>
   </p:sldIdLst>
@@ -184,475 +184,6 @@
 </p:cmAuthorLst>
 </file>
 
-<file path=ppt/revisionInfo.xml><?xml version="1.0" encoding="utf-8"?>
-<p1510:revInfo xmlns:a="http://schemas.openxmlformats.org/drawingml/2006/main" xmlns:r="http://schemas.openxmlformats.org/officeDocument/2006/relationships" xmlns:p1510="http://schemas.microsoft.com/office/powerpoint/2015/10/main">
-  <p1510:revLst>
-    <p1510:client id="{62EE603E-8462-4B94-957E-8AA3B37F285D}" v="94" dt="2021-05-19T18:18:08.196"/>
-  </p1510:revLst>
-</p1510:revInfo>
-</file>
-
-<file path=ppt/changesInfos/changesInfo1.xml><?xml version="1.0" encoding="utf-8"?>
-<pc:chgInfo xmlns:a="http://schemas.openxmlformats.org/drawingml/2006/main" xmlns:r="http://schemas.openxmlformats.org/officeDocument/2006/relationships" xmlns:ac="http://schemas.microsoft.com/office/drawing/2013/main/command" xmlns:pc="http://schemas.microsoft.com/office/powerpoint/2013/main/command">
-  <pc:docChgLst>
-    <pc:chgData name="Tobias Roth" userId="7a7936ad18b171e0" providerId="LiveId" clId="{62EE603E-8462-4B94-957E-8AA3B37F285D}"/>
-    <pc:docChg chg="undo custSel addSld modSld sldOrd">
-      <pc:chgData name="Tobias Roth" userId="7a7936ad18b171e0" providerId="LiveId" clId="{62EE603E-8462-4B94-957E-8AA3B37F285D}" dt="2021-05-19T18:19:56.897" v="1866" actId="20577"/>
-      <pc:docMkLst>
-        <pc:docMk/>
-      </pc:docMkLst>
-      <pc:sldChg chg="modSp mod">
-        <pc:chgData name="Tobias Roth" userId="7a7936ad18b171e0" providerId="LiveId" clId="{62EE603E-8462-4B94-957E-8AA3B37F285D}" dt="2021-05-19T18:19:27.354" v="1854" actId="20577"/>
-        <pc:sldMkLst>
-          <pc:docMk/>
-          <pc:sldMk cId="0" sldId="274"/>
-        </pc:sldMkLst>
-        <pc:spChg chg="mod">
-          <ac:chgData name="Tobias Roth" userId="7a7936ad18b171e0" providerId="LiveId" clId="{62EE603E-8462-4B94-957E-8AA3B37F285D}" dt="2021-05-19T18:19:27.354" v="1854" actId="20577"/>
-          <ac:spMkLst>
-            <pc:docMk/>
-            <pc:sldMk cId="0" sldId="274"/>
-            <ac:spMk id="20483" creationId="{4FA02550-5C61-48F8-A21E-401F309B1DA3}"/>
-          </ac:spMkLst>
-        </pc:spChg>
-      </pc:sldChg>
-      <pc:sldChg chg="modSp mod">
-        <pc:chgData name="Tobias Roth" userId="7a7936ad18b171e0" providerId="LiveId" clId="{62EE603E-8462-4B94-957E-8AA3B37F285D}" dt="2021-05-19T16:08:17.079" v="381" actId="20577"/>
-        <pc:sldMkLst>
-          <pc:docMk/>
-          <pc:sldMk cId="857684037" sldId="275"/>
-        </pc:sldMkLst>
-        <pc:spChg chg="mod">
-          <ac:chgData name="Tobias Roth" userId="7a7936ad18b171e0" providerId="LiveId" clId="{62EE603E-8462-4B94-957E-8AA3B37F285D}" dt="2021-05-19T16:08:17.079" v="381" actId="20577"/>
-          <ac:spMkLst>
-            <pc:docMk/>
-            <pc:sldMk cId="857684037" sldId="275"/>
-            <ac:spMk id="3" creationId="{42006B0D-6943-40FA-9430-F32CCAD1A421}"/>
-          </ac:spMkLst>
-        </pc:spChg>
-      </pc:sldChg>
-      <pc:sldChg chg="addSp delSp modSp mod ord">
-        <pc:chgData name="Tobias Roth" userId="7a7936ad18b171e0" providerId="LiveId" clId="{62EE603E-8462-4B94-957E-8AA3B37F285D}" dt="2021-05-19T16:20:44.806" v="392"/>
-        <pc:sldMkLst>
-          <pc:docMk/>
-          <pc:sldMk cId="3713796157" sldId="277"/>
-        </pc:sldMkLst>
-        <pc:spChg chg="mod">
-          <ac:chgData name="Tobias Roth" userId="7a7936ad18b171e0" providerId="LiveId" clId="{62EE603E-8462-4B94-957E-8AA3B37F285D}" dt="2021-05-19T15:55:12.898" v="11" actId="1076"/>
-          <ac:spMkLst>
-            <pc:docMk/>
-            <pc:sldMk cId="3713796157" sldId="277"/>
-            <ac:spMk id="2" creationId="{103E102E-F49C-4C5A-97F2-8D58BDB2D01A}"/>
-          </ac:spMkLst>
-        </pc:spChg>
-        <pc:spChg chg="del">
-          <ac:chgData name="Tobias Roth" userId="7a7936ad18b171e0" providerId="LiveId" clId="{62EE603E-8462-4B94-957E-8AA3B37F285D}" dt="2021-05-19T15:55:01.125" v="4" actId="478"/>
-          <ac:spMkLst>
-            <pc:docMk/>
-            <pc:sldMk cId="3713796157" sldId="277"/>
-            <ac:spMk id="8" creationId="{D204ECC6-DEC9-409E-909F-821D00B2D6FB}"/>
-          </ac:spMkLst>
-        </pc:spChg>
-        <pc:spChg chg="del">
-          <ac:chgData name="Tobias Roth" userId="7a7936ad18b171e0" providerId="LiveId" clId="{62EE603E-8462-4B94-957E-8AA3B37F285D}" dt="2021-05-19T15:55:00.674" v="3" actId="478"/>
-          <ac:spMkLst>
-            <pc:docMk/>
-            <pc:sldMk cId="3713796157" sldId="277"/>
-            <ac:spMk id="15" creationId="{02F0AE13-65AD-442A-A0E0-CCB7D75537EE}"/>
-          </ac:spMkLst>
-        </pc:spChg>
-        <pc:spChg chg="del">
-          <ac:chgData name="Tobias Roth" userId="7a7936ad18b171e0" providerId="LiveId" clId="{62EE603E-8462-4B94-957E-8AA3B37F285D}" dt="2021-05-19T15:54:58.461" v="1" actId="478"/>
-          <ac:spMkLst>
-            <pc:docMk/>
-            <pc:sldMk cId="3713796157" sldId="277"/>
-            <ac:spMk id="17" creationId="{AFC83301-A5C0-470C-BD7F-711FE632DBC2}"/>
-          </ac:spMkLst>
-        </pc:spChg>
-        <pc:spChg chg="del">
-          <ac:chgData name="Tobias Roth" userId="7a7936ad18b171e0" providerId="LiveId" clId="{62EE603E-8462-4B94-957E-8AA3B37F285D}" dt="2021-05-19T15:54:59.797" v="2" actId="478"/>
-          <ac:spMkLst>
-            <pc:docMk/>
-            <pc:sldMk cId="3713796157" sldId="277"/>
-            <ac:spMk id="18" creationId="{DF437FFB-EAC8-4A88-8C9D-D659A5D9962D}"/>
-          </ac:spMkLst>
-        </pc:spChg>
-        <pc:spChg chg="mod">
-          <ac:chgData name="Tobias Roth" userId="7a7936ad18b171e0" providerId="LiveId" clId="{62EE603E-8462-4B94-957E-8AA3B37F285D}" dt="2021-05-19T16:03:19.048" v="243" actId="20577"/>
-          <ac:spMkLst>
-            <pc:docMk/>
-            <pc:sldMk cId="3713796157" sldId="277"/>
-            <ac:spMk id="19" creationId="{2948BE43-7C4F-4392-B9DD-B98C4F01D5EF}"/>
-          </ac:spMkLst>
-        </pc:spChg>
-        <pc:spChg chg="add mod">
-          <ac:chgData name="Tobias Roth" userId="7a7936ad18b171e0" providerId="LiveId" clId="{62EE603E-8462-4B94-957E-8AA3B37F285D}" dt="2021-05-19T16:02:02.539" v="194" actId="1076"/>
-          <ac:spMkLst>
-            <pc:docMk/>
-            <pc:sldMk cId="3713796157" sldId="277"/>
-            <ac:spMk id="22" creationId="{76BA1A5D-FD67-45B0-9A4E-B7B0A4FD9B48}"/>
-          </ac:spMkLst>
-        </pc:spChg>
-        <pc:spChg chg="add mod">
-          <ac:chgData name="Tobias Roth" userId="7a7936ad18b171e0" providerId="LiveId" clId="{62EE603E-8462-4B94-957E-8AA3B37F285D}" dt="2021-05-19T16:02:43.441" v="216" actId="14100"/>
-          <ac:spMkLst>
-            <pc:docMk/>
-            <pc:sldMk cId="3713796157" sldId="277"/>
-            <ac:spMk id="23" creationId="{E9A2F5BB-FC73-40C2-AFFB-BB193B525078}"/>
-          </ac:spMkLst>
-        </pc:spChg>
-        <pc:spChg chg="add mod">
-          <ac:chgData name="Tobias Roth" userId="7a7936ad18b171e0" providerId="LiveId" clId="{62EE603E-8462-4B94-957E-8AA3B37F285D}" dt="2021-05-19T16:02:18.274" v="200" actId="1076"/>
-          <ac:spMkLst>
-            <pc:docMk/>
-            <pc:sldMk cId="3713796157" sldId="277"/>
-            <ac:spMk id="24" creationId="{175AEADD-2E34-4269-9EE1-876A9C0E56BD}"/>
-          </ac:spMkLst>
-        </pc:spChg>
-        <pc:spChg chg="add mod">
-          <ac:chgData name="Tobias Roth" userId="7a7936ad18b171e0" providerId="LiveId" clId="{62EE603E-8462-4B94-957E-8AA3B37F285D}" dt="2021-05-19T16:02:37.792" v="215" actId="14100"/>
-          <ac:spMkLst>
-            <pc:docMk/>
-            <pc:sldMk cId="3713796157" sldId="277"/>
-            <ac:spMk id="25" creationId="{43D3A633-E0D7-4F2C-9F5A-EB932DC701C2}"/>
-          </ac:spMkLst>
-        </pc:spChg>
-        <pc:spChg chg="add mod">
-          <ac:chgData name="Tobias Roth" userId="7a7936ad18b171e0" providerId="LiveId" clId="{62EE603E-8462-4B94-957E-8AA3B37F285D}" dt="2021-05-19T16:02:21.843" v="201" actId="1076"/>
-          <ac:spMkLst>
-            <pc:docMk/>
-            <pc:sldMk cId="3713796157" sldId="277"/>
-            <ac:spMk id="26" creationId="{088EA327-98F5-47A2-BEF1-3B37F4D2879F}"/>
-          </ac:spMkLst>
-        </pc:spChg>
-        <pc:spChg chg="add mod">
-          <ac:chgData name="Tobias Roth" userId="7a7936ad18b171e0" providerId="LiveId" clId="{62EE603E-8462-4B94-957E-8AA3B37F285D}" dt="2021-05-19T16:02:52.897" v="223" actId="14100"/>
-          <ac:spMkLst>
-            <pc:docMk/>
-            <pc:sldMk cId="3713796157" sldId="277"/>
-            <ac:spMk id="27" creationId="{060269DE-73C2-45B2-B98D-D79FF1800A24}"/>
-          </ac:spMkLst>
-        </pc:spChg>
-        <pc:spChg chg="add mod">
-          <ac:chgData name="Tobias Roth" userId="7a7936ad18b171e0" providerId="LiveId" clId="{62EE603E-8462-4B94-957E-8AA3B37F285D}" dt="2021-05-19T16:01:38.287" v="189" actId="1076"/>
-          <ac:spMkLst>
-            <pc:docMk/>
-            <pc:sldMk cId="3713796157" sldId="277"/>
-            <ac:spMk id="28" creationId="{62DD0793-B791-4088-88B1-8AFD6F66D206}"/>
-          </ac:spMkLst>
-        </pc:spChg>
-        <pc:spChg chg="add mod">
-          <ac:chgData name="Tobias Roth" userId="7a7936ad18b171e0" providerId="LiveId" clId="{62EE603E-8462-4B94-957E-8AA3B37F285D}" dt="2021-05-19T16:01:36.039" v="188" actId="1076"/>
-          <ac:spMkLst>
-            <pc:docMk/>
-            <pc:sldMk cId="3713796157" sldId="277"/>
-            <ac:spMk id="29" creationId="{4637F2BF-C73F-4446-871B-6572E77F3EEE}"/>
-          </ac:spMkLst>
-        </pc:spChg>
-        <pc:spChg chg="add mod">
-          <ac:chgData name="Tobias Roth" userId="7a7936ad18b171e0" providerId="LiveId" clId="{62EE603E-8462-4B94-957E-8AA3B37F285D}" dt="2021-05-19T16:02:08.264" v="198" actId="1076"/>
-          <ac:spMkLst>
-            <pc:docMk/>
-            <pc:sldMk cId="3713796157" sldId="277"/>
-            <ac:spMk id="30" creationId="{568F4E90-47C4-4B1C-B8D5-60DD81C3AF77}"/>
-          </ac:spMkLst>
-        </pc:spChg>
-        <pc:spChg chg="add mod">
-          <ac:chgData name="Tobias Roth" userId="7a7936ad18b171e0" providerId="LiveId" clId="{62EE603E-8462-4B94-957E-8AA3B37F285D}" dt="2021-05-19T16:07:54.884" v="370" actId="14100"/>
-          <ac:spMkLst>
-            <pc:docMk/>
-            <pc:sldMk cId="3713796157" sldId="277"/>
-            <ac:spMk id="31" creationId="{93CA2AB1-C127-413C-AC1E-A86531A4FA2E}"/>
-          </ac:spMkLst>
-        </pc:spChg>
-        <pc:picChg chg="mod">
-          <ac:chgData name="Tobias Roth" userId="7a7936ad18b171e0" providerId="LiveId" clId="{62EE603E-8462-4B94-957E-8AA3B37F285D}" dt="2021-05-19T16:00:05.722" v="116" actId="1076"/>
-          <ac:picMkLst>
-            <pc:docMk/>
-            <pc:sldMk cId="3713796157" sldId="277"/>
-            <ac:picMk id="7" creationId="{C198D681-78CA-454D-A102-D288BBB7B5D1}"/>
-          </ac:picMkLst>
-        </pc:picChg>
-        <pc:cxnChg chg="add del">
-          <ac:chgData name="Tobias Roth" userId="7a7936ad18b171e0" providerId="LiveId" clId="{62EE603E-8462-4B94-957E-8AA3B37F285D}" dt="2021-05-19T15:55:40.424" v="17" actId="11529"/>
-          <ac:cxnSpMkLst>
-            <pc:docMk/>
-            <pc:sldMk cId="3713796157" sldId="277"/>
-            <ac:cxnSpMk id="21" creationId="{FFAB9723-AEB8-40D8-96C4-BF9AB41D9F05}"/>
-          </ac:cxnSpMkLst>
-        </pc:cxnChg>
-      </pc:sldChg>
-      <pc:sldChg chg="modSp mod modShow">
-        <pc:chgData name="Tobias Roth" userId="7a7936ad18b171e0" providerId="LiveId" clId="{62EE603E-8462-4B94-957E-8AA3B37F285D}" dt="2021-05-19T18:19:56.897" v="1866" actId="20577"/>
-        <pc:sldMkLst>
-          <pc:docMk/>
-          <pc:sldMk cId="235321434" sldId="278"/>
-        </pc:sldMkLst>
-        <pc:spChg chg="mod">
-          <ac:chgData name="Tobias Roth" userId="7a7936ad18b171e0" providerId="LiveId" clId="{62EE603E-8462-4B94-957E-8AA3B37F285D}" dt="2021-05-19T18:19:56.897" v="1866" actId="20577"/>
-          <ac:spMkLst>
-            <pc:docMk/>
-            <pc:sldMk cId="235321434" sldId="278"/>
-            <ac:spMk id="3" creationId="{FB5A8B47-0B48-4511-8ADF-EA84C8DF38AC}"/>
-          </ac:spMkLst>
-        </pc:spChg>
-      </pc:sldChg>
-      <pc:sldChg chg="ord">
-        <pc:chgData name="Tobias Roth" userId="7a7936ad18b171e0" providerId="LiveId" clId="{62EE603E-8462-4B94-957E-8AA3B37F285D}" dt="2021-05-19T16:21:44.859" v="417"/>
-        <pc:sldMkLst>
-          <pc:docMk/>
-          <pc:sldMk cId="2542572471" sldId="279"/>
-        </pc:sldMkLst>
-      </pc:sldChg>
-      <pc:sldChg chg="modSp add mod ord">
-        <pc:chgData name="Tobias Roth" userId="7a7936ad18b171e0" providerId="LiveId" clId="{62EE603E-8462-4B94-957E-8AA3B37F285D}" dt="2021-05-19T17:57:28.076" v="1454" actId="20577"/>
-        <pc:sldMkLst>
-          <pc:docMk/>
-          <pc:sldMk cId="2037723473" sldId="280"/>
-        </pc:sldMkLst>
-        <pc:spChg chg="mod">
-          <ac:chgData name="Tobias Roth" userId="7a7936ad18b171e0" providerId="LiveId" clId="{62EE603E-8462-4B94-957E-8AA3B37F285D}" dt="2021-05-19T16:21:27.412" v="414" actId="20577"/>
-          <ac:spMkLst>
-            <pc:docMk/>
-            <pc:sldMk cId="2037723473" sldId="280"/>
-            <ac:spMk id="2" creationId="{C3C89342-6F5C-4B3D-8BFC-5B79B97958D5}"/>
-          </ac:spMkLst>
-        </pc:spChg>
-        <pc:spChg chg="mod">
-          <ac:chgData name="Tobias Roth" userId="7a7936ad18b171e0" providerId="LiveId" clId="{62EE603E-8462-4B94-957E-8AA3B37F285D}" dt="2021-05-19T17:57:28.076" v="1454" actId="20577"/>
-          <ac:spMkLst>
-            <pc:docMk/>
-            <pc:sldMk cId="2037723473" sldId="280"/>
-            <ac:spMk id="3" creationId="{42006B0D-6943-40FA-9430-F32CCAD1A421}"/>
-          </ac:spMkLst>
-        </pc:spChg>
-        <pc:spChg chg="mod">
-          <ac:chgData name="Tobias Roth" userId="7a7936ad18b171e0" providerId="LiveId" clId="{62EE603E-8462-4B94-957E-8AA3B37F285D}" dt="2021-05-19T16:21:31.644" v="415"/>
-          <ac:spMkLst>
-            <pc:docMk/>
-            <pc:sldMk cId="2037723473" sldId="280"/>
-            <ac:spMk id="6" creationId="{49CA2A12-8346-4408-8133-FA4E9733E305}"/>
-          </ac:spMkLst>
-        </pc:spChg>
-      </pc:sldChg>
-      <pc:sldChg chg="addSp delSp modSp add mod ord modAnim addCm delCm">
-        <pc:chgData name="Tobias Roth" userId="7a7936ad18b171e0" providerId="LiveId" clId="{62EE603E-8462-4B94-957E-8AA3B37F285D}" dt="2021-05-19T18:18:39.388" v="1852" actId="208"/>
-        <pc:sldMkLst>
-          <pc:docMk/>
-          <pc:sldMk cId="1270545595" sldId="281"/>
-        </pc:sldMkLst>
-        <pc:spChg chg="del mod">
-          <ac:chgData name="Tobias Roth" userId="7a7936ad18b171e0" providerId="LiveId" clId="{62EE603E-8462-4B94-957E-8AA3B37F285D}" dt="2021-05-19T18:12:47.364" v="1799" actId="478"/>
-          <ac:spMkLst>
-            <pc:docMk/>
-            <pc:sldMk cId="1270545595" sldId="281"/>
-            <ac:spMk id="2" creationId="{C3C89342-6F5C-4B3D-8BFC-5B79B97958D5}"/>
-          </ac:spMkLst>
-        </pc:spChg>
-        <pc:spChg chg="del mod">
-          <ac:chgData name="Tobias Roth" userId="7a7936ad18b171e0" providerId="LiveId" clId="{62EE603E-8462-4B94-957E-8AA3B37F285D}" dt="2021-05-19T18:03:12.726" v="1612" actId="478"/>
-          <ac:spMkLst>
-            <pc:docMk/>
-            <pc:sldMk cId="1270545595" sldId="281"/>
-            <ac:spMk id="3" creationId="{42006B0D-6943-40FA-9430-F32CCAD1A421}"/>
-          </ac:spMkLst>
-        </pc:spChg>
-        <pc:spChg chg="mod">
-          <ac:chgData name="Tobias Roth" userId="7a7936ad18b171e0" providerId="LiveId" clId="{62EE603E-8462-4B94-957E-8AA3B37F285D}" dt="2021-05-19T16:21:09.885" v="408"/>
-          <ac:spMkLst>
-            <pc:docMk/>
-            <pc:sldMk cId="1270545595" sldId="281"/>
-            <ac:spMk id="6" creationId="{49CA2A12-8346-4408-8133-FA4E9733E305}"/>
-          </ac:spMkLst>
-        </pc:spChg>
-        <pc:spChg chg="add mod">
-          <ac:chgData name="Tobias Roth" userId="7a7936ad18b171e0" providerId="LiveId" clId="{62EE603E-8462-4B94-957E-8AA3B37F285D}" dt="2021-05-19T18:18:39.388" v="1852" actId="208"/>
-          <ac:spMkLst>
-            <pc:docMk/>
-            <pc:sldMk cId="1270545595" sldId="281"/>
-            <ac:spMk id="8" creationId="{68946BBB-8A7B-4954-88EF-243F4A2F9B98}"/>
-          </ac:spMkLst>
-        </pc:spChg>
-        <pc:spChg chg="add del mod">
-          <ac:chgData name="Tobias Roth" userId="7a7936ad18b171e0" providerId="LiveId" clId="{62EE603E-8462-4B94-957E-8AA3B37F285D}" dt="2021-05-19T18:04:55.159" v="1653" actId="478"/>
-          <ac:spMkLst>
-            <pc:docMk/>
-            <pc:sldMk cId="1270545595" sldId="281"/>
-            <ac:spMk id="9" creationId="{35F74272-5D73-4A10-8F11-99832279B907}"/>
-          </ac:spMkLst>
-        </pc:spChg>
-        <pc:spChg chg="add del mod">
-          <ac:chgData name="Tobias Roth" userId="7a7936ad18b171e0" providerId="LiveId" clId="{62EE603E-8462-4B94-957E-8AA3B37F285D}" dt="2021-05-19T18:04:22.911" v="1648" actId="478"/>
-          <ac:spMkLst>
-            <pc:docMk/>
-            <pc:sldMk cId="1270545595" sldId="281"/>
-            <ac:spMk id="10" creationId="{36F96440-E83F-4B6C-9E94-DF8755E4D999}"/>
-          </ac:spMkLst>
-        </pc:spChg>
-        <pc:spChg chg="add mod">
-          <ac:chgData name="Tobias Roth" userId="7a7936ad18b171e0" providerId="LiveId" clId="{62EE603E-8462-4B94-957E-8AA3B37F285D}" dt="2021-05-19T18:15:46.001" v="1813" actId="113"/>
-          <ac:spMkLst>
-            <pc:docMk/>
-            <pc:sldMk cId="1270545595" sldId="281"/>
-            <ac:spMk id="11" creationId="{FFADC768-87FA-48C6-9935-28D49E9DBBB0}"/>
-          </ac:spMkLst>
-        </pc:spChg>
-        <pc:spChg chg="add del mod">
-          <ac:chgData name="Tobias Roth" userId="7a7936ad18b171e0" providerId="LiveId" clId="{62EE603E-8462-4B94-957E-8AA3B37F285D}" dt="2021-05-19T18:15:48.625" v="1814" actId="113"/>
-          <ac:spMkLst>
-            <pc:docMk/>
-            <pc:sldMk cId="1270545595" sldId="281"/>
-            <ac:spMk id="12" creationId="{1B495B84-7851-44B3-B63D-1632678B1A1E}"/>
-          </ac:spMkLst>
-        </pc:spChg>
-        <pc:spChg chg="add mod">
-          <ac:chgData name="Tobias Roth" userId="7a7936ad18b171e0" providerId="LiveId" clId="{62EE603E-8462-4B94-957E-8AA3B37F285D}" dt="2021-05-19T18:15:51.926" v="1815" actId="207"/>
-          <ac:spMkLst>
-            <pc:docMk/>
-            <pc:sldMk cId="1270545595" sldId="281"/>
-            <ac:spMk id="27" creationId="{54A8B321-027B-4F66-8AAC-BAD318B8F1CE}"/>
-          </ac:spMkLst>
-        </pc:spChg>
-        <pc:spChg chg="add mod">
-          <ac:chgData name="Tobias Roth" userId="7a7936ad18b171e0" providerId="LiveId" clId="{62EE603E-8462-4B94-957E-8AA3B37F285D}" dt="2021-05-19T18:15:54.651" v="1816" actId="207"/>
-          <ac:spMkLst>
-            <pc:docMk/>
-            <pc:sldMk cId="1270545595" sldId="281"/>
-            <ac:spMk id="28" creationId="{122BD7F1-9B34-4859-874A-54332BAB1E24}"/>
-          </ac:spMkLst>
-        </pc:spChg>
-        <pc:spChg chg="add mod">
-          <ac:chgData name="Tobias Roth" userId="7a7936ad18b171e0" providerId="LiveId" clId="{62EE603E-8462-4B94-957E-8AA3B37F285D}" dt="2021-05-19T18:15:56.295" v="1817" actId="207"/>
-          <ac:spMkLst>
-            <pc:docMk/>
-            <pc:sldMk cId="1270545595" sldId="281"/>
-            <ac:spMk id="34" creationId="{9CB39970-BECF-49F2-B41C-87C54438F517}"/>
-          </ac:spMkLst>
-        </pc:spChg>
-        <pc:spChg chg="add mod">
-          <ac:chgData name="Tobias Roth" userId="7a7936ad18b171e0" providerId="LiveId" clId="{62EE603E-8462-4B94-957E-8AA3B37F285D}" dt="2021-05-19T18:15:59.506" v="1818" actId="207"/>
-          <ac:spMkLst>
-            <pc:docMk/>
-            <pc:sldMk cId="1270545595" sldId="281"/>
-            <ac:spMk id="39" creationId="{EC28678C-BF30-414F-A538-CBE870530636}"/>
-          </ac:spMkLst>
-        </pc:spChg>
-        <pc:picChg chg="add del mod">
-          <ac:chgData name="Tobias Roth" userId="7a7936ad18b171e0" providerId="LiveId" clId="{62EE603E-8462-4B94-957E-8AA3B37F285D}" dt="2021-05-19T18:02:14.515" v="1587" actId="478"/>
-          <ac:picMkLst>
-            <pc:docMk/>
-            <pc:sldMk cId="1270545595" sldId="281"/>
-            <ac:picMk id="7" creationId="{EC333F7A-C97E-40F5-B1C5-0D0E53E2A0A9}"/>
-          </ac:picMkLst>
-        </pc:picChg>
-        <pc:cxnChg chg="add del mod">
-          <ac:chgData name="Tobias Roth" userId="7a7936ad18b171e0" providerId="LiveId" clId="{62EE603E-8462-4B94-957E-8AA3B37F285D}" dt="2021-05-19T18:07:13.920" v="1676" actId="11529"/>
-          <ac:cxnSpMkLst>
-            <pc:docMk/>
-            <pc:sldMk cId="1270545595" sldId="281"/>
-            <ac:cxnSpMk id="14" creationId="{BC7CE596-1995-4BD6-A2D9-F2AA2D226E0B}"/>
-          </ac:cxnSpMkLst>
-        </pc:cxnChg>
-        <pc:cxnChg chg="add mod">
-          <ac:chgData name="Tobias Roth" userId="7a7936ad18b171e0" providerId="LiveId" clId="{62EE603E-8462-4B94-957E-8AA3B37F285D}" dt="2021-05-19T18:14:46.041" v="1810" actId="1076"/>
-          <ac:cxnSpMkLst>
-            <pc:docMk/>
-            <pc:sldMk cId="1270545595" sldId="281"/>
-            <ac:cxnSpMk id="17" creationId="{C75DB48A-0F7C-4045-82F3-905315CB9600}"/>
-          </ac:cxnSpMkLst>
-        </pc:cxnChg>
-        <pc:cxnChg chg="add mod">
-          <ac:chgData name="Tobias Roth" userId="7a7936ad18b171e0" providerId="LiveId" clId="{62EE603E-8462-4B94-957E-8AA3B37F285D}" dt="2021-05-19T18:15:43.172" v="1812" actId="1076"/>
-          <ac:cxnSpMkLst>
-            <pc:docMk/>
-            <pc:sldMk cId="1270545595" sldId="281"/>
-            <ac:cxnSpMk id="20" creationId="{0E436EC1-7F14-496E-A434-5D478E61E9C1}"/>
-          </ac:cxnSpMkLst>
-        </pc:cxnChg>
-      </pc:sldChg>
-      <pc:sldChg chg="addSp delSp modSp add mod ord">
-        <pc:chgData name="Tobias Roth" userId="7a7936ad18b171e0" providerId="LiveId" clId="{62EE603E-8462-4B94-957E-8AA3B37F285D}" dt="2021-05-19T17:21:41.784" v="1404" actId="20577"/>
-        <pc:sldMkLst>
-          <pc:docMk/>
-          <pc:sldMk cId="3179322570" sldId="282"/>
-        </pc:sldMkLst>
-        <pc:spChg chg="mod">
-          <ac:chgData name="Tobias Roth" userId="7a7936ad18b171e0" providerId="LiveId" clId="{62EE603E-8462-4B94-957E-8AA3B37F285D}" dt="2021-05-19T17:02:42.106" v="1179" actId="1076"/>
-          <ac:spMkLst>
-            <pc:docMk/>
-            <pc:sldMk cId="3179322570" sldId="282"/>
-            <ac:spMk id="2" creationId="{C3C89342-6F5C-4B3D-8BFC-5B79B97958D5}"/>
-          </ac:spMkLst>
-        </pc:spChg>
-        <pc:spChg chg="del mod">
-          <ac:chgData name="Tobias Roth" userId="7a7936ad18b171e0" providerId="LiveId" clId="{62EE603E-8462-4B94-957E-8AA3B37F285D}" dt="2021-05-19T16:29:44.426" v="586" actId="3680"/>
-          <ac:spMkLst>
-            <pc:docMk/>
-            <pc:sldMk cId="3179322570" sldId="282"/>
-            <ac:spMk id="3" creationId="{42006B0D-6943-40FA-9430-F32CCAD1A421}"/>
-          </ac:spMkLst>
-        </pc:spChg>
-        <pc:spChg chg="mod">
-          <ac:chgData name="Tobias Roth" userId="7a7936ad18b171e0" providerId="LiveId" clId="{62EE603E-8462-4B94-957E-8AA3B37F285D}" dt="2021-05-19T16:24:11.698" v="575" actId="20577"/>
-          <ac:spMkLst>
-            <pc:docMk/>
-            <pc:sldMk cId="3179322570" sldId="282"/>
-            <ac:spMk id="6" creationId="{49CA2A12-8346-4408-8133-FA4E9733E305}"/>
-          </ac:spMkLst>
-        </pc:spChg>
-        <pc:spChg chg="add mod">
-          <ac:chgData name="Tobias Roth" userId="7a7936ad18b171e0" providerId="LiveId" clId="{62EE603E-8462-4B94-957E-8AA3B37F285D}" dt="2021-05-19T17:21:41.784" v="1404" actId="20577"/>
-          <ac:spMkLst>
-            <pc:docMk/>
-            <pc:sldMk cId="3179322570" sldId="282"/>
-            <ac:spMk id="8" creationId="{8E66BD95-625D-4CC4-9315-2E1BE02F4127}"/>
-          </ac:spMkLst>
-        </pc:spChg>
-        <pc:graphicFrameChg chg="add del mod ord modGraphic">
-          <ac:chgData name="Tobias Roth" userId="7a7936ad18b171e0" providerId="LiveId" clId="{62EE603E-8462-4B94-957E-8AA3B37F285D}" dt="2021-05-19T17:02:37.259" v="1177" actId="478"/>
-          <ac:graphicFrameMkLst>
-            <pc:docMk/>
-            <pc:sldMk cId="3179322570" sldId="282"/>
-            <ac:graphicFrameMk id="7" creationId="{0BC56BAE-9D16-4ACB-BEBF-CFBDA6B7A685}"/>
-          </ac:graphicFrameMkLst>
-        </pc:graphicFrameChg>
-      </pc:sldChg>
-      <pc:sldChg chg="modSp add mod">
-        <pc:chgData name="Tobias Roth" userId="7a7936ad18b171e0" providerId="LiveId" clId="{62EE603E-8462-4B94-957E-8AA3B37F285D}" dt="2021-05-19T16:39:10.042" v="1176" actId="20577"/>
-        <pc:sldMkLst>
-          <pc:docMk/>
-          <pc:sldMk cId="4110049389" sldId="283"/>
-        </pc:sldMkLst>
-        <pc:spChg chg="mod">
-          <ac:chgData name="Tobias Roth" userId="7a7936ad18b171e0" providerId="LiveId" clId="{62EE603E-8462-4B94-957E-8AA3B37F285D}" dt="2021-05-19T16:23:24.723" v="555" actId="20577"/>
-          <ac:spMkLst>
-            <pc:docMk/>
-            <pc:sldMk cId="4110049389" sldId="283"/>
-            <ac:spMk id="2" creationId="{C3C89342-6F5C-4B3D-8BFC-5B79B97958D5}"/>
-          </ac:spMkLst>
-        </pc:spChg>
-        <pc:spChg chg="mod">
-          <ac:chgData name="Tobias Roth" userId="7a7936ad18b171e0" providerId="LiveId" clId="{62EE603E-8462-4B94-957E-8AA3B37F285D}" dt="2021-05-19T16:39:10.042" v="1176" actId="20577"/>
-          <ac:spMkLst>
-            <pc:docMk/>
-            <pc:sldMk cId="4110049389" sldId="283"/>
-            <ac:spMk id="3" creationId="{42006B0D-6943-40FA-9430-F32CCAD1A421}"/>
-          </ac:spMkLst>
-        </pc:spChg>
-        <pc:spChg chg="mod">
-          <ac:chgData name="Tobias Roth" userId="7a7936ad18b171e0" providerId="LiveId" clId="{62EE603E-8462-4B94-957E-8AA3B37F285D}" dt="2021-05-19T16:24:16.948" v="583" actId="20577"/>
-          <ac:spMkLst>
-            <pc:docMk/>
-            <pc:sldMk cId="4110049389" sldId="283"/>
-            <ac:spMk id="6" creationId="{49CA2A12-8346-4408-8133-FA4E9733E305}"/>
-          </ac:spMkLst>
-        </pc:spChg>
-      </pc:sldChg>
-    </pc:docChg>
-  </pc:docChgLst>
-</pc:chgInfo>
-</file>
-
 <file path=ppt/handoutMasters/handoutMaster1.xml><?xml version="1.0" encoding="utf-8"?>
 <p:handoutMaster xmlns:a="http://schemas.openxmlformats.org/drawingml/2006/main" xmlns:r="http://schemas.openxmlformats.org/officeDocument/2006/relationships" xmlns:p="http://schemas.openxmlformats.org/presentationml/2006/main">
   <p:cSld>
@@ -1766,6 +1297,301 @@
 </p:notes>
 </file>
 
+<file path=ppt/notesSlides/notesSlide2.xml><?xml version="1.0" encoding="utf-8"?>
+<p:notes xmlns:a="http://schemas.openxmlformats.org/drawingml/2006/main" xmlns:r="http://schemas.openxmlformats.org/officeDocument/2006/relationships" xmlns:p="http://schemas.openxmlformats.org/presentationml/2006/main">
+  <p:cSld>
+    <p:spTree>
+      <p:nvGrpSpPr>
+        <p:cNvPr id="1" name=""/>
+        <p:cNvGrpSpPr/>
+        <p:nvPr/>
+      </p:nvGrpSpPr>
+      <p:grpSpPr>
+        <a:xfrm>
+          <a:off x="0" y="0"/>
+          <a:ext cx="0" cy="0"/>
+          <a:chOff x="0" y="0"/>
+          <a:chExt cx="0" cy="0"/>
+        </a:xfrm>
+      </p:grpSpPr>
+      <p:sp>
+        <p:nvSpPr>
+          <p:cNvPr id="2" name="Folienbildplatzhalter 1"/>
+          <p:cNvSpPr>
+            <a:spLocks noGrp="1" noRot="1" noChangeAspect="1"/>
+          </p:cNvSpPr>
+          <p:nvPr>
+            <p:ph type="sldImg"/>
+          </p:nvPr>
+        </p:nvSpPr>
+        <p:spPr/>
+      </p:sp>
+      <p:sp>
+        <p:nvSpPr>
+          <p:cNvPr id="3" name="Notizenplatzhalter 2"/>
+          <p:cNvSpPr>
+            <a:spLocks noGrp="1"/>
+          </p:cNvSpPr>
+          <p:nvPr>
+            <p:ph type="body" idx="1"/>
+          </p:nvPr>
+        </p:nvSpPr>
+        <p:spPr/>
+        <p:txBody>
+          <a:bodyPr/>
+          <a:lstStyle/>
+          <a:p>
+            <a:r>
+              <a:rPr lang="de-DE" dirty="0" err="1"/>
+              <a:t>Gegebens</a:t>
+            </a:r>
+            <a:r>
+              <a:rPr lang="de-DE" dirty="0"/>
+              <a:t> MVC Pattern, Änderungen hauptsächlich an Modulen GUI und Controller</a:t>
+            </a:r>
+          </a:p>
+          <a:p>
+            <a:endParaRPr lang="de-DE" dirty="0"/>
+          </a:p>
+          <a:p>
+            <a:r>
+              <a:rPr lang="de-DE" dirty="0"/>
+              <a:t>GUI: Windows Forms implementiert</a:t>
+            </a:r>
+          </a:p>
+          <a:p>
+            <a:r>
+              <a:rPr lang="de-DE" dirty="0"/>
+              <a:t>Usability – Konzept, Anpassungen an der GUI, </a:t>
+            </a:r>
+          </a:p>
+          <a:p>
+            <a:r>
+              <a:rPr lang="de-DE" dirty="0"/>
+              <a:t>intuitivere Bedienung, </a:t>
+            </a:r>
+          </a:p>
+          <a:p>
+            <a:r>
+              <a:rPr lang="de-DE" dirty="0"/>
+              <a:t>GUI gibt mehr Rückmeldung an den User (Fehlermeldungen),</a:t>
+            </a:r>
+          </a:p>
+          <a:p>
+            <a:endParaRPr lang="de-DE" dirty="0"/>
+          </a:p>
+          <a:p>
+            <a:r>
+              <a:rPr lang="de-DE" dirty="0"/>
+              <a:t>Controller: </a:t>
+            </a:r>
+          </a:p>
+          <a:p>
+            <a:r>
+              <a:rPr lang="de-DE" dirty="0" err="1"/>
+              <a:t>Buttonclick</a:t>
+            </a:r>
+            <a:r>
+              <a:rPr lang="de-DE" dirty="0"/>
+              <a:t> passiert im Controller</a:t>
+            </a:r>
+          </a:p>
+          <a:p>
+            <a:r>
+              <a:rPr lang="de-DE" dirty="0">
+                <a:sym typeface="Wingdings" panose="05000000000000000000" pitchFamily="2" charset="2"/>
+              </a:rPr>
+              <a:t> </a:t>
+            </a:r>
+            <a:r>
+              <a:rPr lang="de-DE" dirty="0"/>
+              <a:t>Eventhandling, Interaktion</a:t>
+            </a:r>
+          </a:p>
+          <a:p>
+            <a:r>
+              <a:rPr lang="de-DE" dirty="0"/>
+              <a:t>Import / Export von </a:t>
+            </a:r>
+            <a:r>
+              <a:rPr lang="de-DE" dirty="0" err="1"/>
+              <a:t>aml</a:t>
+            </a:r>
+            <a:r>
+              <a:rPr lang="de-DE" dirty="0"/>
+              <a:t>-files</a:t>
+            </a:r>
+          </a:p>
+          <a:p>
+            <a:endParaRPr lang="de-DE" dirty="0"/>
+          </a:p>
+        </p:txBody>
+      </p:sp>
+      <p:sp>
+        <p:nvSpPr>
+          <p:cNvPr id="4" name="Foliennummernplatzhalter 3"/>
+          <p:cNvSpPr>
+            <a:spLocks noGrp="1"/>
+          </p:cNvSpPr>
+          <p:nvPr>
+            <p:ph type="sldNum" sz="quarter" idx="5"/>
+          </p:nvPr>
+        </p:nvSpPr>
+        <p:spPr/>
+        <p:txBody>
+          <a:bodyPr/>
+          <a:lstStyle/>
+          <a:p>
+            <a:pPr>
+              <a:defRPr/>
+            </a:pPr>
+            <a:fld id="{D8DEE2F2-E037-4778-A169-A12E4CD724E0}" type="slidenum">
+              <a:rPr lang="de-DE" altLang="de-DE" smtClean="0"/>
+              <a:pPr>
+                <a:defRPr/>
+              </a:pPr>
+              <a:t>7</a:t>
+            </a:fld>
+            <a:endParaRPr lang="de-DE" altLang="de-DE"/>
+          </a:p>
+        </p:txBody>
+      </p:sp>
+    </p:spTree>
+    <p:extLst>
+      <p:ext uri="{BB962C8B-B14F-4D97-AF65-F5344CB8AC3E}">
+        <p14:creationId xmlns:p14="http://schemas.microsoft.com/office/powerpoint/2010/main" val="194483198"/>
+      </p:ext>
+    </p:extLst>
+  </p:cSld>
+  <p:clrMapOvr>
+    <a:masterClrMapping/>
+  </p:clrMapOvr>
+</p:notes>
+</file>
+
+<file path=ppt/notesSlides/notesSlide3.xml><?xml version="1.0" encoding="utf-8"?>
+<p:notes xmlns:a="http://schemas.openxmlformats.org/drawingml/2006/main" xmlns:r="http://schemas.openxmlformats.org/officeDocument/2006/relationships" xmlns:p="http://schemas.openxmlformats.org/presentationml/2006/main">
+  <p:cSld>
+    <p:spTree>
+      <p:nvGrpSpPr>
+        <p:cNvPr id="1" name=""/>
+        <p:cNvGrpSpPr/>
+        <p:nvPr/>
+      </p:nvGrpSpPr>
+      <p:grpSpPr>
+        <a:xfrm>
+          <a:off x="0" y="0"/>
+          <a:ext cx="0" cy="0"/>
+          <a:chOff x="0" y="0"/>
+          <a:chExt cx="0" cy="0"/>
+        </a:xfrm>
+      </p:grpSpPr>
+      <p:sp>
+        <p:nvSpPr>
+          <p:cNvPr id="2" name="Folienbildplatzhalter 1"/>
+          <p:cNvSpPr>
+            <a:spLocks noGrp="1" noRot="1" noChangeAspect="1"/>
+          </p:cNvSpPr>
+          <p:nvPr>
+            <p:ph type="sldImg"/>
+          </p:nvPr>
+        </p:nvSpPr>
+        <p:spPr/>
+      </p:sp>
+      <p:sp>
+        <p:nvSpPr>
+          <p:cNvPr id="3" name="Notizenplatzhalter 2"/>
+          <p:cNvSpPr>
+            <a:spLocks noGrp="1"/>
+          </p:cNvSpPr>
+          <p:nvPr>
+            <p:ph type="body" idx="1"/>
+          </p:nvPr>
+        </p:nvSpPr>
+        <p:spPr/>
+        <p:txBody>
+          <a:bodyPr/>
+          <a:lstStyle/>
+          <a:p>
+            <a:r>
+              <a:rPr lang="de-DE" dirty="0"/>
+              <a:t>POC: Point </a:t>
+            </a:r>
+            <a:r>
+              <a:rPr lang="de-DE" dirty="0" err="1"/>
+              <a:t>of</a:t>
+            </a:r>
+            <a:r>
+              <a:rPr lang="de-DE" dirty="0"/>
+              <a:t> Control, definieren der Testdaten für das Produkt</a:t>
+            </a:r>
+          </a:p>
+          <a:p>
+            <a:r>
+              <a:rPr lang="de-DE" dirty="0"/>
+              <a:t>POO: Point </a:t>
+            </a:r>
+            <a:r>
+              <a:rPr lang="de-DE" dirty="0" err="1"/>
+              <a:t>of</a:t>
+            </a:r>
+            <a:r>
+              <a:rPr lang="de-DE" dirty="0"/>
+              <a:t> Observation, Auswerten der Testdaten nach </a:t>
+            </a:r>
+            <a:r>
+              <a:rPr lang="de-DE" dirty="0" err="1"/>
+              <a:t>ausgabe</a:t>
+            </a:r>
+            <a:r>
+              <a:rPr lang="de-DE" dirty="0"/>
+              <a:t> von Produkt</a:t>
+            </a:r>
+          </a:p>
+        </p:txBody>
+      </p:sp>
+      <p:sp>
+        <p:nvSpPr>
+          <p:cNvPr id="4" name="Foliennummernplatzhalter 3"/>
+          <p:cNvSpPr>
+            <a:spLocks noGrp="1"/>
+          </p:cNvSpPr>
+          <p:nvPr>
+            <p:ph type="sldNum" sz="quarter" idx="5"/>
+          </p:nvPr>
+        </p:nvSpPr>
+        <p:spPr/>
+        <p:txBody>
+          <a:bodyPr/>
+          <a:lstStyle/>
+          <a:p>
+            <a:pPr>
+              <a:defRPr/>
+            </a:pPr>
+            <a:fld id="{D8DEE2F2-E037-4778-A169-A12E4CD724E0}" type="slidenum">
+              <a:rPr lang="de-DE" altLang="de-DE" smtClean="0"/>
+              <a:pPr>
+                <a:defRPr/>
+              </a:pPr>
+              <a:t>8</a:t>
+            </a:fld>
+            <a:endParaRPr lang="de-DE" altLang="de-DE"/>
+          </a:p>
+        </p:txBody>
+      </p:sp>
+    </p:spTree>
+    <p:extLst>
+      <p:ext uri="{BB962C8B-B14F-4D97-AF65-F5344CB8AC3E}">
+        <p14:creationId xmlns:p14="http://schemas.microsoft.com/office/powerpoint/2010/main" val="2845738759"/>
+      </p:ext>
+    </p:extLst>
+  </p:cSld>
+  <p:clrMapOvr>
+    <a:masterClrMapping/>
+  </p:clrMapOvr>
+</p:notes>
+</file>
+
 <file path=ppt/slideLayouts/slideLayout1.xml><?xml version="1.0" encoding="utf-8"?>
 <p:sldLayout xmlns:a="http://schemas.openxmlformats.org/drawingml/2006/main" xmlns:r="http://schemas.openxmlformats.org/officeDocument/2006/relationships" xmlns:p="http://schemas.openxmlformats.org/presentationml/2006/main" type="title" preserve="1">
   <p:cSld name="Titelfolie">
@@ -2209,7 +2035,7 @@
               <a:pPr>
                 <a:defRPr/>
               </a:pPr>
-              <a:t>19.05.2021</a:t>
+              <a:t>20.05.2021</a:t>
             </a:fld>
             <a:endParaRPr lang="de-DE" sz="1400"/>
           </a:p>
@@ -2408,7 +2234,7 @@
               <a:pPr>
                 <a:defRPr/>
               </a:pPr>
-              <a:t>19.05.2021</a:t>
+              <a:t>20.05.2021</a:t>
             </a:fld>
             <a:endParaRPr lang="de-DE" sz="1400"/>
           </a:p>
@@ -2619,7 +2445,7 @@
           <a:p>
             <a:fld id="{07B49BA6-875A-412D-9854-CB223973CE47}" type="datetimeFigureOut">
               <a:rPr lang="de-DE" smtClean="0"/>
-              <a:t>19.05.2021</a:t>
+              <a:t>20.05.2021</a:t>
             </a:fld>
             <a:endParaRPr lang="de-DE"/>
           </a:p>
@@ -2817,7 +2643,7 @@
           <a:p>
             <a:fld id="{07B49BA6-875A-412D-9854-CB223973CE47}" type="datetimeFigureOut">
               <a:rPr lang="de-DE" smtClean="0"/>
-              <a:t>19.05.2021</a:t>
+              <a:t>20.05.2021</a:t>
             </a:fld>
             <a:endParaRPr lang="de-DE"/>
           </a:p>
@@ -3092,7 +2918,7 @@
           <a:p>
             <a:fld id="{07B49BA6-875A-412D-9854-CB223973CE47}" type="datetimeFigureOut">
               <a:rPr lang="de-DE" smtClean="0"/>
-              <a:t>19.05.2021</a:t>
+              <a:t>20.05.2021</a:t>
             </a:fld>
             <a:endParaRPr lang="de-DE"/>
           </a:p>
@@ -3357,7 +3183,7 @@
           <a:p>
             <a:fld id="{07B49BA6-875A-412D-9854-CB223973CE47}" type="datetimeFigureOut">
               <a:rPr lang="de-DE" smtClean="0"/>
-              <a:t>19.05.2021</a:t>
+              <a:t>20.05.2021</a:t>
             </a:fld>
             <a:endParaRPr lang="de-DE"/>
           </a:p>
@@ -3769,7 +3595,7 @@
           <a:p>
             <a:fld id="{07B49BA6-875A-412D-9854-CB223973CE47}" type="datetimeFigureOut">
               <a:rPr lang="de-DE" smtClean="0"/>
-              <a:t>19.05.2021</a:t>
+              <a:t>20.05.2021</a:t>
             </a:fld>
             <a:endParaRPr lang="de-DE"/>
           </a:p>
@@ -3910,7 +3736,7 @@
           <a:p>
             <a:fld id="{07B49BA6-875A-412D-9854-CB223973CE47}" type="datetimeFigureOut">
               <a:rPr lang="de-DE" smtClean="0"/>
-              <a:t>19.05.2021</a:t>
+              <a:t>20.05.2021</a:t>
             </a:fld>
             <a:endParaRPr lang="de-DE"/>
           </a:p>
@@ -4023,7 +3849,7 @@
           <a:p>
             <a:fld id="{07B49BA6-875A-412D-9854-CB223973CE47}" type="datetimeFigureOut">
               <a:rPr lang="de-DE" smtClean="0"/>
-              <a:t>19.05.2021</a:t>
+              <a:t>20.05.2021</a:t>
             </a:fld>
             <a:endParaRPr lang="de-DE"/>
           </a:p>
@@ -4334,7 +4160,7 @@
           <a:p>
             <a:fld id="{07B49BA6-875A-412D-9854-CB223973CE47}" type="datetimeFigureOut">
               <a:rPr lang="de-DE" smtClean="0"/>
-              <a:t>19.05.2021</a:t>
+              <a:t>20.05.2021</a:t>
             </a:fld>
             <a:endParaRPr lang="de-DE"/>
           </a:p>
@@ -4532,7 +4358,7 @@
               <a:pPr>
                 <a:defRPr/>
               </a:pPr>
-              <a:t>19.05.2021</a:t>
+              <a:t>20.05.2021</a:t>
             </a:fld>
             <a:endParaRPr lang="de-DE" sz="1400"/>
           </a:p>
@@ -4811,7 +4637,7 @@
           <a:p>
             <a:fld id="{07B49BA6-875A-412D-9854-CB223973CE47}" type="datetimeFigureOut">
               <a:rPr lang="de-DE" smtClean="0"/>
-              <a:t>19.05.2021</a:t>
+              <a:t>20.05.2021</a:t>
             </a:fld>
             <a:endParaRPr lang="de-DE"/>
           </a:p>
@@ -5009,7 +4835,7 @@
           <a:p>
             <a:fld id="{07B49BA6-875A-412D-9854-CB223973CE47}" type="datetimeFigureOut">
               <a:rPr lang="de-DE" smtClean="0"/>
-              <a:t>19.05.2021</a:t>
+              <a:t>20.05.2021</a:t>
             </a:fld>
             <a:endParaRPr lang="de-DE"/>
           </a:p>
@@ -5217,7 +5043,7 @@
           <a:p>
             <a:fld id="{07B49BA6-875A-412D-9854-CB223973CE47}" type="datetimeFigureOut">
               <a:rPr lang="de-DE" smtClean="0"/>
-              <a:t>19.05.2021</a:t>
+              <a:t>20.05.2021</a:t>
             </a:fld>
             <a:endParaRPr lang="de-DE"/>
           </a:p>
@@ -7183,7 +7009,7 @@
               <a:pPr>
                 <a:defRPr/>
               </a:pPr>
-              <a:t>19.05.2021</a:t>
+              <a:t>20.05.2021</a:t>
             </a:fld>
             <a:endParaRPr lang="de-DE" sz="1400"/>
           </a:p>
@@ -8419,7 +8245,7 @@
               <a:pPr>
                 <a:defRPr/>
               </a:pPr>
-              <a:t>19.05.2021</a:t>
+              <a:t>20.05.2021</a:t>
             </a:fld>
             <a:endParaRPr lang="de-DE" sz="1400"/>
           </a:p>
@@ -8864,7 +8690,7 @@
               <a:pPr>
                 <a:defRPr/>
               </a:pPr>
-              <a:t>19.05.2021</a:t>
+              <a:t>20.05.2021</a:t>
             </a:fld>
             <a:endParaRPr lang="de-DE" sz="1400"/>
           </a:p>
@@ -9002,7 +8828,7 @@
               <a:pPr>
                 <a:defRPr/>
               </a:pPr>
-              <a:t>19.05.2021</a:t>
+              <a:t>20.05.2021</a:t>
             </a:fld>
             <a:endParaRPr lang="de-DE" sz="1400"/>
           </a:p>
@@ -9118,7 +8944,7 @@
               <a:pPr>
                 <a:defRPr/>
               </a:pPr>
-              <a:t>19.05.2021</a:t>
+              <a:t>20.05.2021</a:t>
             </a:fld>
             <a:endParaRPr lang="de-DE" sz="1400"/>
           </a:p>
@@ -9414,7 +9240,7 @@
               <a:pPr>
                 <a:defRPr/>
               </a:pPr>
-              <a:t>19.05.2021</a:t>
+              <a:t>20.05.2021</a:t>
             </a:fld>
             <a:endParaRPr lang="de-DE" sz="1400"/>
           </a:p>
@@ -9688,7 +9514,7 @@
               <a:pPr>
                 <a:defRPr/>
               </a:pPr>
-              <a:t>19.05.2021</a:t>
+              <a:t>20.05.2021</a:t>
             </a:fld>
             <a:endParaRPr lang="de-DE" sz="1400"/>
           </a:p>
@@ -9898,7 +9724,7 @@
               <a:pPr>
                 <a:defRPr/>
               </a:pPr>
-              <a:t>19.05.2021</a:t>
+              <a:t>20.05.2021</a:t>
             </a:fld>
             <a:endParaRPr lang="de-DE" sz="1400"/>
           </a:p>
@@ -10785,7 +10611,7 @@
           <a:p>
             <a:fld id="{07B49BA6-875A-412D-9854-CB223973CE47}" type="datetimeFigureOut">
               <a:rPr lang="de-DE" smtClean="0"/>
-              <a:t>19.05.2021</a:t>
+              <a:t>20.05.2021</a:t>
             </a:fld>
             <a:endParaRPr lang="de-DE"/>
           </a:p>
@@ -12319,7 +12145,7 @@
             </a:r>
             <a:fld id="{3A82A570-DA67-483A-AE6F-6750694CF7E7}" type="datetime1">
               <a:rPr lang="de-DE" altLang="de-DE" smtClean="0"/>
-              <a:t>19.05.2021</a:t>
+              <a:t>20.05.2021</a:t>
             </a:fld>
             <a:r>
               <a:rPr lang="de-DE" altLang="de-DE" dirty="0"/>
@@ -12370,56 +12196,10 @@
       </p:grpSpPr>
       <p:sp>
         <p:nvSpPr>
-          <p:cNvPr id="2" name="Titel 1">
-            <a:extLst>
-              <a:ext uri="{FF2B5EF4-FFF2-40B4-BE49-F238E27FC236}">
-                <a16:creationId xmlns:a16="http://schemas.microsoft.com/office/drawing/2014/main" id="{C3C89342-6F5C-4B3D-8BFC-5B79B97958D5}"/>
-              </a:ext>
-            </a:extLst>
-          </p:cNvPr>
-          <p:cNvSpPr>
-            <a:spLocks noGrp="1"/>
-          </p:cNvSpPr>
-          <p:nvPr>
-            <p:ph type="title"/>
-          </p:nvPr>
-        </p:nvSpPr>
-        <p:spPr>
-          <a:xfrm>
-            <a:off x="752691" y="1196752"/>
-            <a:ext cx="8534400" cy="838200"/>
-          </a:xfrm>
-        </p:spPr>
-        <p:txBody>
-          <a:bodyPr/>
-          <a:lstStyle/>
-          <a:p>
-            <a:r>
-              <a:rPr lang="de-DE" dirty="0"/>
-              <a:t>7. </a:t>
-            </a:r>
-            <a:r>
-              <a:rPr lang="de-DE" dirty="0" err="1"/>
-              <a:t>Lessons</a:t>
-            </a:r>
-            <a:r>
-              <a:rPr lang="de-DE" dirty="0"/>
-              <a:t> </a:t>
-            </a:r>
-            <a:r>
-              <a:rPr lang="de-DE" dirty="0" err="1"/>
-              <a:t>Learned</a:t>
-            </a:r>
-            <a:endParaRPr lang="de-DE" dirty="0"/>
-          </a:p>
-        </p:txBody>
-      </p:sp>
-      <p:sp>
-        <p:nvSpPr>
           <p:cNvPr id="4" name="Datumsplatzhalter 3">
             <a:extLst>
               <a:ext uri="{FF2B5EF4-FFF2-40B4-BE49-F238E27FC236}">
-                <a16:creationId xmlns:a16="http://schemas.microsoft.com/office/drawing/2014/main" id="{12316D94-E5BA-480C-B696-859691E26562}"/>
+                <a16:creationId xmlns:a16="http://schemas.microsoft.com/office/drawing/2014/main" id="{604AD0E7-7B4E-49F7-989D-C2EE9D8FFD45}"/>
               </a:ext>
             </a:extLst>
           </p:cNvPr>
@@ -12438,9 +12218,9 @@
             <a:pPr>
               <a:defRPr/>
             </a:pPr>
-            <a:fld id="{2759BC77-E7B8-413A-BC06-D93DFDFFA11C}" type="datetime1">
+            <a:fld id="{02D6F678-9F6F-4074-8B8C-346F47D444C0}" type="datetime1">
               <a:rPr lang="de-DE" smtClean="0"/>
-              <a:t>19.05.2021</a:t>
+              <a:t>20.05.2021</a:t>
             </a:fld>
             <a:endParaRPr lang="de-DE" sz="1400" dirty="0"/>
           </a:p>
@@ -12451,7 +12231,7 @@
           <p:cNvPr id="5" name="Foliennummernplatzhalter 4">
             <a:extLst>
               <a:ext uri="{FF2B5EF4-FFF2-40B4-BE49-F238E27FC236}">
-                <a16:creationId xmlns:a16="http://schemas.microsoft.com/office/drawing/2014/main" id="{F73C356D-E3EC-423D-B4B1-0D2FB0BCEBB0}"/>
+                <a16:creationId xmlns:a16="http://schemas.microsoft.com/office/drawing/2014/main" id="{C284AA3A-AD34-4BEA-8094-34665B0D7693}"/>
               </a:ext>
             </a:extLst>
           </p:cNvPr>
@@ -12485,12 +12265,1852 @@
           </a:p>
         </p:txBody>
       </p:sp>
-      <p:sp>
-        <p:nvSpPr>
-          <p:cNvPr id="6" name="Rectangle 9">
+      <p:pic>
+        <p:nvPicPr>
+          <p:cNvPr id="51" name="Picture 12">
             <a:extLst>
               <a:ext uri="{FF2B5EF4-FFF2-40B4-BE49-F238E27FC236}">
-                <a16:creationId xmlns:a16="http://schemas.microsoft.com/office/drawing/2014/main" id="{49CA2A12-8346-4408-8133-FA4E9733E305}"/>
+                <a16:creationId xmlns:a16="http://schemas.microsoft.com/office/drawing/2014/main" id="{7618B1AD-35BF-47C8-8E7E-E0571D50919E}"/>
+              </a:ext>
+            </a:extLst>
+          </p:cNvPr>
+          <p:cNvPicPr>
+            <a:picLocks noChangeAspect="1" noChangeArrowheads="1"/>
+          </p:cNvPicPr>
+          <p:nvPr/>
+        </p:nvPicPr>
+        <p:blipFill>
+          <a:blip r:embed="rId2">
+            <a:extLst>
+              <a:ext uri="{28A0092B-C50C-407E-A947-70E740481C1C}">
+                <a14:useLocalDpi xmlns:a14="http://schemas.microsoft.com/office/drawing/2010/main" val="0"/>
+              </a:ext>
+            </a:extLst>
+          </a:blip>
+          <a:srcRect/>
+          <a:stretch>
+            <a:fillRect/>
+          </a:stretch>
+        </p:blipFill>
+        <p:spPr bwMode="auto">
+          <a:xfrm rot="10800000">
+            <a:off x="2754313" y="1481867"/>
+            <a:ext cx="4397375" cy="1725612"/>
+          </a:xfrm>
+          <a:prstGeom prst="rect">
+            <a:avLst/>
+          </a:prstGeom>
+          <a:noFill/>
+          <a:extLst>
+            <a:ext uri="{909E8E84-426E-40DD-AFC4-6F175D3DCCD1}">
+              <a14:hiddenFill xmlns:a14="http://schemas.microsoft.com/office/drawing/2010/main">
+                <a:solidFill>
+                  <a:srgbClr val="FFFFFF"/>
+                </a:solidFill>
+              </a14:hiddenFill>
+            </a:ext>
+          </a:extLst>
+        </p:spPr>
+      </p:pic>
+      <p:cxnSp>
+        <p:nvCxnSpPr>
+          <p:cNvPr id="57" name="Straight Connector 21">
+            <a:extLst>
+              <a:ext uri="{FF2B5EF4-FFF2-40B4-BE49-F238E27FC236}">
+                <a16:creationId xmlns:a16="http://schemas.microsoft.com/office/drawing/2014/main" id="{602200D5-87F3-4EC8-9DA7-8424A3CD374A}"/>
+              </a:ext>
+            </a:extLst>
+          </p:cNvPr>
+          <p:cNvCxnSpPr/>
+          <p:nvPr/>
+        </p:nvCxnSpPr>
+        <p:spPr>
+          <a:xfrm>
+            <a:off x="3741028" y="2609215"/>
+            <a:ext cx="1643380" cy="0"/>
+          </a:xfrm>
+          <a:prstGeom prst="line">
+            <a:avLst/>
+          </a:prstGeom>
+          <a:ln w="12700">
+            <a:solidFill>
+              <a:schemeClr val="bg1"/>
+            </a:solidFill>
+          </a:ln>
+        </p:spPr>
+        <p:style>
+          <a:lnRef idx="1">
+            <a:schemeClr val="accent1"/>
+          </a:lnRef>
+          <a:fillRef idx="0">
+            <a:schemeClr val="accent1"/>
+          </a:fillRef>
+          <a:effectRef idx="0">
+            <a:schemeClr val="accent1"/>
+          </a:effectRef>
+          <a:fontRef idx="minor">
+            <a:schemeClr val="tx1"/>
+          </a:fontRef>
+        </p:style>
+      </p:cxnSp>
+      <p:cxnSp>
+        <p:nvCxnSpPr>
+          <p:cNvPr id="72" name="Straight Connector 54">
+            <a:extLst>
+              <a:ext uri="{FF2B5EF4-FFF2-40B4-BE49-F238E27FC236}">
+                <a16:creationId xmlns:a16="http://schemas.microsoft.com/office/drawing/2014/main" id="{4A66EC80-058C-4E46-9D0D-31BD25226DE0}"/>
+              </a:ext>
+            </a:extLst>
+          </p:cNvPr>
+          <p:cNvCxnSpPr/>
+          <p:nvPr/>
+        </p:nvCxnSpPr>
+        <p:spPr>
+          <a:xfrm>
+            <a:off x="6442318" y="1807210"/>
+            <a:ext cx="1643380" cy="0"/>
+          </a:xfrm>
+          <a:prstGeom prst="line">
+            <a:avLst/>
+          </a:prstGeom>
+          <a:ln w="12700">
+            <a:solidFill>
+              <a:schemeClr val="bg1"/>
+            </a:solidFill>
+          </a:ln>
+        </p:spPr>
+        <p:style>
+          <a:lnRef idx="1">
+            <a:schemeClr val="accent1"/>
+          </a:lnRef>
+          <a:fillRef idx="0">
+            <a:schemeClr val="accent1"/>
+          </a:fillRef>
+          <a:effectRef idx="0">
+            <a:schemeClr val="accent1"/>
+          </a:effectRef>
+          <a:fontRef idx="minor">
+            <a:schemeClr val="tx1"/>
+          </a:fontRef>
+        </p:style>
+      </p:cxnSp>
+      <p:cxnSp>
+        <p:nvCxnSpPr>
+          <p:cNvPr id="75" name="Straight Connector 57">
+            <a:extLst>
+              <a:ext uri="{FF2B5EF4-FFF2-40B4-BE49-F238E27FC236}">
+                <a16:creationId xmlns:a16="http://schemas.microsoft.com/office/drawing/2014/main" id="{90DE18F7-FC05-412C-983E-687689AAD087}"/>
+              </a:ext>
+            </a:extLst>
+          </p:cNvPr>
+          <p:cNvCxnSpPr/>
+          <p:nvPr/>
+        </p:nvCxnSpPr>
+        <p:spPr>
+          <a:xfrm>
+            <a:off x="9000733" y="2578100"/>
+            <a:ext cx="1643380" cy="0"/>
+          </a:xfrm>
+          <a:prstGeom prst="line">
+            <a:avLst/>
+          </a:prstGeom>
+          <a:ln w="12700">
+            <a:solidFill>
+              <a:schemeClr val="bg1"/>
+            </a:solidFill>
+          </a:ln>
+        </p:spPr>
+        <p:style>
+          <a:lnRef idx="1">
+            <a:schemeClr val="accent1"/>
+          </a:lnRef>
+          <a:fillRef idx="0">
+            <a:schemeClr val="accent1"/>
+          </a:fillRef>
+          <a:effectRef idx="0">
+            <a:schemeClr val="accent1"/>
+          </a:effectRef>
+          <a:fontRef idx="minor">
+            <a:schemeClr val="tx1"/>
+          </a:fontRef>
+        </p:style>
+      </p:cxnSp>
+      <p:cxnSp>
+        <p:nvCxnSpPr>
+          <p:cNvPr id="78" name="Straight Connector 60">
+            <a:extLst>
+              <a:ext uri="{FF2B5EF4-FFF2-40B4-BE49-F238E27FC236}">
+                <a16:creationId xmlns:a16="http://schemas.microsoft.com/office/drawing/2014/main" id="{8D654C6C-4D2E-4C24-B0B2-50EB56EB34BA}"/>
+              </a:ext>
+            </a:extLst>
+          </p:cNvPr>
+          <p:cNvCxnSpPr/>
+          <p:nvPr/>
+        </p:nvCxnSpPr>
+        <p:spPr>
+          <a:xfrm>
+            <a:off x="2230998" y="4468495"/>
+            <a:ext cx="1643380" cy="0"/>
+          </a:xfrm>
+          <a:prstGeom prst="line">
+            <a:avLst/>
+          </a:prstGeom>
+          <a:ln w="12700">
+            <a:solidFill>
+              <a:schemeClr val="bg1"/>
+            </a:solidFill>
+          </a:ln>
+        </p:spPr>
+        <p:style>
+          <a:lnRef idx="1">
+            <a:schemeClr val="accent1"/>
+          </a:lnRef>
+          <a:fillRef idx="0">
+            <a:schemeClr val="accent1"/>
+          </a:fillRef>
+          <a:effectRef idx="0">
+            <a:schemeClr val="accent1"/>
+          </a:effectRef>
+          <a:fontRef idx="minor">
+            <a:schemeClr val="tx1"/>
+          </a:fontRef>
+        </p:style>
+      </p:cxnSp>
+      <p:cxnSp>
+        <p:nvCxnSpPr>
+          <p:cNvPr id="81" name="Straight Connector 63">
+            <a:extLst>
+              <a:ext uri="{FF2B5EF4-FFF2-40B4-BE49-F238E27FC236}">
+                <a16:creationId xmlns:a16="http://schemas.microsoft.com/office/drawing/2014/main" id="{682733DA-BD56-408B-863D-90D2BE41BAFE}"/>
+              </a:ext>
+            </a:extLst>
+          </p:cNvPr>
+          <p:cNvCxnSpPr/>
+          <p:nvPr/>
+        </p:nvCxnSpPr>
+        <p:spPr>
+          <a:xfrm>
+            <a:off x="10232633" y="4458970"/>
+            <a:ext cx="1643380" cy="0"/>
+          </a:xfrm>
+          <a:prstGeom prst="line">
+            <a:avLst/>
+          </a:prstGeom>
+          <a:ln w="12700">
+            <a:solidFill>
+              <a:schemeClr val="bg1"/>
+            </a:solidFill>
+          </a:ln>
+        </p:spPr>
+        <p:style>
+          <a:lnRef idx="1">
+            <a:schemeClr val="accent1"/>
+          </a:lnRef>
+          <a:fillRef idx="0">
+            <a:schemeClr val="accent1"/>
+          </a:fillRef>
+          <a:effectRef idx="0">
+            <a:schemeClr val="accent1"/>
+          </a:effectRef>
+          <a:fontRef idx="minor">
+            <a:schemeClr val="tx1"/>
+          </a:fontRef>
+        </p:style>
+      </p:cxnSp>
+      <p:sp>
+        <p:nvSpPr>
+          <p:cNvPr id="55" name="Hexagon 4">
+            <a:extLst>
+              <a:ext uri="{FF2B5EF4-FFF2-40B4-BE49-F238E27FC236}">
+                <a16:creationId xmlns:a16="http://schemas.microsoft.com/office/drawing/2014/main" id="{01833171-4291-4D7A-8FEC-99E2671DF948}"/>
+              </a:ext>
+            </a:extLst>
+          </p:cNvPr>
+          <p:cNvSpPr/>
+          <p:nvPr/>
+        </p:nvSpPr>
+        <p:spPr>
+          <a:xfrm rot="10800000">
+            <a:off x="3843020" y="4009395"/>
+            <a:ext cx="2274695" cy="1946916"/>
+          </a:xfrm>
+          <a:custGeom>
+            <a:avLst/>
+            <a:gdLst>
+              <a:gd name="connsiteX0" fmla="*/ 0 w 1454150"/>
+              <a:gd name="connsiteY0" fmla="*/ 622300 h 1244600"/>
+              <a:gd name="connsiteX1" fmla="*/ 311150 w 1454150"/>
+              <a:gd name="connsiteY1" fmla="*/ 0 h 1244600"/>
+              <a:gd name="connsiteX2" fmla="*/ 1143000 w 1454150"/>
+              <a:gd name="connsiteY2" fmla="*/ 0 h 1244600"/>
+              <a:gd name="connsiteX3" fmla="*/ 1454150 w 1454150"/>
+              <a:gd name="connsiteY3" fmla="*/ 622300 h 1244600"/>
+              <a:gd name="connsiteX4" fmla="*/ 1143000 w 1454150"/>
+              <a:gd name="connsiteY4" fmla="*/ 1244600 h 1244600"/>
+              <a:gd name="connsiteX5" fmla="*/ 311150 w 1454150"/>
+              <a:gd name="connsiteY5" fmla="*/ 1244600 h 1244600"/>
+              <a:gd name="connsiteX6" fmla="*/ 0 w 1454150"/>
+              <a:gd name="connsiteY6" fmla="*/ 622300 h 1244600"/>
+              <a:gd name="connsiteX0" fmla="*/ 0 w 1454150"/>
+              <a:gd name="connsiteY0" fmla="*/ 622300 h 1244600"/>
+              <a:gd name="connsiteX1" fmla="*/ 355460 w 1454150"/>
+              <a:gd name="connsiteY1" fmla="*/ 0 h 1244600"/>
+              <a:gd name="connsiteX2" fmla="*/ 1143000 w 1454150"/>
+              <a:gd name="connsiteY2" fmla="*/ 0 h 1244600"/>
+              <a:gd name="connsiteX3" fmla="*/ 1454150 w 1454150"/>
+              <a:gd name="connsiteY3" fmla="*/ 622300 h 1244600"/>
+              <a:gd name="connsiteX4" fmla="*/ 1143000 w 1454150"/>
+              <a:gd name="connsiteY4" fmla="*/ 1244600 h 1244600"/>
+              <a:gd name="connsiteX5" fmla="*/ 311150 w 1454150"/>
+              <a:gd name="connsiteY5" fmla="*/ 1244600 h 1244600"/>
+              <a:gd name="connsiteX6" fmla="*/ 0 w 1454150"/>
+              <a:gd name="connsiteY6" fmla="*/ 622300 h 1244600"/>
+              <a:gd name="connsiteX0" fmla="*/ 0 w 1454150"/>
+              <a:gd name="connsiteY0" fmla="*/ 622300 h 1244600"/>
+              <a:gd name="connsiteX1" fmla="*/ 355460 w 1454150"/>
+              <a:gd name="connsiteY1" fmla="*/ 0 h 1244600"/>
+              <a:gd name="connsiteX2" fmla="*/ 1098690 w 1454150"/>
+              <a:gd name="connsiteY2" fmla="*/ 0 h 1244600"/>
+              <a:gd name="connsiteX3" fmla="*/ 1454150 w 1454150"/>
+              <a:gd name="connsiteY3" fmla="*/ 622300 h 1244600"/>
+              <a:gd name="connsiteX4" fmla="*/ 1143000 w 1454150"/>
+              <a:gd name="connsiteY4" fmla="*/ 1244600 h 1244600"/>
+              <a:gd name="connsiteX5" fmla="*/ 311150 w 1454150"/>
+              <a:gd name="connsiteY5" fmla="*/ 1244600 h 1244600"/>
+              <a:gd name="connsiteX6" fmla="*/ 0 w 1454150"/>
+              <a:gd name="connsiteY6" fmla="*/ 622300 h 1244600"/>
+              <a:gd name="connsiteX0" fmla="*/ 0 w 1454150"/>
+              <a:gd name="connsiteY0" fmla="*/ 622300 h 1244600"/>
+              <a:gd name="connsiteX1" fmla="*/ 355460 w 1454150"/>
+              <a:gd name="connsiteY1" fmla="*/ 0 h 1244600"/>
+              <a:gd name="connsiteX2" fmla="*/ 1098690 w 1454150"/>
+              <a:gd name="connsiteY2" fmla="*/ 0 h 1244600"/>
+              <a:gd name="connsiteX3" fmla="*/ 1454150 w 1454150"/>
+              <a:gd name="connsiteY3" fmla="*/ 622300 h 1244600"/>
+              <a:gd name="connsiteX4" fmla="*/ 1094662 w 1454150"/>
+              <a:gd name="connsiteY4" fmla="*/ 1244600 h 1244600"/>
+              <a:gd name="connsiteX5" fmla="*/ 311150 w 1454150"/>
+              <a:gd name="connsiteY5" fmla="*/ 1244600 h 1244600"/>
+              <a:gd name="connsiteX6" fmla="*/ 0 w 1454150"/>
+              <a:gd name="connsiteY6" fmla="*/ 622300 h 1244600"/>
+              <a:gd name="connsiteX0" fmla="*/ 0 w 1454150"/>
+              <a:gd name="connsiteY0" fmla="*/ 622300 h 1244600"/>
+              <a:gd name="connsiteX1" fmla="*/ 355460 w 1454150"/>
+              <a:gd name="connsiteY1" fmla="*/ 0 h 1244600"/>
+              <a:gd name="connsiteX2" fmla="*/ 1098690 w 1454150"/>
+              <a:gd name="connsiteY2" fmla="*/ 0 h 1244600"/>
+              <a:gd name="connsiteX3" fmla="*/ 1454150 w 1454150"/>
+              <a:gd name="connsiteY3" fmla="*/ 622300 h 1244600"/>
+              <a:gd name="connsiteX4" fmla="*/ 1094662 w 1454150"/>
+              <a:gd name="connsiteY4" fmla="*/ 1244600 h 1244600"/>
+              <a:gd name="connsiteX5" fmla="*/ 343376 w 1454150"/>
+              <a:gd name="connsiteY5" fmla="*/ 1244600 h 1244600"/>
+              <a:gd name="connsiteX6" fmla="*/ 0 w 1454150"/>
+              <a:gd name="connsiteY6" fmla="*/ 622300 h 1244600"/>
+            </a:gdLst>
+            <a:ahLst/>
+            <a:cxnLst>
+              <a:cxn ang="0">
+                <a:pos x="connsiteX0" y="connsiteY0"/>
+              </a:cxn>
+              <a:cxn ang="0">
+                <a:pos x="connsiteX1" y="connsiteY1"/>
+              </a:cxn>
+              <a:cxn ang="0">
+                <a:pos x="connsiteX2" y="connsiteY2"/>
+              </a:cxn>
+              <a:cxn ang="0">
+                <a:pos x="connsiteX3" y="connsiteY3"/>
+              </a:cxn>
+              <a:cxn ang="0">
+                <a:pos x="connsiteX4" y="connsiteY4"/>
+              </a:cxn>
+              <a:cxn ang="0">
+                <a:pos x="connsiteX5" y="connsiteY5"/>
+              </a:cxn>
+              <a:cxn ang="0">
+                <a:pos x="connsiteX6" y="connsiteY6"/>
+              </a:cxn>
+            </a:cxnLst>
+            <a:rect l="l" t="t" r="r" b="b"/>
+            <a:pathLst>
+              <a:path w="1454150" h="1244600">
+                <a:moveTo>
+                  <a:pt x="0" y="622300"/>
+                </a:moveTo>
+                <a:lnTo>
+                  <a:pt x="355460" y="0"/>
+                </a:lnTo>
+                <a:lnTo>
+                  <a:pt x="1098690" y="0"/>
+                </a:lnTo>
+                <a:lnTo>
+                  <a:pt x="1454150" y="622300"/>
+                </a:lnTo>
+                <a:lnTo>
+                  <a:pt x="1094662" y="1244600"/>
+                </a:lnTo>
+                <a:lnTo>
+                  <a:pt x="343376" y="1244600"/>
+                </a:lnTo>
+                <a:lnTo>
+                  <a:pt x="0" y="622300"/>
+                </a:lnTo>
+                <a:close/>
+              </a:path>
+            </a:pathLst>
+          </a:custGeom>
+          <a:solidFill>
+            <a:srgbClr val="333399"/>
+          </a:solidFill>
+          <a:ln>
+            <a:noFill/>
+          </a:ln>
+        </p:spPr>
+        <p:style>
+          <a:lnRef idx="2">
+            <a:schemeClr val="accent1">
+              <a:shade val="50000"/>
+            </a:schemeClr>
+          </a:lnRef>
+          <a:fillRef idx="1">
+            <a:schemeClr val="accent1"/>
+          </a:fillRef>
+          <a:effectRef idx="0">
+            <a:schemeClr val="accent1"/>
+          </a:effectRef>
+          <a:fontRef idx="minor">
+            <a:schemeClr val="lt1"/>
+          </a:fontRef>
+        </p:style>
+        <p:txBody>
+          <a:bodyPr rot="0" spcFirstLastPara="0" vert="horz" wrap="square" lIns="91440" tIns="45720" rIns="91440" bIns="45720" numCol="1" spcCol="0" rtlCol="0" fromWordArt="0" anchor="ctr" anchorCtr="0" forceAA="0" compatLnSpc="1">
+            <a:prstTxWarp prst="textNoShape">
+              <a:avLst/>
+            </a:prstTxWarp>
+            <a:noAutofit/>
+          </a:bodyPr>
+          <a:lstStyle/>
+          <a:p>
+            <a:endParaRPr lang="de-DE" dirty="0">
+              <a:solidFill>
+                <a:schemeClr val="tx1"/>
+              </a:solidFill>
+            </a:endParaRPr>
+          </a:p>
+        </p:txBody>
+      </p:sp>
+      <p:sp>
+        <p:nvSpPr>
+          <p:cNvPr id="65" name="Oval 47">
+            <a:extLst>
+              <a:ext uri="{FF2B5EF4-FFF2-40B4-BE49-F238E27FC236}">
+                <a16:creationId xmlns:a16="http://schemas.microsoft.com/office/drawing/2014/main" id="{DECDB17A-B0F1-4B4C-BC69-4EAA404E61D0}"/>
+              </a:ext>
+            </a:extLst>
+          </p:cNvPr>
+          <p:cNvSpPr/>
+          <p:nvPr/>
+        </p:nvSpPr>
+        <p:spPr>
+          <a:xfrm rot="10800000">
+            <a:off x="4880992" y="3100198"/>
+            <a:ext cx="184785" cy="184785"/>
+          </a:xfrm>
+          <a:prstGeom prst="ellipse">
+            <a:avLst/>
+          </a:prstGeom>
+          <a:solidFill>
+            <a:srgbClr val="333399"/>
+          </a:solidFill>
+          <a:ln>
+            <a:solidFill>
+              <a:srgbClr val="FFFFFF"/>
+            </a:solidFill>
+          </a:ln>
+        </p:spPr>
+        <p:style>
+          <a:lnRef idx="2">
+            <a:schemeClr val="accent1">
+              <a:shade val="50000"/>
+            </a:schemeClr>
+          </a:lnRef>
+          <a:fillRef idx="1">
+            <a:schemeClr val="accent1"/>
+          </a:fillRef>
+          <a:effectRef idx="0">
+            <a:schemeClr val="accent1"/>
+          </a:effectRef>
+          <a:fontRef idx="minor">
+            <a:schemeClr val="lt1"/>
+          </a:fontRef>
+        </p:style>
+        <p:txBody>
+          <a:bodyPr rot="0" spcFirstLastPara="0" vert="horz" wrap="square" lIns="91440" tIns="45720" rIns="91440" bIns="45720" numCol="1" spcCol="0" rtlCol="0" fromWordArt="0" anchor="ctr" anchorCtr="0" forceAA="0" compatLnSpc="1">
+            <a:prstTxWarp prst="textNoShape">
+              <a:avLst/>
+            </a:prstTxWarp>
+            <a:noAutofit/>
+          </a:bodyPr>
+          <a:lstStyle/>
+          <a:p>
+            <a:endParaRPr lang="de-DE">
+              <a:solidFill>
+                <a:schemeClr val="tx1"/>
+              </a:solidFill>
+            </a:endParaRPr>
+          </a:p>
+        </p:txBody>
+      </p:sp>
+      <p:cxnSp>
+        <p:nvCxnSpPr>
+          <p:cNvPr id="84" name="Straight Connector 194">
+            <a:extLst>
+              <a:ext uri="{FF2B5EF4-FFF2-40B4-BE49-F238E27FC236}">
+                <a16:creationId xmlns:a16="http://schemas.microsoft.com/office/drawing/2014/main" id="{3FDFE2D4-E928-489D-8671-9BA2D9202CCF}"/>
+              </a:ext>
+            </a:extLst>
+          </p:cNvPr>
+          <p:cNvCxnSpPr>
+            <a:cxnSpLocks/>
+            <a:endCxn id="65" idx="0"/>
+          </p:cNvCxnSpPr>
+          <p:nvPr/>
+        </p:nvCxnSpPr>
+        <p:spPr>
+          <a:xfrm flipV="1">
+            <a:off x="4973216" y="3284983"/>
+            <a:ext cx="168" cy="708519"/>
+          </a:xfrm>
+          <a:prstGeom prst="line">
+            <a:avLst/>
+          </a:prstGeom>
+          <a:ln w="19050">
+            <a:solidFill>
+              <a:srgbClr val="333399"/>
+            </a:solidFill>
+            <a:prstDash val="dash"/>
+          </a:ln>
+        </p:spPr>
+        <p:style>
+          <a:lnRef idx="1">
+            <a:schemeClr val="accent1"/>
+          </a:lnRef>
+          <a:fillRef idx="0">
+            <a:schemeClr val="accent1"/>
+          </a:fillRef>
+          <a:effectRef idx="0">
+            <a:schemeClr val="accent1"/>
+          </a:effectRef>
+          <a:fontRef idx="minor">
+            <a:schemeClr val="tx1"/>
+          </a:fontRef>
+        </p:style>
+      </p:cxnSp>
+      <p:sp>
+        <p:nvSpPr>
+          <p:cNvPr id="58" name="Hexagon 4">
+            <a:extLst>
+              <a:ext uri="{FF2B5EF4-FFF2-40B4-BE49-F238E27FC236}">
+                <a16:creationId xmlns:a16="http://schemas.microsoft.com/office/drawing/2014/main" id="{62E80B45-2E39-4B66-883B-8F18D25D8B12}"/>
+              </a:ext>
+            </a:extLst>
+          </p:cNvPr>
+          <p:cNvSpPr/>
+          <p:nvPr/>
+        </p:nvSpPr>
+        <p:spPr>
+          <a:xfrm rot="9012897">
+            <a:off x="6508635" y="3575095"/>
+            <a:ext cx="2054681" cy="1758605"/>
+          </a:xfrm>
+          <a:custGeom>
+            <a:avLst/>
+            <a:gdLst>
+              <a:gd name="connsiteX0" fmla="*/ 0 w 1454150"/>
+              <a:gd name="connsiteY0" fmla="*/ 622300 h 1244600"/>
+              <a:gd name="connsiteX1" fmla="*/ 311150 w 1454150"/>
+              <a:gd name="connsiteY1" fmla="*/ 0 h 1244600"/>
+              <a:gd name="connsiteX2" fmla="*/ 1143000 w 1454150"/>
+              <a:gd name="connsiteY2" fmla="*/ 0 h 1244600"/>
+              <a:gd name="connsiteX3" fmla="*/ 1454150 w 1454150"/>
+              <a:gd name="connsiteY3" fmla="*/ 622300 h 1244600"/>
+              <a:gd name="connsiteX4" fmla="*/ 1143000 w 1454150"/>
+              <a:gd name="connsiteY4" fmla="*/ 1244600 h 1244600"/>
+              <a:gd name="connsiteX5" fmla="*/ 311150 w 1454150"/>
+              <a:gd name="connsiteY5" fmla="*/ 1244600 h 1244600"/>
+              <a:gd name="connsiteX6" fmla="*/ 0 w 1454150"/>
+              <a:gd name="connsiteY6" fmla="*/ 622300 h 1244600"/>
+              <a:gd name="connsiteX0" fmla="*/ 0 w 1454150"/>
+              <a:gd name="connsiteY0" fmla="*/ 622300 h 1244600"/>
+              <a:gd name="connsiteX1" fmla="*/ 355460 w 1454150"/>
+              <a:gd name="connsiteY1" fmla="*/ 0 h 1244600"/>
+              <a:gd name="connsiteX2" fmla="*/ 1143000 w 1454150"/>
+              <a:gd name="connsiteY2" fmla="*/ 0 h 1244600"/>
+              <a:gd name="connsiteX3" fmla="*/ 1454150 w 1454150"/>
+              <a:gd name="connsiteY3" fmla="*/ 622300 h 1244600"/>
+              <a:gd name="connsiteX4" fmla="*/ 1143000 w 1454150"/>
+              <a:gd name="connsiteY4" fmla="*/ 1244600 h 1244600"/>
+              <a:gd name="connsiteX5" fmla="*/ 311150 w 1454150"/>
+              <a:gd name="connsiteY5" fmla="*/ 1244600 h 1244600"/>
+              <a:gd name="connsiteX6" fmla="*/ 0 w 1454150"/>
+              <a:gd name="connsiteY6" fmla="*/ 622300 h 1244600"/>
+              <a:gd name="connsiteX0" fmla="*/ 0 w 1454150"/>
+              <a:gd name="connsiteY0" fmla="*/ 622300 h 1244600"/>
+              <a:gd name="connsiteX1" fmla="*/ 355460 w 1454150"/>
+              <a:gd name="connsiteY1" fmla="*/ 0 h 1244600"/>
+              <a:gd name="connsiteX2" fmla="*/ 1098690 w 1454150"/>
+              <a:gd name="connsiteY2" fmla="*/ 0 h 1244600"/>
+              <a:gd name="connsiteX3" fmla="*/ 1454150 w 1454150"/>
+              <a:gd name="connsiteY3" fmla="*/ 622300 h 1244600"/>
+              <a:gd name="connsiteX4" fmla="*/ 1143000 w 1454150"/>
+              <a:gd name="connsiteY4" fmla="*/ 1244600 h 1244600"/>
+              <a:gd name="connsiteX5" fmla="*/ 311150 w 1454150"/>
+              <a:gd name="connsiteY5" fmla="*/ 1244600 h 1244600"/>
+              <a:gd name="connsiteX6" fmla="*/ 0 w 1454150"/>
+              <a:gd name="connsiteY6" fmla="*/ 622300 h 1244600"/>
+              <a:gd name="connsiteX0" fmla="*/ 0 w 1454150"/>
+              <a:gd name="connsiteY0" fmla="*/ 622300 h 1244600"/>
+              <a:gd name="connsiteX1" fmla="*/ 355460 w 1454150"/>
+              <a:gd name="connsiteY1" fmla="*/ 0 h 1244600"/>
+              <a:gd name="connsiteX2" fmla="*/ 1098690 w 1454150"/>
+              <a:gd name="connsiteY2" fmla="*/ 0 h 1244600"/>
+              <a:gd name="connsiteX3" fmla="*/ 1454150 w 1454150"/>
+              <a:gd name="connsiteY3" fmla="*/ 622300 h 1244600"/>
+              <a:gd name="connsiteX4" fmla="*/ 1094662 w 1454150"/>
+              <a:gd name="connsiteY4" fmla="*/ 1244600 h 1244600"/>
+              <a:gd name="connsiteX5" fmla="*/ 311150 w 1454150"/>
+              <a:gd name="connsiteY5" fmla="*/ 1244600 h 1244600"/>
+              <a:gd name="connsiteX6" fmla="*/ 0 w 1454150"/>
+              <a:gd name="connsiteY6" fmla="*/ 622300 h 1244600"/>
+              <a:gd name="connsiteX0" fmla="*/ 0 w 1454150"/>
+              <a:gd name="connsiteY0" fmla="*/ 622300 h 1244600"/>
+              <a:gd name="connsiteX1" fmla="*/ 355460 w 1454150"/>
+              <a:gd name="connsiteY1" fmla="*/ 0 h 1244600"/>
+              <a:gd name="connsiteX2" fmla="*/ 1098690 w 1454150"/>
+              <a:gd name="connsiteY2" fmla="*/ 0 h 1244600"/>
+              <a:gd name="connsiteX3" fmla="*/ 1454150 w 1454150"/>
+              <a:gd name="connsiteY3" fmla="*/ 622300 h 1244600"/>
+              <a:gd name="connsiteX4" fmla="*/ 1094662 w 1454150"/>
+              <a:gd name="connsiteY4" fmla="*/ 1244600 h 1244600"/>
+              <a:gd name="connsiteX5" fmla="*/ 343376 w 1454150"/>
+              <a:gd name="connsiteY5" fmla="*/ 1244600 h 1244600"/>
+              <a:gd name="connsiteX6" fmla="*/ 0 w 1454150"/>
+              <a:gd name="connsiteY6" fmla="*/ 622300 h 1244600"/>
+            </a:gdLst>
+            <a:ahLst/>
+            <a:cxnLst>
+              <a:cxn ang="0">
+                <a:pos x="connsiteX0" y="connsiteY0"/>
+              </a:cxn>
+              <a:cxn ang="0">
+                <a:pos x="connsiteX1" y="connsiteY1"/>
+              </a:cxn>
+              <a:cxn ang="0">
+                <a:pos x="connsiteX2" y="connsiteY2"/>
+              </a:cxn>
+              <a:cxn ang="0">
+                <a:pos x="connsiteX3" y="connsiteY3"/>
+              </a:cxn>
+              <a:cxn ang="0">
+                <a:pos x="connsiteX4" y="connsiteY4"/>
+              </a:cxn>
+              <a:cxn ang="0">
+                <a:pos x="connsiteX5" y="connsiteY5"/>
+              </a:cxn>
+              <a:cxn ang="0">
+                <a:pos x="connsiteX6" y="connsiteY6"/>
+              </a:cxn>
+            </a:cxnLst>
+            <a:rect l="l" t="t" r="r" b="b"/>
+            <a:pathLst>
+              <a:path w="1454150" h="1244600">
+                <a:moveTo>
+                  <a:pt x="0" y="622300"/>
+                </a:moveTo>
+                <a:lnTo>
+                  <a:pt x="355460" y="0"/>
+                </a:lnTo>
+                <a:lnTo>
+                  <a:pt x="1098690" y="0"/>
+                </a:lnTo>
+                <a:lnTo>
+                  <a:pt x="1454150" y="622300"/>
+                </a:lnTo>
+                <a:lnTo>
+                  <a:pt x="1094662" y="1244600"/>
+                </a:lnTo>
+                <a:lnTo>
+                  <a:pt x="343376" y="1244600"/>
+                </a:lnTo>
+                <a:lnTo>
+                  <a:pt x="0" y="622300"/>
+                </a:lnTo>
+                <a:close/>
+              </a:path>
+            </a:pathLst>
+          </a:custGeom>
+          <a:solidFill>
+            <a:srgbClr val="F7941D"/>
+          </a:solidFill>
+          <a:ln w="38100">
+            <a:noFill/>
+          </a:ln>
+        </p:spPr>
+        <p:style>
+          <a:lnRef idx="2">
+            <a:schemeClr val="accent1">
+              <a:shade val="50000"/>
+            </a:schemeClr>
+          </a:lnRef>
+          <a:fillRef idx="1">
+            <a:schemeClr val="accent1"/>
+          </a:fillRef>
+          <a:effectRef idx="0">
+            <a:schemeClr val="accent1"/>
+          </a:effectRef>
+          <a:fontRef idx="minor">
+            <a:schemeClr val="lt1"/>
+          </a:fontRef>
+        </p:style>
+        <p:txBody>
+          <a:bodyPr rot="0" spcFirstLastPara="0" vert="horz" wrap="square" lIns="91440" tIns="45720" rIns="91440" bIns="45720" numCol="1" spcCol="0" rtlCol="0" fromWordArt="0" anchor="ctr" anchorCtr="0" forceAA="0" compatLnSpc="1">
+            <a:prstTxWarp prst="textNoShape">
+              <a:avLst/>
+            </a:prstTxWarp>
+            <a:noAutofit/>
+          </a:bodyPr>
+          <a:lstStyle/>
+          <a:p>
+            <a:endParaRPr lang="de-DE">
+              <a:solidFill>
+                <a:schemeClr val="tx1"/>
+              </a:solidFill>
+            </a:endParaRPr>
+          </a:p>
+        </p:txBody>
+      </p:sp>
+      <p:sp>
+        <p:nvSpPr>
+          <p:cNvPr id="69" name="Oval 51">
+            <a:extLst>
+              <a:ext uri="{FF2B5EF4-FFF2-40B4-BE49-F238E27FC236}">
+                <a16:creationId xmlns:a16="http://schemas.microsoft.com/office/drawing/2014/main" id="{5245ECA9-C5F2-4257-BB57-9011A6EA923E}"/>
+              </a:ext>
+            </a:extLst>
+          </p:cNvPr>
+          <p:cNvSpPr/>
+          <p:nvPr/>
+        </p:nvSpPr>
+        <p:spPr>
+          <a:xfrm rot="7200000">
+            <a:off x="6357784" y="2578468"/>
+            <a:ext cx="184785" cy="184785"/>
+          </a:xfrm>
+          <a:prstGeom prst="ellipse">
+            <a:avLst/>
+          </a:prstGeom>
+          <a:solidFill>
+            <a:srgbClr val="F7941D"/>
+          </a:solidFill>
+          <a:ln>
+            <a:noFill/>
+          </a:ln>
+        </p:spPr>
+        <p:style>
+          <a:lnRef idx="2">
+            <a:schemeClr val="accent1">
+              <a:shade val="50000"/>
+            </a:schemeClr>
+          </a:lnRef>
+          <a:fillRef idx="1">
+            <a:schemeClr val="accent1"/>
+          </a:fillRef>
+          <a:effectRef idx="0">
+            <a:schemeClr val="accent1"/>
+          </a:effectRef>
+          <a:fontRef idx="minor">
+            <a:schemeClr val="lt1"/>
+          </a:fontRef>
+        </p:style>
+        <p:txBody>
+          <a:bodyPr rot="0" spcFirstLastPara="0" vert="horz" wrap="square" lIns="91440" tIns="45720" rIns="91440" bIns="45720" numCol="1" spcCol="0" rtlCol="0" fromWordArt="0" anchor="ctr" anchorCtr="0" forceAA="0" compatLnSpc="1">
+            <a:prstTxWarp prst="textNoShape">
+              <a:avLst/>
+            </a:prstTxWarp>
+            <a:noAutofit/>
+          </a:bodyPr>
+          <a:lstStyle/>
+          <a:p>
+            <a:endParaRPr lang="de-DE">
+              <a:solidFill>
+                <a:schemeClr val="tx1"/>
+              </a:solidFill>
+            </a:endParaRPr>
+          </a:p>
+        </p:txBody>
+      </p:sp>
+      <p:cxnSp>
+        <p:nvCxnSpPr>
+          <p:cNvPr id="86" name="Straight Connector 198">
+            <a:extLst>
+              <a:ext uri="{FF2B5EF4-FFF2-40B4-BE49-F238E27FC236}">
+                <a16:creationId xmlns:a16="http://schemas.microsoft.com/office/drawing/2014/main" id="{9C67B853-0818-48C6-A758-F7BF5C7D952C}"/>
+              </a:ext>
+            </a:extLst>
+          </p:cNvPr>
+          <p:cNvCxnSpPr>
+            <a:cxnSpLocks/>
+          </p:cNvCxnSpPr>
+          <p:nvPr/>
+        </p:nvCxnSpPr>
+        <p:spPr>
+          <a:xfrm flipH="1" flipV="1">
+            <a:off x="6475446" y="2705879"/>
+            <a:ext cx="625150" cy="951721"/>
+          </a:xfrm>
+          <a:prstGeom prst="line">
+            <a:avLst/>
+          </a:prstGeom>
+          <a:ln w="19050">
+            <a:solidFill>
+              <a:srgbClr val="F7941D"/>
+            </a:solidFill>
+            <a:prstDash val="dash"/>
+          </a:ln>
+        </p:spPr>
+        <p:style>
+          <a:lnRef idx="1">
+            <a:schemeClr val="accent1"/>
+          </a:lnRef>
+          <a:fillRef idx="0">
+            <a:schemeClr val="accent1"/>
+          </a:fillRef>
+          <a:effectRef idx="0">
+            <a:schemeClr val="accent1"/>
+          </a:effectRef>
+          <a:fontRef idx="minor">
+            <a:schemeClr val="tx1"/>
+          </a:fontRef>
+        </p:style>
+      </p:cxnSp>
+      <p:sp>
+        <p:nvSpPr>
+          <p:cNvPr id="66" name="Oval 48">
+            <a:extLst>
+              <a:ext uri="{FF2B5EF4-FFF2-40B4-BE49-F238E27FC236}">
+                <a16:creationId xmlns:a16="http://schemas.microsoft.com/office/drawing/2014/main" id="{2BD14105-AC94-45D4-BF39-A44F28D52879}"/>
+              </a:ext>
+            </a:extLst>
+          </p:cNvPr>
+          <p:cNvSpPr/>
+          <p:nvPr/>
+        </p:nvSpPr>
+        <p:spPr>
+          <a:xfrm rot="3638304">
+            <a:off x="7044845" y="1414622"/>
+            <a:ext cx="184785" cy="184785"/>
+          </a:xfrm>
+          <a:prstGeom prst="ellipse">
+            <a:avLst/>
+          </a:prstGeom>
+          <a:solidFill>
+            <a:srgbClr val="333399"/>
+          </a:solidFill>
+          <a:ln>
+            <a:noFill/>
+          </a:ln>
+        </p:spPr>
+        <p:style>
+          <a:lnRef idx="2">
+            <a:schemeClr val="accent1">
+              <a:shade val="50000"/>
+            </a:schemeClr>
+          </a:lnRef>
+          <a:fillRef idx="1">
+            <a:schemeClr val="accent1"/>
+          </a:fillRef>
+          <a:effectRef idx="0">
+            <a:schemeClr val="accent1"/>
+          </a:effectRef>
+          <a:fontRef idx="minor">
+            <a:schemeClr val="lt1"/>
+          </a:fontRef>
+        </p:style>
+        <p:txBody>
+          <a:bodyPr rot="0" spcFirstLastPara="0" vert="horz" wrap="square" lIns="91440" tIns="45720" rIns="91440" bIns="45720" numCol="1" spcCol="0" rtlCol="0" fromWordArt="0" anchor="ctr" anchorCtr="0" forceAA="0" compatLnSpc="1">
+            <a:prstTxWarp prst="textNoShape">
+              <a:avLst/>
+            </a:prstTxWarp>
+            <a:noAutofit/>
+          </a:bodyPr>
+          <a:lstStyle/>
+          <a:p>
+            <a:endParaRPr lang="de-DE">
+              <a:solidFill>
+                <a:schemeClr val="tx1"/>
+              </a:solidFill>
+            </a:endParaRPr>
+          </a:p>
+        </p:txBody>
+      </p:sp>
+      <p:cxnSp>
+        <p:nvCxnSpPr>
+          <p:cNvPr id="87" name="Straight Connector 199">
+            <a:extLst>
+              <a:ext uri="{FF2B5EF4-FFF2-40B4-BE49-F238E27FC236}">
+                <a16:creationId xmlns:a16="http://schemas.microsoft.com/office/drawing/2014/main" id="{453CFF3F-D043-40C8-B6CD-7AE0D788A1A4}"/>
+              </a:ext>
+            </a:extLst>
+          </p:cNvPr>
+          <p:cNvCxnSpPr>
+            <a:cxnSpLocks/>
+          </p:cNvCxnSpPr>
+          <p:nvPr/>
+        </p:nvCxnSpPr>
+        <p:spPr>
+          <a:xfrm flipH="1" flipV="1">
+            <a:off x="7147250" y="1511560"/>
+            <a:ext cx="597158" cy="270587"/>
+          </a:xfrm>
+          <a:prstGeom prst="line">
+            <a:avLst/>
+          </a:prstGeom>
+          <a:ln w="19050">
+            <a:solidFill>
+              <a:srgbClr val="333399"/>
+            </a:solidFill>
+            <a:prstDash val="dash"/>
+          </a:ln>
+        </p:spPr>
+        <p:style>
+          <a:lnRef idx="1">
+            <a:schemeClr val="accent1"/>
+          </a:lnRef>
+          <a:fillRef idx="0">
+            <a:schemeClr val="accent1"/>
+          </a:fillRef>
+          <a:effectRef idx="0">
+            <a:schemeClr val="accent1"/>
+          </a:effectRef>
+          <a:fontRef idx="minor">
+            <a:schemeClr val="tx1"/>
+          </a:fontRef>
+        </p:style>
+      </p:cxnSp>
+      <p:sp>
+        <p:nvSpPr>
+          <p:cNvPr id="50" name="Hexagon 4">
+            <a:extLst>
+              <a:ext uri="{FF2B5EF4-FFF2-40B4-BE49-F238E27FC236}">
+                <a16:creationId xmlns:a16="http://schemas.microsoft.com/office/drawing/2014/main" id="{498AD4D3-904B-4317-917F-2B2266A7E486}"/>
+              </a:ext>
+            </a:extLst>
+          </p:cNvPr>
+          <p:cNvSpPr/>
+          <p:nvPr/>
+        </p:nvSpPr>
+        <p:spPr>
+          <a:xfrm rot="12658451">
+            <a:off x="1434618" y="3558675"/>
+            <a:ext cx="2048547" cy="1753355"/>
+          </a:xfrm>
+          <a:custGeom>
+            <a:avLst/>
+            <a:gdLst>
+              <a:gd name="connsiteX0" fmla="*/ 0 w 1454150"/>
+              <a:gd name="connsiteY0" fmla="*/ 622300 h 1244600"/>
+              <a:gd name="connsiteX1" fmla="*/ 311150 w 1454150"/>
+              <a:gd name="connsiteY1" fmla="*/ 0 h 1244600"/>
+              <a:gd name="connsiteX2" fmla="*/ 1143000 w 1454150"/>
+              <a:gd name="connsiteY2" fmla="*/ 0 h 1244600"/>
+              <a:gd name="connsiteX3" fmla="*/ 1454150 w 1454150"/>
+              <a:gd name="connsiteY3" fmla="*/ 622300 h 1244600"/>
+              <a:gd name="connsiteX4" fmla="*/ 1143000 w 1454150"/>
+              <a:gd name="connsiteY4" fmla="*/ 1244600 h 1244600"/>
+              <a:gd name="connsiteX5" fmla="*/ 311150 w 1454150"/>
+              <a:gd name="connsiteY5" fmla="*/ 1244600 h 1244600"/>
+              <a:gd name="connsiteX6" fmla="*/ 0 w 1454150"/>
+              <a:gd name="connsiteY6" fmla="*/ 622300 h 1244600"/>
+              <a:gd name="connsiteX0" fmla="*/ 0 w 1454150"/>
+              <a:gd name="connsiteY0" fmla="*/ 622300 h 1244600"/>
+              <a:gd name="connsiteX1" fmla="*/ 355460 w 1454150"/>
+              <a:gd name="connsiteY1" fmla="*/ 0 h 1244600"/>
+              <a:gd name="connsiteX2" fmla="*/ 1143000 w 1454150"/>
+              <a:gd name="connsiteY2" fmla="*/ 0 h 1244600"/>
+              <a:gd name="connsiteX3" fmla="*/ 1454150 w 1454150"/>
+              <a:gd name="connsiteY3" fmla="*/ 622300 h 1244600"/>
+              <a:gd name="connsiteX4" fmla="*/ 1143000 w 1454150"/>
+              <a:gd name="connsiteY4" fmla="*/ 1244600 h 1244600"/>
+              <a:gd name="connsiteX5" fmla="*/ 311150 w 1454150"/>
+              <a:gd name="connsiteY5" fmla="*/ 1244600 h 1244600"/>
+              <a:gd name="connsiteX6" fmla="*/ 0 w 1454150"/>
+              <a:gd name="connsiteY6" fmla="*/ 622300 h 1244600"/>
+              <a:gd name="connsiteX0" fmla="*/ 0 w 1454150"/>
+              <a:gd name="connsiteY0" fmla="*/ 622300 h 1244600"/>
+              <a:gd name="connsiteX1" fmla="*/ 355460 w 1454150"/>
+              <a:gd name="connsiteY1" fmla="*/ 0 h 1244600"/>
+              <a:gd name="connsiteX2" fmla="*/ 1098690 w 1454150"/>
+              <a:gd name="connsiteY2" fmla="*/ 0 h 1244600"/>
+              <a:gd name="connsiteX3" fmla="*/ 1454150 w 1454150"/>
+              <a:gd name="connsiteY3" fmla="*/ 622300 h 1244600"/>
+              <a:gd name="connsiteX4" fmla="*/ 1143000 w 1454150"/>
+              <a:gd name="connsiteY4" fmla="*/ 1244600 h 1244600"/>
+              <a:gd name="connsiteX5" fmla="*/ 311150 w 1454150"/>
+              <a:gd name="connsiteY5" fmla="*/ 1244600 h 1244600"/>
+              <a:gd name="connsiteX6" fmla="*/ 0 w 1454150"/>
+              <a:gd name="connsiteY6" fmla="*/ 622300 h 1244600"/>
+              <a:gd name="connsiteX0" fmla="*/ 0 w 1454150"/>
+              <a:gd name="connsiteY0" fmla="*/ 622300 h 1244600"/>
+              <a:gd name="connsiteX1" fmla="*/ 355460 w 1454150"/>
+              <a:gd name="connsiteY1" fmla="*/ 0 h 1244600"/>
+              <a:gd name="connsiteX2" fmla="*/ 1098690 w 1454150"/>
+              <a:gd name="connsiteY2" fmla="*/ 0 h 1244600"/>
+              <a:gd name="connsiteX3" fmla="*/ 1454150 w 1454150"/>
+              <a:gd name="connsiteY3" fmla="*/ 622300 h 1244600"/>
+              <a:gd name="connsiteX4" fmla="*/ 1094662 w 1454150"/>
+              <a:gd name="connsiteY4" fmla="*/ 1244600 h 1244600"/>
+              <a:gd name="connsiteX5" fmla="*/ 311150 w 1454150"/>
+              <a:gd name="connsiteY5" fmla="*/ 1244600 h 1244600"/>
+              <a:gd name="connsiteX6" fmla="*/ 0 w 1454150"/>
+              <a:gd name="connsiteY6" fmla="*/ 622300 h 1244600"/>
+              <a:gd name="connsiteX0" fmla="*/ 0 w 1454150"/>
+              <a:gd name="connsiteY0" fmla="*/ 622300 h 1244600"/>
+              <a:gd name="connsiteX1" fmla="*/ 355460 w 1454150"/>
+              <a:gd name="connsiteY1" fmla="*/ 0 h 1244600"/>
+              <a:gd name="connsiteX2" fmla="*/ 1098690 w 1454150"/>
+              <a:gd name="connsiteY2" fmla="*/ 0 h 1244600"/>
+              <a:gd name="connsiteX3" fmla="*/ 1454150 w 1454150"/>
+              <a:gd name="connsiteY3" fmla="*/ 622300 h 1244600"/>
+              <a:gd name="connsiteX4" fmla="*/ 1094662 w 1454150"/>
+              <a:gd name="connsiteY4" fmla="*/ 1244600 h 1244600"/>
+              <a:gd name="connsiteX5" fmla="*/ 343376 w 1454150"/>
+              <a:gd name="connsiteY5" fmla="*/ 1244600 h 1244600"/>
+              <a:gd name="connsiteX6" fmla="*/ 0 w 1454150"/>
+              <a:gd name="connsiteY6" fmla="*/ 622300 h 1244600"/>
+            </a:gdLst>
+            <a:ahLst/>
+            <a:cxnLst>
+              <a:cxn ang="0">
+                <a:pos x="connsiteX0" y="connsiteY0"/>
+              </a:cxn>
+              <a:cxn ang="0">
+                <a:pos x="connsiteX1" y="connsiteY1"/>
+              </a:cxn>
+              <a:cxn ang="0">
+                <a:pos x="connsiteX2" y="connsiteY2"/>
+              </a:cxn>
+              <a:cxn ang="0">
+                <a:pos x="connsiteX3" y="connsiteY3"/>
+              </a:cxn>
+              <a:cxn ang="0">
+                <a:pos x="connsiteX4" y="connsiteY4"/>
+              </a:cxn>
+              <a:cxn ang="0">
+                <a:pos x="connsiteX5" y="connsiteY5"/>
+              </a:cxn>
+              <a:cxn ang="0">
+                <a:pos x="connsiteX6" y="connsiteY6"/>
+              </a:cxn>
+            </a:cxnLst>
+            <a:rect l="l" t="t" r="r" b="b"/>
+            <a:pathLst>
+              <a:path w="1454150" h="1244600">
+                <a:moveTo>
+                  <a:pt x="0" y="622300"/>
+                </a:moveTo>
+                <a:lnTo>
+                  <a:pt x="355460" y="0"/>
+                </a:lnTo>
+                <a:lnTo>
+                  <a:pt x="1098690" y="0"/>
+                </a:lnTo>
+                <a:lnTo>
+                  <a:pt x="1454150" y="622300"/>
+                </a:lnTo>
+                <a:lnTo>
+                  <a:pt x="1094662" y="1244600"/>
+                </a:lnTo>
+                <a:lnTo>
+                  <a:pt x="343376" y="1244600"/>
+                </a:lnTo>
+                <a:lnTo>
+                  <a:pt x="0" y="622300"/>
+                </a:lnTo>
+                <a:close/>
+              </a:path>
+            </a:pathLst>
+          </a:custGeom>
+          <a:solidFill>
+            <a:srgbClr val="F7941D"/>
+          </a:solidFill>
+          <a:ln>
+            <a:noFill/>
+          </a:ln>
+        </p:spPr>
+        <p:style>
+          <a:lnRef idx="2">
+            <a:schemeClr val="accent1">
+              <a:shade val="50000"/>
+            </a:schemeClr>
+          </a:lnRef>
+          <a:fillRef idx="1">
+            <a:schemeClr val="accent1"/>
+          </a:fillRef>
+          <a:effectRef idx="0">
+            <a:schemeClr val="accent1"/>
+          </a:effectRef>
+          <a:fontRef idx="minor">
+            <a:schemeClr val="lt1"/>
+          </a:fontRef>
+        </p:style>
+        <p:txBody>
+          <a:bodyPr rot="0" spcFirstLastPara="0" vert="horz" wrap="square" lIns="91440" tIns="45720" rIns="91440" bIns="45720" numCol="1" spcCol="0" rtlCol="0" fromWordArt="0" anchor="ctr" anchorCtr="0" forceAA="0" compatLnSpc="1">
+            <a:prstTxWarp prst="textNoShape">
+              <a:avLst/>
+            </a:prstTxWarp>
+            <a:noAutofit/>
+          </a:bodyPr>
+          <a:lstStyle/>
+          <a:p>
+            <a:endParaRPr lang="de-DE">
+              <a:solidFill>
+                <a:schemeClr val="tx1"/>
+              </a:solidFill>
+            </a:endParaRPr>
+          </a:p>
+        </p:txBody>
+      </p:sp>
+      <p:sp>
+        <p:nvSpPr>
+          <p:cNvPr id="68" name="Oval 50">
+            <a:extLst>
+              <a:ext uri="{FF2B5EF4-FFF2-40B4-BE49-F238E27FC236}">
+                <a16:creationId xmlns:a16="http://schemas.microsoft.com/office/drawing/2014/main" id="{FA35F39D-E9E2-473B-8665-E3DC8E2252AB}"/>
+              </a:ext>
+            </a:extLst>
+          </p:cNvPr>
+          <p:cNvSpPr/>
+          <p:nvPr/>
+        </p:nvSpPr>
+        <p:spPr>
+          <a:xfrm rot="15281085">
+            <a:off x="3420357" y="2630337"/>
+            <a:ext cx="184785" cy="184785"/>
+          </a:xfrm>
+          <a:prstGeom prst="ellipse">
+            <a:avLst/>
+          </a:prstGeom>
+          <a:solidFill>
+            <a:srgbClr val="F7941D"/>
+          </a:solidFill>
+          <a:ln>
+            <a:noFill/>
+          </a:ln>
+        </p:spPr>
+        <p:style>
+          <a:lnRef idx="2">
+            <a:schemeClr val="accent1">
+              <a:shade val="50000"/>
+            </a:schemeClr>
+          </a:lnRef>
+          <a:fillRef idx="1">
+            <a:schemeClr val="accent1"/>
+          </a:fillRef>
+          <a:effectRef idx="0">
+            <a:schemeClr val="accent1"/>
+          </a:effectRef>
+          <a:fontRef idx="minor">
+            <a:schemeClr val="lt1"/>
+          </a:fontRef>
+        </p:style>
+        <p:txBody>
+          <a:bodyPr rot="0" spcFirstLastPara="0" vert="horz" wrap="square" lIns="91440" tIns="45720" rIns="91440" bIns="45720" numCol="1" spcCol="0" rtlCol="0" fromWordArt="0" anchor="ctr" anchorCtr="0" forceAA="0" compatLnSpc="1">
+            <a:prstTxWarp prst="textNoShape">
+              <a:avLst/>
+            </a:prstTxWarp>
+            <a:noAutofit/>
+          </a:bodyPr>
+          <a:lstStyle/>
+          <a:p>
+            <a:endParaRPr lang="de-DE">
+              <a:solidFill>
+                <a:schemeClr val="tx1"/>
+              </a:solidFill>
+            </a:endParaRPr>
+          </a:p>
+        </p:txBody>
+      </p:sp>
+      <p:cxnSp>
+        <p:nvCxnSpPr>
+          <p:cNvPr id="90" name="Straight Connector 203">
+            <a:extLst>
+              <a:ext uri="{FF2B5EF4-FFF2-40B4-BE49-F238E27FC236}">
+                <a16:creationId xmlns:a16="http://schemas.microsoft.com/office/drawing/2014/main" id="{0DE342E4-9397-4B20-AC49-210259A0CB0D}"/>
+              </a:ext>
+            </a:extLst>
+          </p:cNvPr>
+          <p:cNvCxnSpPr>
+            <a:cxnSpLocks/>
+            <a:endCxn id="68" idx="1"/>
+          </p:cNvCxnSpPr>
+          <p:nvPr/>
+        </p:nvCxnSpPr>
+        <p:spPr>
+          <a:xfrm flipV="1">
+            <a:off x="2957804" y="2802997"/>
+            <a:ext cx="509190" cy="882595"/>
+          </a:xfrm>
+          <a:prstGeom prst="line">
+            <a:avLst/>
+          </a:prstGeom>
+          <a:ln w="19050">
+            <a:solidFill>
+              <a:srgbClr val="F7941D"/>
+            </a:solidFill>
+            <a:prstDash val="dash"/>
+          </a:ln>
+        </p:spPr>
+        <p:style>
+          <a:lnRef idx="1">
+            <a:schemeClr val="accent1"/>
+          </a:lnRef>
+          <a:fillRef idx="0">
+            <a:schemeClr val="accent1"/>
+          </a:fillRef>
+          <a:effectRef idx="0">
+            <a:schemeClr val="accent1"/>
+          </a:effectRef>
+          <a:fontRef idx="minor">
+            <a:schemeClr val="tx1"/>
+          </a:fontRef>
+        </p:style>
+      </p:cxnSp>
+      <p:sp>
+        <p:nvSpPr>
+          <p:cNvPr id="104" name="Oval 48">
+            <a:extLst>
+              <a:ext uri="{FF2B5EF4-FFF2-40B4-BE49-F238E27FC236}">
+                <a16:creationId xmlns:a16="http://schemas.microsoft.com/office/drawing/2014/main" id="{5BC5DDCA-00BB-4430-9B5D-00F8772B5380}"/>
+              </a:ext>
+            </a:extLst>
+          </p:cNvPr>
+          <p:cNvSpPr/>
+          <p:nvPr/>
+        </p:nvSpPr>
+        <p:spPr>
+          <a:xfrm rot="10800000">
+            <a:off x="2682609" y="1466488"/>
+            <a:ext cx="184785" cy="184785"/>
+          </a:xfrm>
+          <a:prstGeom prst="ellipse">
+            <a:avLst/>
+          </a:prstGeom>
+          <a:solidFill>
+            <a:srgbClr val="333399"/>
+          </a:solidFill>
+          <a:ln>
+            <a:noFill/>
+          </a:ln>
+        </p:spPr>
+        <p:style>
+          <a:lnRef idx="2">
+            <a:schemeClr val="accent1">
+              <a:shade val="50000"/>
+            </a:schemeClr>
+          </a:lnRef>
+          <a:fillRef idx="1">
+            <a:schemeClr val="accent1"/>
+          </a:fillRef>
+          <a:effectRef idx="0">
+            <a:schemeClr val="accent1"/>
+          </a:effectRef>
+          <a:fontRef idx="minor">
+            <a:schemeClr val="lt1"/>
+          </a:fontRef>
+        </p:style>
+        <p:txBody>
+          <a:bodyPr rot="0" spcFirstLastPara="0" vert="horz" wrap="square" lIns="91440" tIns="45720" rIns="91440" bIns="45720" numCol="1" spcCol="0" rtlCol="0" fromWordArt="0" anchor="ctr" anchorCtr="0" forceAA="0" compatLnSpc="1">
+            <a:prstTxWarp prst="textNoShape">
+              <a:avLst/>
+            </a:prstTxWarp>
+            <a:noAutofit/>
+          </a:bodyPr>
+          <a:lstStyle/>
+          <a:p>
+            <a:endParaRPr lang="de-DE">
+              <a:solidFill>
+                <a:schemeClr val="tx1"/>
+              </a:solidFill>
+            </a:endParaRPr>
+          </a:p>
+        </p:txBody>
+      </p:sp>
+      <p:cxnSp>
+        <p:nvCxnSpPr>
+          <p:cNvPr id="105" name="Straight Connector 199">
+            <a:extLst>
+              <a:ext uri="{FF2B5EF4-FFF2-40B4-BE49-F238E27FC236}">
+                <a16:creationId xmlns:a16="http://schemas.microsoft.com/office/drawing/2014/main" id="{042179A8-797A-430E-93C7-2D7B87C7FE96}"/>
+              </a:ext>
+            </a:extLst>
+          </p:cNvPr>
+          <p:cNvCxnSpPr>
+            <a:cxnSpLocks/>
+          </p:cNvCxnSpPr>
+          <p:nvPr/>
+        </p:nvCxnSpPr>
+        <p:spPr>
+          <a:xfrm flipV="1">
+            <a:off x="2230016" y="1558212"/>
+            <a:ext cx="550506" cy="251927"/>
+          </a:xfrm>
+          <a:prstGeom prst="line">
+            <a:avLst/>
+          </a:prstGeom>
+          <a:solidFill>
+            <a:srgbClr val="0070C0"/>
+          </a:solidFill>
+          <a:ln w="19050">
+            <a:solidFill>
+              <a:srgbClr val="333399"/>
+            </a:solidFill>
+            <a:prstDash val="dash"/>
+          </a:ln>
+        </p:spPr>
+        <p:style>
+          <a:lnRef idx="1">
+            <a:schemeClr val="accent1"/>
+          </a:lnRef>
+          <a:fillRef idx="0">
+            <a:schemeClr val="accent1"/>
+          </a:fillRef>
+          <a:effectRef idx="0">
+            <a:schemeClr val="accent1"/>
+          </a:effectRef>
+          <a:fontRef idx="minor">
+            <a:schemeClr val="tx1"/>
+          </a:fontRef>
+        </p:style>
+      </p:cxnSp>
+      <p:sp>
+        <p:nvSpPr>
+          <p:cNvPr id="101" name="Textfeld 100">
+            <a:extLst>
+              <a:ext uri="{FF2B5EF4-FFF2-40B4-BE49-F238E27FC236}">
+                <a16:creationId xmlns:a16="http://schemas.microsoft.com/office/drawing/2014/main" id="{889C3EC4-BA72-43C3-98E7-3B7F5617FA67}"/>
+              </a:ext>
+            </a:extLst>
+          </p:cNvPr>
+          <p:cNvSpPr txBox="1"/>
+          <p:nvPr/>
+        </p:nvSpPr>
+        <p:spPr>
+          <a:xfrm>
+            <a:off x="3466994" y="919757"/>
+            <a:ext cx="3632804" cy="1754326"/>
+          </a:xfrm>
+          <a:prstGeom prst="rect">
+            <a:avLst/>
+          </a:prstGeom>
+          <a:noFill/>
+        </p:spPr>
+        <p:txBody>
+          <a:bodyPr wrap="square" rtlCol="0">
+            <a:spAutoFit/>
+          </a:bodyPr>
+          <a:lstStyle/>
+          <a:p>
+            <a:r>
+              <a:rPr lang="de-DE" sz="5400" b="1" dirty="0" err="1"/>
+              <a:t>Lessons</a:t>
+            </a:r>
+            <a:r>
+              <a:rPr lang="de-DE" sz="5400" b="1" dirty="0"/>
+              <a:t> </a:t>
+            </a:r>
+            <a:r>
+              <a:rPr lang="de-DE" sz="5400" b="1" dirty="0" err="1"/>
+              <a:t>Learned</a:t>
+            </a:r>
+            <a:endParaRPr lang="de-DE" sz="5400" b="1" dirty="0"/>
+          </a:p>
+        </p:txBody>
+      </p:sp>
+      <p:sp>
+        <p:nvSpPr>
+          <p:cNvPr id="148" name="Hexagon 4">
+            <a:extLst>
+              <a:ext uri="{FF2B5EF4-FFF2-40B4-BE49-F238E27FC236}">
+                <a16:creationId xmlns:a16="http://schemas.microsoft.com/office/drawing/2014/main" id="{EDAB30C5-1B95-4770-B4CC-38DF2A5B1673}"/>
+              </a:ext>
+            </a:extLst>
+          </p:cNvPr>
+          <p:cNvSpPr/>
+          <p:nvPr/>
+        </p:nvSpPr>
+        <p:spPr>
+          <a:xfrm rot="14419568">
+            <a:off x="411448" y="1364684"/>
+            <a:ext cx="2048547" cy="1753355"/>
+          </a:xfrm>
+          <a:custGeom>
+            <a:avLst/>
+            <a:gdLst>
+              <a:gd name="connsiteX0" fmla="*/ 0 w 1454150"/>
+              <a:gd name="connsiteY0" fmla="*/ 622300 h 1244600"/>
+              <a:gd name="connsiteX1" fmla="*/ 311150 w 1454150"/>
+              <a:gd name="connsiteY1" fmla="*/ 0 h 1244600"/>
+              <a:gd name="connsiteX2" fmla="*/ 1143000 w 1454150"/>
+              <a:gd name="connsiteY2" fmla="*/ 0 h 1244600"/>
+              <a:gd name="connsiteX3" fmla="*/ 1454150 w 1454150"/>
+              <a:gd name="connsiteY3" fmla="*/ 622300 h 1244600"/>
+              <a:gd name="connsiteX4" fmla="*/ 1143000 w 1454150"/>
+              <a:gd name="connsiteY4" fmla="*/ 1244600 h 1244600"/>
+              <a:gd name="connsiteX5" fmla="*/ 311150 w 1454150"/>
+              <a:gd name="connsiteY5" fmla="*/ 1244600 h 1244600"/>
+              <a:gd name="connsiteX6" fmla="*/ 0 w 1454150"/>
+              <a:gd name="connsiteY6" fmla="*/ 622300 h 1244600"/>
+              <a:gd name="connsiteX0" fmla="*/ 0 w 1454150"/>
+              <a:gd name="connsiteY0" fmla="*/ 622300 h 1244600"/>
+              <a:gd name="connsiteX1" fmla="*/ 355460 w 1454150"/>
+              <a:gd name="connsiteY1" fmla="*/ 0 h 1244600"/>
+              <a:gd name="connsiteX2" fmla="*/ 1143000 w 1454150"/>
+              <a:gd name="connsiteY2" fmla="*/ 0 h 1244600"/>
+              <a:gd name="connsiteX3" fmla="*/ 1454150 w 1454150"/>
+              <a:gd name="connsiteY3" fmla="*/ 622300 h 1244600"/>
+              <a:gd name="connsiteX4" fmla="*/ 1143000 w 1454150"/>
+              <a:gd name="connsiteY4" fmla="*/ 1244600 h 1244600"/>
+              <a:gd name="connsiteX5" fmla="*/ 311150 w 1454150"/>
+              <a:gd name="connsiteY5" fmla="*/ 1244600 h 1244600"/>
+              <a:gd name="connsiteX6" fmla="*/ 0 w 1454150"/>
+              <a:gd name="connsiteY6" fmla="*/ 622300 h 1244600"/>
+              <a:gd name="connsiteX0" fmla="*/ 0 w 1454150"/>
+              <a:gd name="connsiteY0" fmla="*/ 622300 h 1244600"/>
+              <a:gd name="connsiteX1" fmla="*/ 355460 w 1454150"/>
+              <a:gd name="connsiteY1" fmla="*/ 0 h 1244600"/>
+              <a:gd name="connsiteX2" fmla="*/ 1098690 w 1454150"/>
+              <a:gd name="connsiteY2" fmla="*/ 0 h 1244600"/>
+              <a:gd name="connsiteX3" fmla="*/ 1454150 w 1454150"/>
+              <a:gd name="connsiteY3" fmla="*/ 622300 h 1244600"/>
+              <a:gd name="connsiteX4" fmla="*/ 1143000 w 1454150"/>
+              <a:gd name="connsiteY4" fmla="*/ 1244600 h 1244600"/>
+              <a:gd name="connsiteX5" fmla="*/ 311150 w 1454150"/>
+              <a:gd name="connsiteY5" fmla="*/ 1244600 h 1244600"/>
+              <a:gd name="connsiteX6" fmla="*/ 0 w 1454150"/>
+              <a:gd name="connsiteY6" fmla="*/ 622300 h 1244600"/>
+              <a:gd name="connsiteX0" fmla="*/ 0 w 1454150"/>
+              <a:gd name="connsiteY0" fmla="*/ 622300 h 1244600"/>
+              <a:gd name="connsiteX1" fmla="*/ 355460 w 1454150"/>
+              <a:gd name="connsiteY1" fmla="*/ 0 h 1244600"/>
+              <a:gd name="connsiteX2" fmla="*/ 1098690 w 1454150"/>
+              <a:gd name="connsiteY2" fmla="*/ 0 h 1244600"/>
+              <a:gd name="connsiteX3" fmla="*/ 1454150 w 1454150"/>
+              <a:gd name="connsiteY3" fmla="*/ 622300 h 1244600"/>
+              <a:gd name="connsiteX4" fmla="*/ 1094662 w 1454150"/>
+              <a:gd name="connsiteY4" fmla="*/ 1244600 h 1244600"/>
+              <a:gd name="connsiteX5" fmla="*/ 311150 w 1454150"/>
+              <a:gd name="connsiteY5" fmla="*/ 1244600 h 1244600"/>
+              <a:gd name="connsiteX6" fmla="*/ 0 w 1454150"/>
+              <a:gd name="connsiteY6" fmla="*/ 622300 h 1244600"/>
+              <a:gd name="connsiteX0" fmla="*/ 0 w 1454150"/>
+              <a:gd name="connsiteY0" fmla="*/ 622300 h 1244600"/>
+              <a:gd name="connsiteX1" fmla="*/ 355460 w 1454150"/>
+              <a:gd name="connsiteY1" fmla="*/ 0 h 1244600"/>
+              <a:gd name="connsiteX2" fmla="*/ 1098690 w 1454150"/>
+              <a:gd name="connsiteY2" fmla="*/ 0 h 1244600"/>
+              <a:gd name="connsiteX3" fmla="*/ 1454150 w 1454150"/>
+              <a:gd name="connsiteY3" fmla="*/ 622300 h 1244600"/>
+              <a:gd name="connsiteX4" fmla="*/ 1094662 w 1454150"/>
+              <a:gd name="connsiteY4" fmla="*/ 1244600 h 1244600"/>
+              <a:gd name="connsiteX5" fmla="*/ 343376 w 1454150"/>
+              <a:gd name="connsiteY5" fmla="*/ 1244600 h 1244600"/>
+              <a:gd name="connsiteX6" fmla="*/ 0 w 1454150"/>
+              <a:gd name="connsiteY6" fmla="*/ 622300 h 1244600"/>
+            </a:gdLst>
+            <a:ahLst/>
+            <a:cxnLst>
+              <a:cxn ang="0">
+                <a:pos x="connsiteX0" y="connsiteY0"/>
+              </a:cxn>
+              <a:cxn ang="0">
+                <a:pos x="connsiteX1" y="connsiteY1"/>
+              </a:cxn>
+              <a:cxn ang="0">
+                <a:pos x="connsiteX2" y="connsiteY2"/>
+              </a:cxn>
+              <a:cxn ang="0">
+                <a:pos x="connsiteX3" y="connsiteY3"/>
+              </a:cxn>
+              <a:cxn ang="0">
+                <a:pos x="connsiteX4" y="connsiteY4"/>
+              </a:cxn>
+              <a:cxn ang="0">
+                <a:pos x="connsiteX5" y="connsiteY5"/>
+              </a:cxn>
+              <a:cxn ang="0">
+                <a:pos x="connsiteX6" y="connsiteY6"/>
+              </a:cxn>
+            </a:cxnLst>
+            <a:rect l="l" t="t" r="r" b="b"/>
+            <a:pathLst>
+              <a:path w="1454150" h="1244600">
+                <a:moveTo>
+                  <a:pt x="0" y="622300"/>
+                </a:moveTo>
+                <a:lnTo>
+                  <a:pt x="355460" y="0"/>
+                </a:lnTo>
+                <a:lnTo>
+                  <a:pt x="1098690" y="0"/>
+                </a:lnTo>
+                <a:lnTo>
+                  <a:pt x="1454150" y="622300"/>
+                </a:lnTo>
+                <a:lnTo>
+                  <a:pt x="1094662" y="1244600"/>
+                </a:lnTo>
+                <a:lnTo>
+                  <a:pt x="343376" y="1244600"/>
+                </a:lnTo>
+                <a:lnTo>
+                  <a:pt x="0" y="622300"/>
+                </a:lnTo>
+                <a:close/>
+              </a:path>
+            </a:pathLst>
+          </a:custGeom>
+          <a:solidFill>
+            <a:srgbClr val="333399"/>
+          </a:solidFill>
+          <a:ln>
+            <a:noFill/>
+          </a:ln>
+        </p:spPr>
+        <p:style>
+          <a:lnRef idx="2">
+            <a:schemeClr val="accent1">
+              <a:shade val="50000"/>
+            </a:schemeClr>
+          </a:lnRef>
+          <a:fillRef idx="1">
+            <a:schemeClr val="accent1"/>
+          </a:fillRef>
+          <a:effectRef idx="0">
+            <a:schemeClr val="accent1"/>
+          </a:effectRef>
+          <a:fontRef idx="minor">
+            <a:schemeClr val="lt1"/>
+          </a:fontRef>
+        </p:style>
+        <p:txBody>
+          <a:bodyPr rot="0" spcFirstLastPara="0" vert="horz" wrap="square" lIns="91440" tIns="45720" rIns="91440" bIns="45720" numCol="1" spcCol="0" rtlCol="0" fromWordArt="0" anchor="ctr" anchorCtr="0" forceAA="0" compatLnSpc="1">
+            <a:prstTxWarp prst="textNoShape">
+              <a:avLst/>
+            </a:prstTxWarp>
+            <a:noAutofit/>
+          </a:bodyPr>
+          <a:lstStyle/>
+          <a:p>
+            <a:endParaRPr lang="de-DE" dirty="0">
+              <a:solidFill>
+                <a:schemeClr val="tx1"/>
+              </a:solidFill>
+            </a:endParaRPr>
+          </a:p>
+        </p:txBody>
+      </p:sp>
+      <p:sp>
+        <p:nvSpPr>
+          <p:cNvPr id="149" name="Hexagon 4">
+            <a:extLst>
+              <a:ext uri="{FF2B5EF4-FFF2-40B4-BE49-F238E27FC236}">
+                <a16:creationId xmlns:a16="http://schemas.microsoft.com/office/drawing/2014/main" id="{C577AB82-B6BB-4DC0-B5D4-0FDB8E5787E2}"/>
+              </a:ext>
+            </a:extLst>
+          </p:cNvPr>
+          <p:cNvSpPr/>
+          <p:nvPr/>
+        </p:nvSpPr>
+        <p:spPr>
+          <a:xfrm rot="14419568">
+            <a:off x="7504570" y="1365763"/>
+            <a:ext cx="2048547" cy="1753355"/>
+          </a:xfrm>
+          <a:custGeom>
+            <a:avLst/>
+            <a:gdLst>
+              <a:gd name="connsiteX0" fmla="*/ 0 w 1454150"/>
+              <a:gd name="connsiteY0" fmla="*/ 622300 h 1244600"/>
+              <a:gd name="connsiteX1" fmla="*/ 311150 w 1454150"/>
+              <a:gd name="connsiteY1" fmla="*/ 0 h 1244600"/>
+              <a:gd name="connsiteX2" fmla="*/ 1143000 w 1454150"/>
+              <a:gd name="connsiteY2" fmla="*/ 0 h 1244600"/>
+              <a:gd name="connsiteX3" fmla="*/ 1454150 w 1454150"/>
+              <a:gd name="connsiteY3" fmla="*/ 622300 h 1244600"/>
+              <a:gd name="connsiteX4" fmla="*/ 1143000 w 1454150"/>
+              <a:gd name="connsiteY4" fmla="*/ 1244600 h 1244600"/>
+              <a:gd name="connsiteX5" fmla="*/ 311150 w 1454150"/>
+              <a:gd name="connsiteY5" fmla="*/ 1244600 h 1244600"/>
+              <a:gd name="connsiteX6" fmla="*/ 0 w 1454150"/>
+              <a:gd name="connsiteY6" fmla="*/ 622300 h 1244600"/>
+              <a:gd name="connsiteX0" fmla="*/ 0 w 1454150"/>
+              <a:gd name="connsiteY0" fmla="*/ 622300 h 1244600"/>
+              <a:gd name="connsiteX1" fmla="*/ 355460 w 1454150"/>
+              <a:gd name="connsiteY1" fmla="*/ 0 h 1244600"/>
+              <a:gd name="connsiteX2" fmla="*/ 1143000 w 1454150"/>
+              <a:gd name="connsiteY2" fmla="*/ 0 h 1244600"/>
+              <a:gd name="connsiteX3" fmla="*/ 1454150 w 1454150"/>
+              <a:gd name="connsiteY3" fmla="*/ 622300 h 1244600"/>
+              <a:gd name="connsiteX4" fmla="*/ 1143000 w 1454150"/>
+              <a:gd name="connsiteY4" fmla="*/ 1244600 h 1244600"/>
+              <a:gd name="connsiteX5" fmla="*/ 311150 w 1454150"/>
+              <a:gd name="connsiteY5" fmla="*/ 1244600 h 1244600"/>
+              <a:gd name="connsiteX6" fmla="*/ 0 w 1454150"/>
+              <a:gd name="connsiteY6" fmla="*/ 622300 h 1244600"/>
+              <a:gd name="connsiteX0" fmla="*/ 0 w 1454150"/>
+              <a:gd name="connsiteY0" fmla="*/ 622300 h 1244600"/>
+              <a:gd name="connsiteX1" fmla="*/ 355460 w 1454150"/>
+              <a:gd name="connsiteY1" fmla="*/ 0 h 1244600"/>
+              <a:gd name="connsiteX2" fmla="*/ 1098690 w 1454150"/>
+              <a:gd name="connsiteY2" fmla="*/ 0 h 1244600"/>
+              <a:gd name="connsiteX3" fmla="*/ 1454150 w 1454150"/>
+              <a:gd name="connsiteY3" fmla="*/ 622300 h 1244600"/>
+              <a:gd name="connsiteX4" fmla="*/ 1143000 w 1454150"/>
+              <a:gd name="connsiteY4" fmla="*/ 1244600 h 1244600"/>
+              <a:gd name="connsiteX5" fmla="*/ 311150 w 1454150"/>
+              <a:gd name="connsiteY5" fmla="*/ 1244600 h 1244600"/>
+              <a:gd name="connsiteX6" fmla="*/ 0 w 1454150"/>
+              <a:gd name="connsiteY6" fmla="*/ 622300 h 1244600"/>
+              <a:gd name="connsiteX0" fmla="*/ 0 w 1454150"/>
+              <a:gd name="connsiteY0" fmla="*/ 622300 h 1244600"/>
+              <a:gd name="connsiteX1" fmla="*/ 355460 w 1454150"/>
+              <a:gd name="connsiteY1" fmla="*/ 0 h 1244600"/>
+              <a:gd name="connsiteX2" fmla="*/ 1098690 w 1454150"/>
+              <a:gd name="connsiteY2" fmla="*/ 0 h 1244600"/>
+              <a:gd name="connsiteX3" fmla="*/ 1454150 w 1454150"/>
+              <a:gd name="connsiteY3" fmla="*/ 622300 h 1244600"/>
+              <a:gd name="connsiteX4" fmla="*/ 1094662 w 1454150"/>
+              <a:gd name="connsiteY4" fmla="*/ 1244600 h 1244600"/>
+              <a:gd name="connsiteX5" fmla="*/ 311150 w 1454150"/>
+              <a:gd name="connsiteY5" fmla="*/ 1244600 h 1244600"/>
+              <a:gd name="connsiteX6" fmla="*/ 0 w 1454150"/>
+              <a:gd name="connsiteY6" fmla="*/ 622300 h 1244600"/>
+              <a:gd name="connsiteX0" fmla="*/ 0 w 1454150"/>
+              <a:gd name="connsiteY0" fmla="*/ 622300 h 1244600"/>
+              <a:gd name="connsiteX1" fmla="*/ 355460 w 1454150"/>
+              <a:gd name="connsiteY1" fmla="*/ 0 h 1244600"/>
+              <a:gd name="connsiteX2" fmla="*/ 1098690 w 1454150"/>
+              <a:gd name="connsiteY2" fmla="*/ 0 h 1244600"/>
+              <a:gd name="connsiteX3" fmla="*/ 1454150 w 1454150"/>
+              <a:gd name="connsiteY3" fmla="*/ 622300 h 1244600"/>
+              <a:gd name="connsiteX4" fmla="*/ 1094662 w 1454150"/>
+              <a:gd name="connsiteY4" fmla="*/ 1244600 h 1244600"/>
+              <a:gd name="connsiteX5" fmla="*/ 343376 w 1454150"/>
+              <a:gd name="connsiteY5" fmla="*/ 1244600 h 1244600"/>
+              <a:gd name="connsiteX6" fmla="*/ 0 w 1454150"/>
+              <a:gd name="connsiteY6" fmla="*/ 622300 h 1244600"/>
+            </a:gdLst>
+            <a:ahLst/>
+            <a:cxnLst>
+              <a:cxn ang="0">
+                <a:pos x="connsiteX0" y="connsiteY0"/>
+              </a:cxn>
+              <a:cxn ang="0">
+                <a:pos x="connsiteX1" y="connsiteY1"/>
+              </a:cxn>
+              <a:cxn ang="0">
+                <a:pos x="connsiteX2" y="connsiteY2"/>
+              </a:cxn>
+              <a:cxn ang="0">
+                <a:pos x="connsiteX3" y="connsiteY3"/>
+              </a:cxn>
+              <a:cxn ang="0">
+                <a:pos x="connsiteX4" y="connsiteY4"/>
+              </a:cxn>
+              <a:cxn ang="0">
+                <a:pos x="connsiteX5" y="connsiteY5"/>
+              </a:cxn>
+              <a:cxn ang="0">
+                <a:pos x="connsiteX6" y="connsiteY6"/>
+              </a:cxn>
+            </a:cxnLst>
+            <a:rect l="l" t="t" r="r" b="b"/>
+            <a:pathLst>
+              <a:path w="1454150" h="1244600">
+                <a:moveTo>
+                  <a:pt x="0" y="622300"/>
+                </a:moveTo>
+                <a:lnTo>
+                  <a:pt x="355460" y="0"/>
+                </a:lnTo>
+                <a:lnTo>
+                  <a:pt x="1098690" y="0"/>
+                </a:lnTo>
+                <a:lnTo>
+                  <a:pt x="1454150" y="622300"/>
+                </a:lnTo>
+                <a:lnTo>
+                  <a:pt x="1094662" y="1244600"/>
+                </a:lnTo>
+                <a:lnTo>
+                  <a:pt x="343376" y="1244600"/>
+                </a:lnTo>
+                <a:lnTo>
+                  <a:pt x="0" y="622300"/>
+                </a:lnTo>
+                <a:close/>
+              </a:path>
+            </a:pathLst>
+          </a:custGeom>
+          <a:solidFill>
+            <a:srgbClr val="333399"/>
+          </a:solidFill>
+          <a:ln w="38100">
+            <a:noFill/>
+          </a:ln>
+        </p:spPr>
+        <p:style>
+          <a:lnRef idx="2">
+            <a:schemeClr val="accent1">
+              <a:shade val="50000"/>
+            </a:schemeClr>
+          </a:lnRef>
+          <a:fillRef idx="1">
+            <a:schemeClr val="accent1"/>
+          </a:fillRef>
+          <a:effectRef idx="0">
+            <a:schemeClr val="accent1"/>
+          </a:effectRef>
+          <a:fontRef idx="minor">
+            <a:schemeClr val="lt1"/>
+          </a:fontRef>
+        </p:style>
+        <p:txBody>
+          <a:bodyPr rot="0" spcFirstLastPara="0" vert="horz" wrap="square" lIns="91440" tIns="45720" rIns="91440" bIns="45720" numCol="1" spcCol="0" rtlCol="0" fromWordArt="0" anchor="ctr" anchorCtr="0" forceAA="0" compatLnSpc="1">
+            <a:prstTxWarp prst="textNoShape">
+              <a:avLst/>
+            </a:prstTxWarp>
+            <a:noAutofit/>
+          </a:bodyPr>
+          <a:lstStyle/>
+          <a:p>
+            <a:endParaRPr lang="de-DE">
+              <a:solidFill>
+                <a:schemeClr val="tx1"/>
+              </a:solidFill>
+            </a:endParaRPr>
+          </a:p>
+        </p:txBody>
+      </p:sp>
+      <p:sp>
+        <p:nvSpPr>
+          <p:cNvPr id="2068" name="Textfeld 2067">
+            <a:extLst>
+              <a:ext uri="{FF2B5EF4-FFF2-40B4-BE49-F238E27FC236}">
+                <a16:creationId xmlns:a16="http://schemas.microsoft.com/office/drawing/2014/main" id="{8ADDFF33-BAA7-44FB-A457-A1A2F4E808F0}"/>
+              </a:ext>
+            </a:extLst>
+          </p:cNvPr>
+          <p:cNvSpPr txBox="1"/>
+          <p:nvPr/>
+        </p:nvSpPr>
+        <p:spPr>
+          <a:xfrm>
+            <a:off x="7563541" y="1759027"/>
+            <a:ext cx="1941448" cy="1077218"/>
+          </a:xfrm>
+          <a:prstGeom prst="rect">
+            <a:avLst/>
+          </a:prstGeom>
+          <a:noFill/>
+        </p:spPr>
+        <p:txBody>
+          <a:bodyPr wrap="square" rtlCol="0">
+            <a:spAutoFit/>
+          </a:bodyPr>
+          <a:lstStyle/>
+          <a:p>
+            <a:pPr algn="ctr"/>
+            <a:r>
+              <a:rPr lang="de-DE" sz="1600" b="1" dirty="0">
+                <a:solidFill>
+                  <a:schemeClr val="bg1"/>
+                </a:solidFill>
+              </a:rPr>
+              <a:t>Nicht aufgeben</a:t>
+            </a:r>
+          </a:p>
+          <a:p>
+            <a:pPr algn="ctr"/>
+            <a:r>
+              <a:rPr lang="de-DE" sz="1600" b="1" dirty="0">
+                <a:solidFill>
+                  <a:schemeClr val="bg1"/>
+                </a:solidFill>
+              </a:rPr>
+              <a:t>oder die Motivation verlieren</a:t>
+            </a:r>
+          </a:p>
+        </p:txBody>
+      </p:sp>
+      <p:sp>
+        <p:nvSpPr>
+          <p:cNvPr id="151" name="Textfeld 150">
+            <a:extLst>
+              <a:ext uri="{FF2B5EF4-FFF2-40B4-BE49-F238E27FC236}">
+                <a16:creationId xmlns:a16="http://schemas.microsoft.com/office/drawing/2014/main" id="{1FDA8853-D750-404A-9929-B8CCB54999EA}"/>
+              </a:ext>
+            </a:extLst>
+          </p:cNvPr>
+          <p:cNvSpPr txBox="1"/>
+          <p:nvPr/>
+        </p:nvSpPr>
+        <p:spPr>
+          <a:xfrm>
+            <a:off x="1439357" y="4019852"/>
+            <a:ext cx="2039067" cy="830997"/>
+          </a:xfrm>
+          <a:prstGeom prst="rect">
+            <a:avLst/>
+          </a:prstGeom>
+          <a:noFill/>
+        </p:spPr>
+        <p:txBody>
+          <a:bodyPr wrap="square" rtlCol="0">
+            <a:spAutoFit/>
+          </a:bodyPr>
+          <a:lstStyle/>
+          <a:p>
+            <a:pPr algn="ctr"/>
+            <a:r>
+              <a:rPr lang="de-DE" sz="1600" b="1" dirty="0">
+                <a:solidFill>
+                  <a:schemeClr val="bg1"/>
+                </a:solidFill>
+              </a:rPr>
+              <a:t>Den Aufwand </a:t>
+            </a:r>
+          </a:p>
+          <a:p>
+            <a:pPr algn="ctr"/>
+            <a:r>
+              <a:rPr lang="de-DE" sz="1600" b="1" dirty="0">
+                <a:solidFill>
+                  <a:schemeClr val="bg1"/>
+                </a:solidFill>
+              </a:rPr>
+              <a:t>des Projekts einschätzen</a:t>
+            </a:r>
+          </a:p>
+        </p:txBody>
+      </p:sp>
+      <p:sp>
+        <p:nvSpPr>
+          <p:cNvPr id="152" name="Rectangle 9">
+            <a:extLst>
+              <a:ext uri="{FF2B5EF4-FFF2-40B4-BE49-F238E27FC236}">
+                <a16:creationId xmlns:a16="http://schemas.microsoft.com/office/drawing/2014/main" id="{24C24B39-60DB-4366-91AA-BA7D9715DF19}"/>
               </a:ext>
             </a:extLst>
           </p:cNvPr>
@@ -12692,88 +14312,836 @@
       </p:sp>
       <p:sp>
         <p:nvSpPr>
-          <p:cNvPr id="8" name="Inhaltsplatzhalter 7">
+          <p:cNvPr id="153" name="Textfeld 152">
             <a:extLst>
               <a:ext uri="{FF2B5EF4-FFF2-40B4-BE49-F238E27FC236}">
-                <a16:creationId xmlns:a16="http://schemas.microsoft.com/office/drawing/2014/main" id="{8E66BD95-625D-4CC4-9315-2E1BE02F4127}"/>
+                <a16:creationId xmlns:a16="http://schemas.microsoft.com/office/drawing/2014/main" id="{D8E8B657-B8F2-4842-96F1-FA924E2643CC}"/>
               </a:ext>
             </a:extLst>
           </p:cNvPr>
-          <p:cNvSpPr>
-            <a:spLocks noGrp="1"/>
-          </p:cNvSpPr>
-          <p:nvPr>
-            <p:ph idx="1"/>
-          </p:nvPr>
+          <p:cNvSpPr txBox="1"/>
+          <p:nvPr/>
         </p:nvSpPr>
         <p:spPr>
           <a:xfrm>
-            <a:off x="752691" y="2312194"/>
-            <a:ext cx="8534400" cy="3657600"/>
+            <a:off x="419267" y="1948973"/>
+            <a:ext cx="2022399" cy="584775"/>
           </a:xfrm>
+          <a:prstGeom prst="rect">
+            <a:avLst/>
+          </a:prstGeom>
+          <a:noFill/>
         </p:spPr>
         <p:txBody>
-          <a:bodyPr/>
+          <a:bodyPr wrap="square" rtlCol="0">
+            <a:spAutoFit/>
+          </a:bodyPr>
           <a:lstStyle/>
           <a:p>
-            <a:pPr>
-              <a:buFont typeface="Arial" panose="020B0604020202020204" pitchFamily="34" charset="0"/>
-              <a:buChar char="•"/>
-            </a:pPr>
-            <a:r>
-              <a:rPr lang="de-DE" dirty="0"/>
-              <a:t>Workshop um den Umgang mit GitHub zu erlernen</a:t>
-            </a:r>
-          </a:p>
-          <a:p>
-            <a:pPr marL="0" indent="0"/>
-            <a:endParaRPr lang="de-DE" dirty="0"/>
-          </a:p>
-          <a:p>
-            <a:pPr>
-              <a:buFont typeface="Arial" panose="020B0604020202020204" pitchFamily="34" charset="0"/>
-              <a:buChar char="•"/>
-            </a:pPr>
-            <a:r>
-              <a:rPr lang="de-DE" dirty="0"/>
-              <a:t>Umfangreiches Kick-Off Meeting mit dem Kunden</a:t>
-            </a:r>
-          </a:p>
-          <a:p>
-            <a:pPr>
-              <a:buFont typeface="Arial" panose="020B0604020202020204" pitchFamily="34" charset="0"/>
-              <a:buChar char="•"/>
-            </a:pPr>
-            <a:endParaRPr lang="de-DE" dirty="0"/>
-          </a:p>
-          <a:p>
-            <a:pPr>
-              <a:buFont typeface="Arial" panose="020B0604020202020204" pitchFamily="34" charset="0"/>
-              <a:buChar char="•"/>
-            </a:pPr>
-            <a:r>
-              <a:rPr lang="de-DE" dirty="0"/>
-              <a:t>Codeinspektion und Aufwandschätzung</a:t>
-            </a:r>
-          </a:p>
-          <a:p>
-            <a:pPr marL="457200" lvl="1" indent="0">
-              <a:buNone/>
-            </a:pPr>
-            <a:endParaRPr lang="de-DE" dirty="0"/>
+            <a:pPr algn="ctr"/>
+            <a:r>
+              <a:rPr lang="de-DE" sz="1600" b="1" dirty="0">
+                <a:solidFill>
+                  <a:schemeClr val="bg1"/>
+                </a:solidFill>
+              </a:rPr>
+              <a:t>Einarbeitung in GitHub</a:t>
+            </a:r>
+          </a:p>
+        </p:txBody>
+      </p:sp>
+      <p:sp>
+        <p:nvSpPr>
+          <p:cNvPr id="154" name="Textfeld 153">
+            <a:extLst>
+              <a:ext uri="{FF2B5EF4-FFF2-40B4-BE49-F238E27FC236}">
+                <a16:creationId xmlns:a16="http://schemas.microsoft.com/office/drawing/2014/main" id="{EC5C0E9C-9CBB-4584-BA04-3B9835A84718}"/>
+              </a:ext>
+            </a:extLst>
+          </p:cNvPr>
+          <p:cNvSpPr txBox="1"/>
+          <p:nvPr/>
+        </p:nvSpPr>
+        <p:spPr>
+          <a:xfrm>
+            <a:off x="3969167" y="4576955"/>
+            <a:ext cx="2022399" cy="584775"/>
+          </a:xfrm>
+          <a:prstGeom prst="rect">
+            <a:avLst/>
+          </a:prstGeom>
+          <a:noFill/>
+        </p:spPr>
+        <p:txBody>
+          <a:bodyPr wrap="square" rtlCol="0">
+            <a:spAutoFit/>
+          </a:bodyPr>
+          <a:lstStyle/>
+          <a:p>
+            <a:pPr algn="ctr"/>
+            <a:r>
+              <a:rPr lang="de-DE" sz="1600" b="1" dirty="0">
+                <a:solidFill>
+                  <a:schemeClr val="bg1"/>
+                </a:solidFill>
+              </a:rPr>
+              <a:t>Ausführlichen Kick-Off planen </a:t>
+            </a:r>
+          </a:p>
+        </p:txBody>
+      </p:sp>
+      <p:sp>
+        <p:nvSpPr>
+          <p:cNvPr id="155" name="Textfeld 154">
+            <a:extLst>
+              <a:ext uri="{FF2B5EF4-FFF2-40B4-BE49-F238E27FC236}">
+                <a16:creationId xmlns:a16="http://schemas.microsoft.com/office/drawing/2014/main" id="{8A6CE008-0407-4211-BA06-C2098BA69F72}"/>
+              </a:ext>
+            </a:extLst>
+          </p:cNvPr>
+          <p:cNvSpPr txBox="1"/>
+          <p:nvPr/>
+        </p:nvSpPr>
+        <p:spPr>
+          <a:xfrm>
+            <a:off x="6576388" y="4142962"/>
+            <a:ext cx="1890643" cy="584775"/>
+          </a:xfrm>
+          <a:prstGeom prst="rect">
+            <a:avLst/>
+          </a:prstGeom>
+          <a:noFill/>
+        </p:spPr>
+        <p:txBody>
+          <a:bodyPr wrap="square" rtlCol="0">
+            <a:spAutoFit/>
+          </a:bodyPr>
+          <a:lstStyle/>
+          <a:p>
+            <a:pPr algn="ctr"/>
+            <a:r>
+              <a:rPr lang="de-DE" sz="1600" b="1" dirty="0">
+                <a:solidFill>
+                  <a:schemeClr val="bg1"/>
+                </a:solidFill>
+              </a:rPr>
+              <a:t>Proaktivität beibehalten</a:t>
+            </a:r>
           </a:p>
         </p:txBody>
       </p:sp>
     </p:spTree>
     <p:extLst>
       <p:ext uri="{BB962C8B-B14F-4D97-AF65-F5344CB8AC3E}">
-        <p14:creationId xmlns:p14="http://schemas.microsoft.com/office/powerpoint/2010/main" val="3179322570"/>
+        <p14:creationId xmlns:p14="http://schemas.microsoft.com/office/powerpoint/2010/main" val="512931039"/>
       </p:ext>
     </p:extLst>
   </p:cSld>
   <p:clrMapOvr>
     <a:masterClrMapping/>
   </p:clrMapOvr>
+  <p:timing>
+    <p:tnLst>
+      <p:par>
+        <p:cTn id="1" dur="indefinite" restart="never" nodeType="tmRoot">
+          <p:childTnLst>
+            <p:seq concurrent="1" nextAc="seek">
+              <p:cTn id="2" dur="indefinite" nodeType="mainSeq">
+                <p:childTnLst>
+                  <p:par>
+                    <p:cTn id="3" fill="hold">
+                      <p:stCondLst>
+                        <p:cond delay="indefinite"/>
+                      </p:stCondLst>
+                      <p:childTnLst>
+                        <p:par>
+                          <p:cTn id="4" fill="hold">
+                            <p:stCondLst>
+                              <p:cond delay="0"/>
+                            </p:stCondLst>
+                            <p:childTnLst>
+                              <p:par>
+                                <p:cTn id="5" presetID="22" presetClass="entr" presetSubtype="4" fill="hold" grpId="0" nodeType="clickEffect">
+                                  <p:stCondLst>
+                                    <p:cond delay="0"/>
+                                  </p:stCondLst>
+                                  <p:childTnLst>
+                                    <p:set>
+                                      <p:cBhvr>
+                                        <p:cTn id="6" dur="1" fill="hold">
+                                          <p:stCondLst>
+                                            <p:cond delay="0"/>
+                                          </p:stCondLst>
+                                        </p:cTn>
+                                        <p:tgtEl>
+                                          <p:spTgt spid="104"/>
+                                        </p:tgtEl>
+                                        <p:attrNameLst>
+                                          <p:attrName>style.visibility</p:attrName>
+                                        </p:attrNameLst>
+                                      </p:cBhvr>
+                                      <p:to>
+                                        <p:strVal val="visible"/>
+                                      </p:to>
+                                    </p:set>
+                                    <p:animEffect transition="in" filter="wipe(down)">
+                                      <p:cBhvr>
+                                        <p:cTn id="7" dur="500"/>
+                                        <p:tgtEl>
+                                          <p:spTgt spid="104"/>
+                                        </p:tgtEl>
+                                      </p:cBhvr>
+                                    </p:animEffect>
+                                  </p:childTnLst>
+                                </p:cTn>
+                              </p:par>
+                              <p:par>
+                                <p:cTn id="8" presetID="22" presetClass="entr" presetSubtype="4" fill="hold" nodeType="withEffect">
+                                  <p:stCondLst>
+                                    <p:cond delay="0"/>
+                                  </p:stCondLst>
+                                  <p:childTnLst>
+                                    <p:set>
+                                      <p:cBhvr>
+                                        <p:cTn id="9" dur="1" fill="hold">
+                                          <p:stCondLst>
+                                            <p:cond delay="0"/>
+                                          </p:stCondLst>
+                                        </p:cTn>
+                                        <p:tgtEl>
+                                          <p:spTgt spid="105"/>
+                                        </p:tgtEl>
+                                        <p:attrNameLst>
+                                          <p:attrName>style.visibility</p:attrName>
+                                        </p:attrNameLst>
+                                      </p:cBhvr>
+                                      <p:to>
+                                        <p:strVal val="visible"/>
+                                      </p:to>
+                                    </p:set>
+                                    <p:animEffect transition="in" filter="wipe(down)">
+                                      <p:cBhvr>
+                                        <p:cTn id="10" dur="500"/>
+                                        <p:tgtEl>
+                                          <p:spTgt spid="105"/>
+                                        </p:tgtEl>
+                                      </p:cBhvr>
+                                    </p:animEffect>
+                                  </p:childTnLst>
+                                </p:cTn>
+                              </p:par>
+                            </p:childTnLst>
+                          </p:cTn>
+                        </p:par>
+                        <p:par>
+                          <p:cTn id="11" fill="hold">
+                            <p:stCondLst>
+                              <p:cond delay="500"/>
+                            </p:stCondLst>
+                            <p:childTnLst>
+                              <p:par>
+                                <p:cTn id="12" presetID="10" presetClass="entr" presetSubtype="0" fill="hold" grpId="0" nodeType="afterEffect">
+                                  <p:stCondLst>
+                                    <p:cond delay="0"/>
+                                  </p:stCondLst>
+                                  <p:childTnLst>
+                                    <p:set>
+                                      <p:cBhvr>
+                                        <p:cTn id="13" dur="1" fill="hold">
+                                          <p:stCondLst>
+                                            <p:cond delay="0"/>
+                                          </p:stCondLst>
+                                        </p:cTn>
+                                        <p:tgtEl>
+                                          <p:spTgt spid="148"/>
+                                        </p:tgtEl>
+                                        <p:attrNameLst>
+                                          <p:attrName>style.visibility</p:attrName>
+                                        </p:attrNameLst>
+                                      </p:cBhvr>
+                                      <p:to>
+                                        <p:strVal val="visible"/>
+                                      </p:to>
+                                    </p:set>
+                                    <p:animEffect transition="in" filter="fade">
+                                      <p:cBhvr>
+                                        <p:cTn id="14" dur="500"/>
+                                        <p:tgtEl>
+                                          <p:spTgt spid="148"/>
+                                        </p:tgtEl>
+                                      </p:cBhvr>
+                                    </p:animEffect>
+                                  </p:childTnLst>
+                                </p:cTn>
+                              </p:par>
+                            </p:childTnLst>
+                          </p:cTn>
+                        </p:par>
+                      </p:childTnLst>
+                    </p:cTn>
+                  </p:par>
+                  <p:par>
+                    <p:cTn id="15" fill="hold">
+                      <p:stCondLst>
+                        <p:cond delay="indefinite"/>
+                      </p:stCondLst>
+                      <p:childTnLst>
+                        <p:par>
+                          <p:cTn id="16" fill="hold">
+                            <p:stCondLst>
+                              <p:cond delay="0"/>
+                            </p:stCondLst>
+                            <p:childTnLst>
+                              <p:par>
+                                <p:cTn id="17" presetID="22" presetClass="entr" presetSubtype="4" fill="hold" grpId="0" nodeType="clickEffect">
+                                  <p:stCondLst>
+                                    <p:cond delay="0"/>
+                                  </p:stCondLst>
+                                  <p:childTnLst>
+                                    <p:set>
+                                      <p:cBhvr>
+                                        <p:cTn id="18" dur="1" fill="hold">
+                                          <p:stCondLst>
+                                            <p:cond delay="0"/>
+                                          </p:stCondLst>
+                                        </p:cTn>
+                                        <p:tgtEl>
+                                          <p:spTgt spid="68"/>
+                                        </p:tgtEl>
+                                        <p:attrNameLst>
+                                          <p:attrName>style.visibility</p:attrName>
+                                        </p:attrNameLst>
+                                      </p:cBhvr>
+                                      <p:to>
+                                        <p:strVal val="visible"/>
+                                      </p:to>
+                                    </p:set>
+                                    <p:animEffect transition="in" filter="wipe(down)">
+                                      <p:cBhvr>
+                                        <p:cTn id="19" dur="500"/>
+                                        <p:tgtEl>
+                                          <p:spTgt spid="68"/>
+                                        </p:tgtEl>
+                                      </p:cBhvr>
+                                    </p:animEffect>
+                                  </p:childTnLst>
+                                </p:cTn>
+                              </p:par>
+                              <p:par>
+                                <p:cTn id="20" presetID="22" presetClass="entr" presetSubtype="4" fill="hold" nodeType="withEffect">
+                                  <p:stCondLst>
+                                    <p:cond delay="0"/>
+                                  </p:stCondLst>
+                                  <p:childTnLst>
+                                    <p:set>
+                                      <p:cBhvr>
+                                        <p:cTn id="21" dur="1" fill="hold">
+                                          <p:stCondLst>
+                                            <p:cond delay="0"/>
+                                          </p:stCondLst>
+                                        </p:cTn>
+                                        <p:tgtEl>
+                                          <p:spTgt spid="90"/>
+                                        </p:tgtEl>
+                                        <p:attrNameLst>
+                                          <p:attrName>style.visibility</p:attrName>
+                                        </p:attrNameLst>
+                                      </p:cBhvr>
+                                      <p:to>
+                                        <p:strVal val="visible"/>
+                                      </p:to>
+                                    </p:set>
+                                    <p:animEffect transition="in" filter="wipe(down)">
+                                      <p:cBhvr>
+                                        <p:cTn id="22" dur="500"/>
+                                        <p:tgtEl>
+                                          <p:spTgt spid="90"/>
+                                        </p:tgtEl>
+                                      </p:cBhvr>
+                                    </p:animEffect>
+                                  </p:childTnLst>
+                                </p:cTn>
+                              </p:par>
+                            </p:childTnLst>
+                          </p:cTn>
+                        </p:par>
+                        <p:par>
+                          <p:cTn id="23" fill="hold">
+                            <p:stCondLst>
+                              <p:cond delay="500"/>
+                            </p:stCondLst>
+                            <p:childTnLst>
+                              <p:par>
+                                <p:cTn id="24" presetID="10" presetClass="entr" presetSubtype="0" fill="hold" grpId="0" nodeType="afterEffect">
+                                  <p:stCondLst>
+                                    <p:cond delay="0"/>
+                                  </p:stCondLst>
+                                  <p:childTnLst>
+                                    <p:set>
+                                      <p:cBhvr>
+                                        <p:cTn id="25" dur="1" fill="hold">
+                                          <p:stCondLst>
+                                            <p:cond delay="0"/>
+                                          </p:stCondLst>
+                                        </p:cTn>
+                                        <p:tgtEl>
+                                          <p:spTgt spid="50"/>
+                                        </p:tgtEl>
+                                        <p:attrNameLst>
+                                          <p:attrName>style.visibility</p:attrName>
+                                        </p:attrNameLst>
+                                      </p:cBhvr>
+                                      <p:to>
+                                        <p:strVal val="visible"/>
+                                      </p:to>
+                                    </p:set>
+                                    <p:animEffect transition="in" filter="fade">
+                                      <p:cBhvr>
+                                        <p:cTn id="26" dur="500"/>
+                                        <p:tgtEl>
+                                          <p:spTgt spid="50"/>
+                                        </p:tgtEl>
+                                      </p:cBhvr>
+                                    </p:animEffect>
+                                  </p:childTnLst>
+                                </p:cTn>
+                              </p:par>
+                            </p:childTnLst>
+                          </p:cTn>
+                        </p:par>
+                      </p:childTnLst>
+                    </p:cTn>
+                  </p:par>
+                  <p:par>
+                    <p:cTn id="27" fill="hold">
+                      <p:stCondLst>
+                        <p:cond delay="indefinite"/>
+                      </p:stCondLst>
+                      <p:childTnLst>
+                        <p:par>
+                          <p:cTn id="28" fill="hold">
+                            <p:stCondLst>
+                              <p:cond delay="0"/>
+                            </p:stCondLst>
+                            <p:childTnLst>
+                              <p:par>
+                                <p:cTn id="29" presetID="22" presetClass="entr" presetSubtype="4" fill="hold" grpId="0" nodeType="clickEffect">
+                                  <p:stCondLst>
+                                    <p:cond delay="0"/>
+                                  </p:stCondLst>
+                                  <p:childTnLst>
+                                    <p:set>
+                                      <p:cBhvr>
+                                        <p:cTn id="30" dur="1" fill="hold">
+                                          <p:stCondLst>
+                                            <p:cond delay="0"/>
+                                          </p:stCondLst>
+                                        </p:cTn>
+                                        <p:tgtEl>
+                                          <p:spTgt spid="65"/>
+                                        </p:tgtEl>
+                                        <p:attrNameLst>
+                                          <p:attrName>style.visibility</p:attrName>
+                                        </p:attrNameLst>
+                                      </p:cBhvr>
+                                      <p:to>
+                                        <p:strVal val="visible"/>
+                                      </p:to>
+                                    </p:set>
+                                    <p:animEffect transition="in" filter="wipe(down)">
+                                      <p:cBhvr>
+                                        <p:cTn id="31" dur="500"/>
+                                        <p:tgtEl>
+                                          <p:spTgt spid="65"/>
+                                        </p:tgtEl>
+                                      </p:cBhvr>
+                                    </p:animEffect>
+                                  </p:childTnLst>
+                                </p:cTn>
+                              </p:par>
+                              <p:par>
+                                <p:cTn id="32" presetID="22" presetClass="entr" presetSubtype="4" fill="hold" nodeType="withEffect">
+                                  <p:stCondLst>
+                                    <p:cond delay="0"/>
+                                  </p:stCondLst>
+                                  <p:childTnLst>
+                                    <p:set>
+                                      <p:cBhvr>
+                                        <p:cTn id="33" dur="1" fill="hold">
+                                          <p:stCondLst>
+                                            <p:cond delay="0"/>
+                                          </p:stCondLst>
+                                        </p:cTn>
+                                        <p:tgtEl>
+                                          <p:spTgt spid="84"/>
+                                        </p:tgtEl>
+                                        <p:attrNameLst>
+                                          <p:attrName>style.visibility</p:attrName>
+                                        </p:attrNameLst>
+                                      </p:cBhvr>
+                                      <p:to>
+                                        <p:strVal val="visible"/>
+                                      </p:to>
+                                    </p:set>
+                                    <p:animEffect transition="in" filter="wipe(down)">
+                                      <p:cBhvr>
+                                        <p:cTn id="34" dur="500"/>
+                                        <p:tgtEl>
+                                          <p:spTgt spid="84"/>
+                                        </p:tgtEl>
+                                      </p:cBhvr>
+                                    </p:animEffect>
+                                  </p:childTnLst>
+                                </p:cTn>
+                              </p:par>
+                            </p:childTnLst>
+                          </p:cTn>
+                        </p:par>
+                        <p:par>
+                          <p:cTn id="35" fill="hold">
+                            <p:stCondLst>
+                              <p:cond delay="500"/>
+                            </p:stCondLst>
+                            <p:childTnLst>
+                              <p:par>
+                                <p:cTn id="36" presetID="10" presetClass="entr" presetSubtype="0" fill="hold" grpId="0" nodeType="afterEffect">
+                                  <p:stCondLst>
+                                    <p:cond delay="0"/>
+                                  </p:stCondLst>
+                                  <p:childTnLst>
+                                    <p:set>
+                                      <p:cBhvr>
+                                        <p:cTn id="37" dur="1" fill="hold">
+                                          <p:stCondLst>
+                                            <p:cond delay="0"/>
+                                          </p:stCondLst>
+                                        </p:cTn>
+                                        <p:tgtEl>
+                                          <p:spTgt spid="55"/>
+                                        </p:tgtEl>
+                                        <p:attrNameLst>
+                                          <p:attrName>style.visibility</p:attrName>
+                                        </p:attrNameLst>
+                                      </p:cBhvr>
+                                      <p:to>
+                                        <p:strVal val="visible"/>
+                                      </p:to>
+                                    </p:set>
+                                    <p:animEffect transition="in" filter="fade">
+                                      <p:cBhvr>
+                                        <p:cTn id="38" dur="500"/>
+                                        <p:tgtEl>
+                                          <p:spTgt spid="55"/>
+                                        </p:tgtEl>
+                                      </p:cBhvr>
+                                    </p:animEffect>
+                                  </p:childTnLst>
+                                </p:cTn>
+                              </p:par>
+                            </p:childTnLst>
+                          </p:cTn>
+                        </p:par>
+                      </p:childTnLst>
+                    </p:cTn>
+                  </p:par>
+                  <p:par>
+                    <p:cTn id="39" fill="hold">
+                      <p:stCondLst>
+                        <p:cond delay="indefinite"/>
+                      </p:stCondLst>
+                      <p:childTnLst>
+                        <p:par>
+                          <p:cTn id="40" fill="hold">
+                            <p:stCondLst>
+                              <p:cond delay="0"/>
+                            </p:stCondLst>
+                            <p:childTnLst>
+                              <p:par>
+                                <p:cTn id="41" presetID="22" presetClass="entr" presetSubtype="4" fill="hold" nodeType="clickEffect">
+                                  <p:stCondLst>
+                                    <p:cond delay="0"/>
+                                  </p:stCondLst>
+                                  <p:childTnLst>
+                                    <p:set>
+                                      <p:cBhvr>
+                                        <p:cTn id="42" dur="1" fill="hold">
+                                          <p:stCondLst>
+                                            <p:cond delay="0"/>
+                                          </p:stCondLst>
+                                        </p:cTn>
+                                        <p:tgtEl>
+                                          <p:spTgt spid="86"/>
+                                        </p:tgtEl>
+                                        <p:attrNameLst>
+                                          <p:attrName>style.visibility</p:attrName>
+                                        </p:attrNameLst>
+                                      </p:cBhvr>
+                                      <p:to>
+                                        <p:strVal val="visible"/>
+                                      </p:to>
+                                    </p:set>
+                                    <p:animEffect transition="in" filter="wipe(down)">
+                                      <p:cBhvr>
+                                        <p:cTn id="43" dur="500"/>
+                                        <p:tgtEl>
+                                          <p:spTgt spid="86"/>
+                                        </p:tgtEl>
+                                      </p:cBhvr>
+                                    </p:animEffect>
+                                  </p:childTnLst>
+                                </p:cTn>
+                              </p:par>
+                              <p:par>
+                                <p:cTn id="44" presetID="22" presetClass="entr" presetSubtype="4" fill="hold" grpId="0" nodeType="withEffect">
+                                  <p:stCondLst>
+                                    <p:cond delay="0"/>
+                                  </p:stCondLst>
+                                  <p:childTnLst>
+                                    <p:set>
+                                      <p:cBhvr>
+                                        <p:cTn id="45" dur="1" fill="hold">
+                                          <p:stCondLst>
+                                            <p:cond delay="0"/>
+                                          </p:stCondLst>
+                                        </p:cTn>
+                                        <p:tgtEl>
+                                          <p:spTgt spid="69"/>
+                                        </p:tgtEl>
+                                        <p:attrNameLst>
+                                          <p:attrName>style.visibility</p:attrName>
+                                        </p:attrNameLst>
+                                      </p:cBhvr>
+                                      <p:to>
+                                        <p:strVal val="visible"/>
+                                      </p:to>
+                                    </p:set>
+                                    <p:animEffect transition="in" filter="wipe(down)">
+                                      <p:cBhvr>
+                                        <p:cTn id="46" dur="500"/>
+                                        <p:tgtEl>
+                                          <p:spTgt spid="69"/>
+                                        </p:tgtEl>
+                                      </p:cBhvr>
+                                    </p:animEffect>
+                                  </p:childTnLst>
+                                </p:cTn>
+                              </p:par>
+                            </p:childTnLst>
+                          </p:cTn>
+                        </p:par>
+                        <p:par>
+                          <p:cTn id="47" fill="hold">
+                            <p:stCondLst>
+                              <p:cond delay="500"/>
+                            </p:stCondLst>
+                            <p:childTnLst>
+                              <p:par>
+                                <p:cTn id="48" presetID="10" presetClass="entr" presetSubtype="0" fill="hold" grpId="0" nodeType="afterEffect">
+                                  <p:stCondLst>
+                                    <p:cond delay="0"/>
+                                  </p:stCondLst>
+                                  <p:childTnLst>
+                                    <p:set>
+                                      <p:cBhvr>
+                                        <p:cTn id="49" dur="1" fill="hold">
+                                          <p:stCondLst>
+                                            <p:cond delay="0"/>
+                                          </p:stCondLst>
+                                        </p:cTn>
+                                        <p:tgtEl>
+                                          <p:spTgt spid="58"/>
+                                        </p:tgtEl>
+                                        <p:attrNameLst>
+                                          <p:attrName>style.visibility</p:attrName>
+                                        </p:attrNameLst>
+                                      </p:cBhvr>
+                                      <p:to>
+                                        <p:strVal val="visible"/>
+                                      </p:to>
+                                    </p:set>
+                                    <p:animEffect transition="in" filter="fade">
+                                      <p:cBhvr>
+                                        <p:cTn id="50" dur="500"/>
+                                        <p:tgtEl>
+                                          <p:spTgt spid="58"/>
+                                        </p:tgtEl>
+                                      </p:cBhvr>
+                                    </p:animEffect>
+                                  </p:childTnLst>
+                                </p:cTn>
+                              </p:par>
+                            </p:childTnLst>
+                          </p:cTn>
+                        </p:par>
+                      </p:childTnLst>
+                    </p:cTn>
+                  </p:par>
+                  <p:par>
+                    <p:cTn id="51" fill="hold">
+                      <p:stCondLst>
+                        <p:cond delay="indefinite"/>
+                      </p:stCondLst>
+                      <p:childTnLst>
+                        <p:par>
+                          <p:cTn id="52" fill="hold">
+                            <p:stCondLst>
+                              <p:cond delay="0"/>
+                            </p:stCondLst>
+                            <p:childTnLst>
+                              <p:par>
+                                <p:cTn id="53" presetID="22" presetClass="entr" presetSubtype="4" fill="hold" nodeType="clickEffect">
+                                  <p:stCondLst>
+                                    <p:cond delay="0"/>
+                                  </p:stCondLst>
+                                  <p:childTnLst>
+                                    <p:set>
+                                      <p:cBhvr>
+                                        <p:cTn id="54" dur="1" fill="hold">
+                                          <p:stCondLst>
+                                            <p:cond delay="0"/>
+                                          </p:stCondLst>
+                                        </p:cTn>
+                                        <p:tgtEl>
+                                          <p:spTgt spid="87"/>
+                                        </p:tgtEl>
+                                        <p:attrNameLst>
+                                          <p:attrName>style.visibility</p:attrName>
+                                        </p:attrNameLst>
+                                      </p:cBhvr>
+                                      <p:to>
+                                        <p:strVal val="visible"/>
+                                      </p:to>
+                                    </p:set>
+                                    <p:animEffect transition="in" filter="wipe(down)">
+                                      <p:cBhvr>
+                                        <p:cTn id="55" dur="500"/>
+                                        <p:tgtEl>
+                                          <p:spTgt spid="87"/>
+                                        </p:tgtEl>
+                                      </p:cBhvr>
+                                    </p:animEffect>
+                                  </p:childTnLst>
+                                </p:cTn>
+                              </p:par>
+                              <p:par>
+                                <p:cTn id="56" presetID="22" presetClass="entr" presetSubtype="4" fill="hold" grpId="0" nodeType="withEffect">
+                                  <p:stCondLst>
+                                    <p:cond delay="0"/>
+                                  </p:stCondLst>
+                                  <p:childTnLst>
+                                    <p:set>
+                                      <p:cBhvr>
+                                        <p:cTn id="57" dur="1" fill="hold">
+                                          <p:stCondLst>
+                                            <p:cond delay="0"/>
+                                          </p:stCondLst>
+                                        </p:cTn>
+                                        <p:tgtEl>
+                                          <p:spTgt spid="66"/>
+                                        </p:tgtEl>
+                                        <p:attrNameLst>
+                                          <p:attrName>style.visibility</p:attrName>
+                                        </p:attrNameLst>
+                                      </p:cBhvr>
+                                      <p:to>
+                                        <p:strVal val="visible"/>
+                                      </p:to>
+                                    </p:set>
+                                    <p:animEffect transition="in" filter="wipe(down)">
+                                      <p:cBhvr>
+                                        <p:cTn id="58" dur="500"/>
+                                        <p:tgtEl>
+                                          <p:spTgt spid="66"/>
+                                        </p:tgtEl>
+                                      </p:cBhvr>
+                                    </p:animEffect>
+                                  </p:childTnLst>
+                                </p:cTn>
+                              </p:par>
+                            </p:childTnLst>
+                          </p:cTn>
+                        </p:par>
+                        <p:par>
+                          <p:cTn id="59" fill="hold">
+                            <p:stCondLst>
+                              <p:cond delay="500"/>
+                            </p:stCondLst>
+                            <p:childTnLst>
+                              <p:par>
+                                <p:cTn id="60" presetID="10" presetClass="entr" presetSubtype="0" fill="hold" grpId="0" nodeType="afterEffect">
+                                  <p:stCondLst>
+                                    <p:cond delay="0"/>
+                                  </p:stCondLst>
+                                  <p:childTnLst>
+                                    <p:set>
+                                      <p:cBhvr>
+                                        <p:cTn id="61" dur="1" fill="hold">
+                                          <p:stCondLst>
+                                            <p:cond delay="0"/>
+                                          </p:stCondLst>
+                                        </p:cTn>
+                                        <p:tgtEl>
+                                          <p:spTgt spid="149"/>
+                                        </p:tgtEl>
+                                        <p:attrNameLst>
+                                          <p:attrName>style.visibility</p:attrName>
+                                        </p:attrNameLst>
+                                      </p:cBhvr>
+                                      <p:to>
+                                        <p:strVal val="visible"/>
+                                      </p:to>
+                                    </p:set>
+                                    <p:animEffect transition="in" filter="fade">
+                                      <p:cBhvr>
+                                        <p:cTn id="62" dur="500"/>
+                                        <p:tgtEl>
+                                          <p:spTgt spid="149"/>
+                                        </p:tgtEl>
+                                      </p:cBhvr>
+                                    </p:animEffect>
+                                  </p:childTnLst>
+                                </p:cTn>
+                              </p:par>
+                            </p:childTnLst>
+                          </p:cTn>
+                        </p:par>
+                      </p:childTnLst>
+                    </p:cTn>
+                  </p:par>
+                </p:childTnLst>
+              </p:cTn>
+              <p:prevCondLst>
+                <p:cond evt="onPrev" delay="0">
+                  <p:tgtEl>
+                    <p:sldTgt/>
+                  </p:tgtEl>
+                </p:cond>
+              </p:prevCondLst>
+              <p:nextCondLst>
+                <p:cond evt="onNext" delay="0">
+                  <p:tgtEl>
+                    <p:sldTgt/>
+                  </p:tgtEl>
+                </p:cond>
+              </p:nextCondLst>
+            </p:seq>
+          </p:childTnLst>
+        </p:cTn>
+      </p:par>
+    </p:tnLst>
+    <p:bldLst>
+      <p:bldP spid="55" grpId="0" animBg="1"/>
+      <p:bldP spid="65" grpId="0" animBg="1"/>
+      <p:bldP spid="58" grpId="0" animBg="1"/>
+      <p:bldP spid="69" grpId="0" animBg="1"/>
+      <p:bldP spid="66" grpId="0" animBg="1"/>
+      <p:bldP spid="50" grpId="0" animBg="1"/>
+      <p:bldP spid="68" grpId="0" animBg="1"/>
+      <p:bldP spid="104" grpId="0" animBg="1"/>
+      <p:bldP spid="148" grpId="0" animBg="1"/>
+      <p:bldP spid="149" grpId="0" animBg="1"/>
+    </p:bldLst>
+  </p:timing>
 </p:sld>
 </file>
 
@@ -12817,7 +15185,7 @@
           <a:p>
             <a:r>
               <a:rPr lang="de-DE" dirty="0"/>
-              <a:t>8. Ausblick</a:t>
+              <a:t>8. Fazit und Ausblick</a:t>
             </a:r>
           </a:p>
         </p:txBody>
@@ -12847,6 +15215,10 @@
               <a:buFont typeface="Arial" panose="020B0604020202020204" pitchFamily="34" charset="0"/>
               <a:buChar char="•"/>
             </a:pPr>
+            <a:r>
+              <a:rPr lang="de-DE" dirty="0" err="1"/>
+              <a:t>adadad</a:t>
+            </a:r>
             <a:endParaRPr lang="de-DE" dirty="0"/>
           </a:p>
         </p:txBody>
@@ -12877,7 +15249,7 @@
             </a:pPr>
             <a:fld id="{2759BC77-E7B8-413A-BC06-D93DFDFFA11C}" type="datetime1">
               <a:rPr lang="de-DE" smtClean="0"/>
-              <a:t>19.05.2021</a:t>
+              <a:t>20.05.2021</a:t>
             </a:fld>
             <a:endParaRPr lang="de-DE" sz="1400" dirty="0"/>
           </a:p>
@@ -14044,7 +16416,7 @@
             </a:pPr>
             <a:fld id="{A55D7560-873E-4A11-B999-9EC1DC85140A}" type="datetime1">
               <a:rPr lang="de-DE" altLang="de-DE" smtClean="0"/>
-              <a:t>19.05.2021</a:t>
+              <a:t>20.05.2021</a:t>
             </a:fld>
             <a:endParaRPr lang="de-DE" altLang="de-DE" sz="1400" dirty="0"/>
           </a:p>
@@ -15138,7 +17510,7 @@
             </a:pPr>
             <a:fld id="{B9F3D077-160D-4153-8186-251702BBFA30}" type="datetime1">
               <a:rPr lang="de-DE" altLang="de-DE" smtClean="0"/>
-              <a:t>19.05.2021</a:t>
+              <a:t>20.05.2021</a:t>
             </a:fld>
             <a:endParaRPr lang="de-DE" altLang="de-DE" sz="1400" dirty="0"/>
           </a:p>
@@ -15731,7 +18103,7 @@
             </a:pPr>
             <a:fld id="{2759BC77-E7B8-413A-BC06-D93DFDFFA11C}" type="datetime1">
               <a:rPr lang="de-DE" smtClean="0"/>
-              <a:t>19.05.2021</a:t>
+              <a:t>20.05.2021</a:t>
             </a:fld>
             <a:endParaRPr lang="de-DE" sz="1400" dirty="0"/>
           </a:p>
@@ -16239,7 +18611,7 @@
             </a:pPr>
             <a:fld id="{AFED0CDB-B616-4E20-99D4-F9860A5C8486}" type="datetime1">
               <a:rPr lang="de-DE" smtClean="0"/>
-              <a:t>19.05.2021</a:t>
+              <a:t>20.05.2021</a:t>
             </a:fld>
             <a:endParaRPr lang="de-DE" sz="1400" dirty="0"/>
           </a:p>
@@ -16566,7 +18938,7 @@
             </a:pPr>
             <a:fld id="{CF0DA80B-4892-42C9-B7CC-0EAC1D881A24}" type="datetime1">
               <a:rPr lang="de-DE" smtClean="0"/>
-              <a:t>19.05.2021</a:t>
+              <a:t>20.05.2021</a:t>
             </a:fld>
             <a:endParaRPr lang="de-DE" sz="1400" dirty="0"/>
           </a:p>
@@ -17047,7 +19419,7 @@
               <a:buNone/>
               <a:tabLst/>
             </a:pPr>
-            <a:endParaRPr kumimoji="0" lang="de-DE" sz="1800" b="0" i="0" u="none" strike="noStrike" cap="none" normalizeH="0" baseline="0">
+            <a:endParaRPr kumimoji="0" lang="de-DE" sz="1800" b="0" i="0" u="none" strike="noStrike" cap="none" normalizeH="0" baseline="0" dirty="0">
               <a:ln>
                 <a:noFill/>
               </a:ln>
@@ -17433,7 +19805,7 @@
               <a:buNone/>
               <a:tabLst/>
             </a:pPr>
-            <a:endParaRPr kumimoji="0" lang="de-DE" sz="1800" b="0" i="0" u="none" strike="noStrike" cap="none" normalizeH="0" baseline="0">
+            <a:endParaRPr kumimoji="0" lang="de-DE" sz="1800" b="0" i="0" u="none" strike="noStrike" cap="none" normalizeH="0" baseline="0" dirty="0">
               <a:ln>
                 <a:noFill/>
               </a:ln>
@@ -17639,6 +20011,488 @@
   <p:clrMapOvr>
     <a:masterClrMapping/>
   </p:clrMapOvr>
+  <p:timing>
+    <p:tnLst>
+      <p:par>
+        <p:cTn id="1" dur="indefinite" restart="never" nodeType="tmRoot">
+          <p:childTnLst>
+            <p:seq concurrent="1" nextAc="seek">
+              <p:cTn id="2" dur="indefinite" nodeType="mainSeq">
+                <p:childTnLst>
+                  <p:par>
+                    <p:cTn id="3" fill="hold">
+                      <p:stCondLst>
+                        <p:cond delay="indefinite"/>
+                      </p:stCondLst>
+                      <p:childTnLst>
+                        <p:par>
+                          <p:cTn id="4" fill="hold">
+                            <p:stCondLst>
+                              <p:cond delay="0"/>
+                            </p:stCondLst>
+                            <p:childTnLst>
+                              <p:par>
+                                <p:cTn id="5" presetID="16" presetClass="entr" presetSubtype="21" fill="hold" grpId="0" nodeType="clickEffect">
+                                  <p:stCondLst>
+                                    <p:cond delay="0"/>
+                                  </p:stCondLst>
+                                  <p:childTnLst>
+                                    <p:set>
+                                      <p:cBhvr>
+                                        <p:cTn id="6" dur="1" fill="hold">
+                                          <p:stCondLst>
+                                            <p:cond delay="0"/>
+                                          </p:stCondLst>
+                                        </p:cTn>
+                                        <p:tgtEl>
+                                          <p:spTgt spid="22"/>
+                                        </p:tgtEl>
+                                        <p:attrNameLst>
+                                          <p:attrName>style.visibility</p:attrName>
+                                        </p:attrNameLst>
+                                      </p:cBhvr>
+                                      <p:to>
+                                        <p:strVal val="visible"/>
+                                      </p:to>
+                                    </p:set>
+                                    <p:animEffect transition="in" filter="barn(inVertical)">
+                                      <p:cBhvr>
+                                        <p:cTn id="7" dur="500"/>
+                                        <p:tgtEl>
+                                          <p:spTgt spid="22"/>
+                                        </p:tgtEl>
+                                      </p:cBhvr>
+                                    </p:animEffect>
+                                  </p:childTnLst>
+                                </p:cTn>
+                              </p:par>
+                              <p:par>
+                                <p:cTn id="8" presetID="10" presetClass="entr" presetSubtype="0" fill="hold" grpId="0" nodeType="withEffect">
+                                  <p:stCondLst>
+                                    <p:cond delay="0"/>
+                                  </p:stCondLst>
+                                  <p:childTnLst>
+                                    <p:set>
+                                      <p:cBhvr>
+                                        <p:cTn id="9" dur="1" fill="hold">
+                                          <p:stCondLst>
+                                            <p:cond delay="0"/>
+                                          </p:stCondLst>
+                                        </p:cTn>
+                                        <p:tgtEl>
+                                          <p:spTgt spid="23"/>
+                                        </p:tgtEl>
+                                        <p:attrNameLst>
+                                          <p:attrName>style.visibility</p:attrName>
+                                        </p:attrNameLst>
+                                      </p:cBhvr>
+                                      <p:to>
+                                        <p:strVal val="visible"/>
+                                      </p:to>
+                                    </p:set>
+                                    <p:animEffect transition="in" filter="fade">
+                                      <p:cBhvr>
+                                        <p:cTn id="10" dur="500"/>
+                                        <p:tgtEl>
+                                          <p:spTgt spid="23"/>
+                                        </p:tgtEl>
+                                      </p:cBhvr>
+                                    </p:animEffect>
+                                  </p:childTnLst>
+                                </p:cTn>
+                              </p:par>
+                            </p:childTnLst>
+                          </p:cTn>
+                        </p:par>
+                      </p:childTnLst>
+                    </p:cTn>
+                  </p:par>
+                  <p:par>
+                    <p:cTn id="11" fill="hold">
+                      <p:stCondLst>
+                        <p:cond delay="indefinite"/>
+                      </p:stCondLst>
+                      <p:childTnLst>
+                        <p:par>
+                          <p:cTn id="12" fill="hold">
+                            <p:stCondLst>
+                              <p:cond delay="0"/>
+                            </p:stCondLst>
+                            <p:childTnLst>
+                              <p:par>
+                                <p:cTn id="13" presetID="16" presetClass="entr" presetSubtype="21" fill="hold" grpId="0" nodeType="clickEffect">
+                                  <p:stCondLst>
+                                    <p:cond delay="0"/>
+                                  </p:stCondLst>
+                                  <p:childTnLst>
+                                    <p:set>
+                                      <p:cBhvr>
+                                        <p:cTn id="14" dur="1" fill="hold">
+                                          <p:stCondLst>
+                                            <p:cond delay="0"/>
+                                          </p:stCondLst>
+                                        </p:cTn>
+                                        <p:tgtEl>
+                                          <p:spTgt spid="24"/>
+                                        </p:tgtEl>
+                                        <p:attrNameLst>
+                                          <p:attrName>style.visibility</p:attrName>
+                                        </p:attrNameLst>
+                                      </p:cBhvr>
+                                      <p:to>
+                                        <p:strVal val="visible"/>
+                                      </p:to>
+                                    </p:set>
+                                    <p:animEffect transition="in" filter="barn(inVertical)">
+                                      <p:cBhvr>
+                                        <p:cTn id="15" dur="500"/>
+                                        <p:tgtEl>
+                                          <p:spTgt spid="24"/>
+                                        </p:tgtEl>
+                                      </p:cBhvr>
+                                    </p:animEffect>
+                                  </p:childTnLst>
+                                </p:cTn>
+                              </p:par>
+                              <p:par>
+                                <p:cTn id="16" presetID="10" presetClass="entr" presetSubtype="0" fill="hold" grpId="0" nodeType="withEffect">
+                                  <p:stCondLst>
+                                    <p:cond delay="0"/>
+                                  </p:stCondLst>
+                                  <p:childTnLst>
+                                    <p:set>
+                                      <p:cBhvr>
+                                        <p:cTn id="17" dur="1" fill="hold">
+                                          <p:stCondLst>
+                                            <p:cond delay="0"/>
+                                          </p:stCondLst>
+                                        </p:cTn>
+                                        <p:tgtEl>
+                                          <p:spTgt spid="25"/>
+                                        </p:tgtEl>
+                                        <p:attrNameLst>
+                                          <p:attrName>style.visibility</p:attrName>
+                                        </p:attrNameLst>
+                                      </p:cBhvr>
+                                      <p:to>
+                                        <p:strVal val="visible"/>
+                                      </p:to>
+                                    </p:set>
+                                    <p:animEffect transition="in" filter="fade">
+                                      <p:cBhvr>
+                                        <p:cTn id="18" dur="500"/>
+                                        <p:tgtEl>
+                                          <p:spTgt spid="25"/>
+                                        </p:tgtEl>
+                                      </p:cBhvr>
+                                    </p:animEffect>
+                                  </p:childTnLst>
+                                </p:cTn>
+                              </p:par>
+                            </p:childTnLst>
+                          </p:cTn>
+                        </p:par>
+                      </p:childTnLst>
+                    </p:cTn>
+                  </p:par>
+                  <p:par>
+                    <p:cTn id="19" fill="hold">
+                      <p:stCondLst>
+                        <p:cond delay="indefinite"/>
+                      </p:stCondLst>
+                      <p:childTnLst>
+                        <p:par>
+                          <p:cTn id="20" fill="hold">
+                            <p:stCondLst>
+                              <p:cond delay="0"/>
+                            </p:stCondLst>
+                            <p:childTnLst>
+                              <p:par>
+                                <p:cTn id="21" presetID="16" presetClass="entr" presetSubtype="21" fill="hold" grpId="0" nodeType="clickEffect">
+                                  <p:stCondLst>
+                                    <p:cond delay="0"/>
+                                  </p:stCondLst>
+                                  <p:childTnLst>
+                                    <p:set>
+                                      <p:cBhvr>
+                                        <p:cTn id="22" dur="1" fill="hold">
+                                          <p:stCondLst>
+                                            <p:cond delay="0"/>
+                                          </p:stCondLst>
+                                        </p:cTn>
+                                        <p:tgtEl>
+                                          <p:spTgt spid="26"/>
+                                        </p:tgtEl>
+                                        <p:attrNameLst>
+                                          <p:attrName>style.visibility</p:attrName>
+                                        </p:attrNameLst>
+                                      </p:cBhvr>
+                                      <p:to>
+                                        <p:strVal val="visible"/>
+                                      </p:to>
+                                    </p:set>
+                                    <p:animEffect transition="in" filter="barn(inVertical)">
+                                      <p:cBhvr>
+                                        <p:cTn id="23" dur="500"/>
+                                        <p:tgtEl>
+                                          <p:spTgt spid="26"/>
+                                        </p:tgtEl>
+                                      </p:cBhvr>
+                                    </p:animEffect>
+                                  </p:childTnLst>
+                                </p:cTn>
+                              </p:par>
+                              <p:par>
+                                <p:cTn id="24" presetID="10" presetClass="entr" presetSubtype="0" fill="hold" grpId="0" nodeType="withEffect">
+                                  <p:stCondLst>
+                                    <p:cond delay="0"/>
+                                  </p:stCondLst>
+                                  <p:childTnLst>
+                                    <p:set>
+                                      <p:cBhvr>
+                                        <p:cTn id="25" dur="1" fill="hold">
+                                          <p:stCondLst>
+                                            <p:cond delay="0"/>
+                                          </p:stCondLst>
+                                        </p:cTn>
+                                        <p:tgtEl>
+                                          <p:spTgt spid="27"/>
+                                        </p:tgtEl>
+                                        <p:attrNameLst>
+                                          <p:attrName>style.visibility</p:attrName>
+                                        </p:attrNameLst>
+                                      </p:cBhvr>
+                                      <p:to>
+                                        <p:strVal val="visible"/>
+                                      </p:to>
+                                    </p:set>
+                                    <p:animEffect transition="in" filter="fade">
+                                      <p:cBhvr>
+                                        <p:cTn id="26" dur="500"/>
+                                        <p:tgtEl>
+                                          <p:spTgt spid="27"/>
+                                        </p:tgtEl>
+                                      </p:cBhvr>
+                                    </p:animEffect>
+                                  </p:childTnLst>
+                                </p:cTn>
+                              </p:par>
+                            </p:childTnLst>
+                          </p:cTn>
+                        </p:par>
+                      </p:childTnLst>
+                    </p:cTn>
+                  </p:par>
+                  <p:par>
+                    <p:cTn id="27" fill="hold">
+                      <p:stCondLst>
+                        <p:cond delay="indefinite"/>
+                      </p:stCondLst>
+                      <p:childTnLst>
+                        <p:par>
+                          <p:cTn id="28" fill="hold">
+                            <p:stCondLst>
+                              <p:cond delay="0"/>
+                            </p:stCondLst>
+                            <p:childTnLst>
+                              <p:par>
+                                <p:cTn id="29" presetID="16" presetClass="entr" presetSubtype="21" fill="hold" grpId="0" nodeType="clickEffect">
+                                  <p:stCondLst>
+                                    <p:cond delay="0"/>
+                                  </p:stCondLst>
+                                  <p:childTnLst>
+                                    <p:set>
+                                      <p:cBhvr>
+                                        <p:cTn id="30" dur="1" fill="hold">
+                                          <p:stCondLst>
+                                            <p:cond delay="0"/>
+                                          </p:stCondLst>
+                                        </p:cTn>
+                                        <p:tgtEl>
+                                          <p:spTgt spid="28"/>
+                                        </p:tgtEl>
+                                        <p:attrNameLst>
+                                          <p:attrName>style.visibility</p:attrName>
+                                        </p:attrNameLst>
+                                      </p:cBhvr>
+                                      <p:to>
+                                        <p:strVal val="visible"/>
+                                      </p:to>
+                                    </p:set>
+                                    <p:animEffect transition="in" filter="barn(inVertical)">
+                                      <p:cBhvr>
+                                        <p:cTn id="31" dur="500"/>
+                                        <p:tgtEl>
+                                          <p:spTgt spid="28"/>
+                                        </p:tgtEl>
+                                      </p:cBhvr>
+                                    </p:animEffect>
+                                  </p:childTnLst>
+                                </p:cTn>
+                              </p:par>
+                              <p:par>
+                                <p:cTn id="32" presetID="10" presetClass="entr" presetSubtype="0" fill="hold" grpId="0" nodeType="withEffect">
+                                  <p:stCondLst>
+                                    <p:cond delay="0"/>
+                                  </p:stCondLst>
+                                  <p:childTnLst>
+                                    <p:set>
+                                      <p:cBhvr>
+                                        <p:cTn id="33" dur="1" fill="hold">
+                                          <p:stCondLst>
+                                            <p:cond delay="0"/>
+                                          </p:stCondLst>
+                                        </p:cTn>
+                                        <p:tgtEl>
+                                          <p:spTgt spid="30"/>
+                                        </p:tgtEl>
+                                        <p:attrNameLst>
+                                          <p:attrName>style.visibility</p:attrName>
+                                        </p:attrNameLst>
+                                      </p:cBhvr>
+                                      <p:to>
+                                        <p:strVal val="visible"/>
+                                      </p:to>
+                                    </p:set>
+                                    <p:animEffect transition="in" filter="fade">
+                                      <p:cBhvr>
+                                        <p:cTn id="34" dur="500"/>
+                                        <p:tgtEl>
+                                          <p:spTgt spid="30"/>
+                                        </p:tgtEl>
+                                      </p:cBhvr>
+                                    </p:animEffect>
+                                  </p:childTnLst>
+                                </p:cTn>
+                              </p:par>
+                            </p:childTnLst>
+                          </p:cTn>
+                        </p:par>
+                      </p:childTnLst>
+                    </p:cTn>
+                  </p:par>
+                  <p:par>
+                    <p:cTn id="35" fill="hold">
+                      <p:stCondLst>
+                        <p:cond delay="indefinite"/>
+                      </p:stCondLst>
+                      <p:childTnLst>
+                        <p:par>
+                          <p:cTn id="36" fill="hold">
+                            <p:stCondLst>
+                              <p:cond delay="0"/>
+                            </p:stCondLst>
+                            <p:childTnLst>
+                              <p:par>
+                                <p:cTn id="37" presetID="16" presetClass="entr" presetSubtype="21" fill="hold" grpId="0" nodeType="clickEffect">
+                                  <p:stCondLst>
+                                    <p:cond delay="0"/>
+                                  </p:stCondLst>
+                                  <p:childTnLst>
+                                    <p:set>
+                                      <p:cBhvr>
+                                        <p:cTn id="38" dur="1" fill="hold">
+                                          <p:stCondLst>
+                                            <p:cond delay="0"/>
+                                          </p:stCondLst>
+                                        </p:cTn>
+                                        <p:tgtEl>
+                                          <p:spTgt spid="29"/>
+                                        </p:tgtEl>
+                                        <p:attrNameLst>
+                                          <p:attrName>style.visibility</p:attrName>
+                                        </p:attrNameLst>
+                                      </p:cBhvr>
+                                      <p:to>
+                                        <p:strVal val="visible"/>
+                                      </p:to>
+                                    </p:set>
+                                    <p:animEffect transition="in" filter="barn(inVertical)">
+                                      <p:cBhvr>
+                                        <p:cTn id="39" dur="500"/>
+                                        <p:tgtEl>
+                                          <p:spTgt spid="29"/>
+                                        </p:tgtEl>
+                                      </p:cBhvr>
+                                    </p:animEffect>
+                                  </p:childTnLst>
+                                </p:cTn>
+                              </p:par>
+                              <p:par>
+                                <p:cTn id="40" presetID="10" presetClass="entr" presetSubtype="0" fill="hold" grpId="0" nodeType="withEffect">
+                                  <p:stCondLst>
+                                    <p:cond delay="0"/>
+                                  </p:stCondLst>
+                                  <p:childTnLst>
+                                    <p:set>
+                                      <p:cBhvr>
+                                        <p:cTn id="41" dur="1" fill="hold">
+                                          <p:stCondLst>
+                                            <p:cond delay="0"/>
+                                          </p:stCondLst>
+                                        </p:cTn>
+                                        <p:tgtEl>
+                                          <p:spTgt spid="31"/>
+                                        </p:tgtEl>
+                                        <p:attrNameLst>
+                                          <p:attrName>style.visibility</p:attrName>
+                                        </p:attrNameLst>
+                                      </p:cBhvr>
+                                      <p:to>
+                                        <p:strVal val="visible"/>
+                                      </p:to>
+                                    </p:set>
+                                    <p:animEffect transition="in" filter="fade">
+                                      <p:cBhvr>
+                                        <p:cTn id="42" dur="500"/>
+                                        <p:tgtEl>
+                                          <p:spTgt spid="31"/>
+                                        </p:tgtEl>
+                                      </p:cBhvr>
+                                    </p:animEffect>
+                                  </p:childTnLst>
+                                </p:cTn>
+                              </p:par>
+                            </p:childTnLst>
+                          </p:cTn>
+                        </p:par>
+                      </p:childTnLst>
+                    </p:cTn>
+                  </p:par>
+                </p:childTnLst>
+              </p:cTn>
+              <p:prevCondLst>
+                <p:cond evt="onPrev" delay="0">
+                  <p:tgtEl>
+                    <p:sldTgt/>
+                  </p:tgtEl>
+                </p:cond>
+              </p:prevCondLst>
+              <p:nextCondLst>
+                <p:cond evt="onNext" delay="0">
+                  <p:tgtEl>
+                    <p:sldTgt/>
+                  </p:tgtEl>
+                </p:cond>
+              </p:nextCondLst>
+            </p:seq>
+          </p:childTnLst>
+        </p:cTn>
+      </p:par>
+    </p:tnLst>
+    <p:bldLst>
+      <p:bldP spid="22" grpId="0" animBg="1"/>
+      <p:bldP spid="23" grpId="0" animBg="1"/>
+      <p:bldP spid="24" grpId="0" animBg="1"/>
+      <p:bldP spid="25" grpId="0" animBg="1"/>
+      <p:bldP spid="26" grpId="0" animBg="1"/>
+      <p:bldP spid="27" grpId="0" animBg="1"/>
+      <p:bldP spid="28" grpId="0" animBg="1"/>
+      <p:bldP spid="29" grpId="0" animBg="1"/>
+      <p:bldP spid="30" grpId="0" animBg="1"/>
+      <p:bldP spid="31" grpId="0" animBg="1"/>
+    </p:bldLst>
+  </p:timing>
 </p:sld>
 </file>
 
@@ -17685,7 +20539,7 @@
             </a:pPr>
             <a:fld id="{2759BC77-E7B8-413A-BC06-D93DFDFFA11C}" type="datetime1">
               <a:rPr lang="de-DE" smtClean="0"/>
-              <a:t>19.05.2021</a:t>
+              <a:t>20.05.2021</a:t>
             </a:fld>
             <a:endParaRPr lang="de-DE" sz="1400" dirty="0"/>
           </a:p>
@@ -17937,8 +20791,8 @@
         </p:nvSpPr>
         <p:spPr bwMode="auto">
           <a:xfrm>
-            <a:off x="3838972" y="1628800"/>
-            <a:ext cx="2228056" cy="607987"/>
+            <a:off x="3838972" y="1637834"/>
+            <a:ext cx="2228056" cy="598953"/>
           </a:xfrm>
           <a:prstGeom prst="rect">
             <a:avLst/>
@@ -17989,7 +20843,7 @@
                 <a:latin typeface="Arial" charset="0"/>
                 <a:ea typeface="ＭＳ Ｐゴシック" pitchFamily="34" charset="-128"/>
               </a:rPr>
-              <a:t>3. Module</a:t>
+              <a:t>Module</a:t>
             </a:r>
           </a:p>
         </p:txBody>
@@ -18530,6 +21384,39 @@
           </a:p>
         </p:txBody>
       </p:sp>
+      <p:sp>
+        <p:nvSpPr>
+          <p:cNvPr id="14" name="Titel 1">
+            <a:extLst>
+              <a:ext uri="{FF2B5EF4-FFF2-40B4-BE49-F238E27FC236}">
+                <a16:creationId xmlns:a16="http://schemas.microsoft.com/office/drawing/2014/main" id="{A0E829BE-8849-47F9-9425-6764010A5509}"/>
+              </a:ext>
+            </a:extLst>
+          </p:cNvPr>
+          <p:cNvSpPr>
+            <a:spLocks noGrp="1"/>
+          </p:cNvSpPr>
+          <p:nvPr>
+            <p:ph type="title"/>
+          </p:nvPr>
+        </p:nvSpPr>
+        <p:spPr>
+          <a:xfrm>
+            <a:off x="488504" y="745892"/>
+            <a:ext cx="8534400" cy="838200"/>
+          </a:xfrm>
+        </p:spPr>
+        <p:txBody>
+          <a:bodyPr/>
+          <a:lstStyle/>
+          <a:p>
+            <a:r>
+              <a:rPr lang="de-DE" dirty="0"/>
+              <a:t>3. Module</a:t>
+            </a:r>
+          </a:p>
+        </p:txBody>
+      </p:sp>
     </p:spTree>
     <p:extLst>
       <p:ext uri="{BB962C8B-B14F-4D97-AF65-F5344CB8AC3E}">
@@ -18561,7 +21448,7 @@
                             </p:stCondLst>
                             <p:childTnLst>
                               <p:par>
-                                <p:cTn id="5" presetID="10" presetClass="entr" presetSubtype="0" fill="hold" nodeType="clickEffect">
+                                <p:cTn id="5" presetID="22" presetClass="entr" presetSubtype="4" fill="hold" nodeType="clickEffect">
                                   <p:stCondLst>
                                     <p:cond delay="0"/>
                                   </p:stCondLst>
@@ -18584,9 +21471,9 @@
                                         <p:strVal val="visible"/>
                                       </p:to>
                                     </p:set>
-                                    <p:animEffect transition="in" filter="fade">
+                                    <p:animEffect transition="in" filter="wipe(down)">
                                       <p:cBhvr>
-                                        <p:cTn id="7" dur="1000"/>
+                                        <p:cTn id="7" dur="500"/>
                                         <p:tgtEl>
                                           <p:spTgt spid="17"/>
                                         </p:tgtEl>
@@ -18596,7 +21483,7 @@
                                 </p:cTn>
                               </p:par>
                               <p:par>
-                                <p:cTn id="8" presetID="10" presetClass="entr" presetSubtype="0" fill="hold" nodeType="withEffect">
+                                <p:cTn id="8" presetID="22" presetClass="entr" presetSubtype="4" fill="hold" nodeType="withEffect">
                                   <p:stCondLst>
                                     <p:cond delay="0"/>
                                   </p:stCondLst>
@@ -18619,9 +21506,9 @@
                                         <p:strVal val="visible"/>
                                       </p:to>
                                     </p:set>
-                                    <p:animEffect transition="in" filter="fade">
+                                    <p:animEffect transition="in" filter="wipe(down)">
                                       <p:cBhvr>
-                                        <p:cTn id="10" dur="1000"/>
+                                        <p:cTn id="10" dur="500"/>
                                         <p:tgtEl>
                                           <p:spTgt spid="20"/>
                                         </p:tgtEl>
@@ -18656,7 +21543,7 @@
                                     </p:set>
                                     <p:animEffect transition="in" filter="fade">
                                       <p:cBhvr>
-                                        <p:cTn id="13" dur="1000"/>
+                                        <p:cTn id="13" dur="500"/>
                                         <p:tgtEl>
                                           <p:spTgt spid="12"/>
                                         </p:tgtEl>
@@ -18691,7 +21578,7 @@
                                     </p:set>
                                     <p:animEffect transition="in" filter="fade">
                                       <p:cBhvr>
-                                        <p:cTn id="16" dur="1000"/>
+                                        <p:cTn id="16" dur="500"/>
                                         <p:tgtEl>
                                           <p:spTgt spid="11"/>
                                         </p:tgtEl>
@@ -18744,7 +21631,7 @@
                                     </p:set>
                                     <p:animEffect transition="in" filter="fade">
                                       <p:cBhvr>
-                                        <p:cTn id="21" dur="1000"/>
+                                        <p:cTn id="21" dur="500"/>
                                         <p:tgtEl>
                                           <p:spTgt spid="27"/>
                                         </p:tgtEl>
@@ -18797,7 +21684,7 @@
                                     </p:set>
                                     <p:animEffect transition="in" filter="fade">
                                       <p:cBhvr>
-                                        <p:cTn id="26" dur="1000"/>
+                                        <p:cTn id="26" dur="500"/>
                                         <p:tgtEl>
                                           <p:spTgt spid="28"/>
                                         </p:tgtEl>
@@ -18850,7 +21737,7 @@
                                     </p:set>
                                     <p:animEffect transition="in" filter="fade">
                                       <p:cBhvr>
-                                        <p:cTn id="31" dur="1000"/>
+                                        <p:cTn id="31" dur="500"/>
                                         <p:tgtEl>
                                           <p:spTgt spid="34"/>
                                         </p:tgtEl>
@@ -18903,7 +21790,7 @@
                                     </p:set>
                                     <p:animEffect transition="in" filter="fade">
                                       <p:cBhvr>
-                                        <p:cTn id="36" dur="1000"/>
+                                        <p:cTn id="36" dur="500"/>
                                         <p:tgtEl>
                                           <p:spTgt spid="39"/>
                                         </p:tgtEl>
@@ -18984,7 +21871,12 @@
             <p:ph type="title"/>
           </p:nvPr>
         </p:nvSpPr>
-        <p:spPr/>
+        <p:spPr>
+          <a:xfrm>
+            <a:off x="762000" y="1268760"/>
+            <a:ext cx="8534400" cy="838200"/>
+          </a:xfrm>
+        </p:spPr>
         <p:txBody>
           <a:bodyPr/>
           <a:lstStyle/>
@@ -19013,7 +21905,12 @@
             <p:ph idx="1"/>
           </p:nvPr>
         </p:nvSpPr>
-        <p:spPr/>
+        <p:spPr>
+          <a:xfrm>
+            <a:off x="762000" y="2204864"/>
+            <a:ext cx="8534400" cy="3657600"/>
+          </a:xfrm>
+        </p:spPr>
         <p:txBody>
           <a:bodyPr/>
           <a:lstStyle/>
@@ -19022,14 +21919,148 @@
               <a:buFont typeface="Arial" panose="020B0604020202020204" pitchFamily="34" charset="0"/>
               <a:buChar char="•"/>
             </a:pPr>
-            <a:endParaRPr lang="de-DE" dirty="0"/>
+            <a:r>
+              <a:rPr lang="de-DE" dirty="0"/>
+              <a:t>Kein White-Box-</a:t>
+            </a:r>
+            <a:r>
+              <a:rPr lang="de-DE" dirty="0" err="1"/>
+              <a:t>Testing</a:t>
+            </a:r>
+            <a:r>
+              <a:rPr lang="de-DE" dirty="0"/>
+              <a:t> möglich, da Programmablauf undurchsichtig</a:t>
+            </a:r>
+          </a:p>
+          <a:p>
+            <a:pPr marL="0" indent="0"/>
+            <a:r>
+              <a:rPr lang="de-DE" dirty="0"/>
+              <a:t>	</a:t>
+            </a:r>
+            <a:r>
+              <a:rPr lang="de-DE" dirty="0">
+                <a:sym typeface="Wingdings" panose="05000000000000000000" pitchFamily="2" charset="2"/>
+              </a:rPr>
+              <a:t> daher </a:t>
+            </a:r>
+            <a:r>
+              <a:rPr lang="de-DE" b="1" dirty="0">
+                <a:sym typeface="Wingdings" panose="05000000000000000000" pitchFamily="2" charset="2"/>
+              </a:rPr>
+              <a:t>Black-Box-</a:t>
+            </a:r>
+            <a:r>
+              <a:rPr lang="de-DE" b="1" dirty="0" err="1">
+                <a:sym typeface="Wingdings" panose="05000000000000000000" pitchFamily="2" charset="2"/>
+              </a:rPr>
+              <a:t>Testing</a:t>
+            </a:r>
+            <a:r>
+              <a:rPr lang="de-DE" dirty="0">
+                <a:sym typeface="Wingdings" panose="05000000000000000000" pitchFamily="2" charset="2"/>
+              </a:rPr>
+              <a:t> als Vorgehensweise</a:t>
+            </a:r>
           </a:p>
           <a:p>
             <a:pPr marL="285750" indent="-285750">
               <a:buFont typeface="Arial" panose="020B0604020202020204" pitchFamily="34" charset="0"/>
               <a:buChar char="•"/>
             </a:pPr>
+            <a:r>
+              <a:rPr lang="de-DE" dirty="0">
+                <a:sym typeface="Wingdings" panose="05000000000000000000" pitchFamily="2" charset="2"/>
+              </a:rPr>
+              <a:t>Teilweise Wissen über Controller: Grenzwertanalyse möglich</a:t>
+            </a:r>
+          </a:p>
+          <a:p>
+            <a:pPr marL="285750" indent="-285750">
+              <a:buFont typeface="Arial" panose="020B0604020202020204" pitchFamily="34" charset="0"/>
+              <a:buChar char="•"/>
+            </a:pPr>
+            <a:r>
+              <a:rPr lang="de-DE" dirty="0">
+                <a:sym typeface="Wingdings" panose="05000000000000000000" pitchFamily="2" charset="2"/>
+              </a:rPr>
+              <a:t>POC und POO aus Sicht des Users</a:t>
+            </a:r>
             <a:endParaRPr lang="de-DE" dirty="0"/>
+          </a:p>
+          <a:p>
+            <a:pPr marL="285750" indent="-285750">
+              <a:buFont typeface="Arial" panose="020B0604020202020204" pitchFamily="34" charset="0"/>
+              <a:buChar char="•"/>
+            </a:pPr>
+            <a:r>
+              <a:rPr lang="de-DE" dirty="0"/>
+              <a:t>Testplanung	</a:t>
+            </a:r>
+          </a:p>
+          <a:p>
+            <a:pPr marL="684213" lvl="1" indent="-285750">
+              <a:buFont typeface="Arial" panose="020B0604020202020204" pitchFamily="34" charset="0"/>
+              <a:buChar char="•"/>
+            </a:pPr>
+            <a:r>
+              <a:rPr lang="de-DE" dirty="0">
+                <a:solidFill>
+                  <a:srgbClr val="5C6971"/>
+                </a:solidFill>
+              </a:rPr>
+              <a:t>Basisfunktionen	</a:t>
+            </a:r>
+          </a:p>
+          <a:p>
+            <a:pPr marL="684213" lvl="1" indent="-285750">
+              <a:buFont typeface="Arial" panose="020B0604020202020204" pitchFamily="34" charset="0"/>
+              <a:buChar char="•"/>
+            </a:pPr>
+            <a:r>
+              <a:rPr lang="de-DE" dirty="0" err="1">
+                <a:solidFill>
+                  <a:srgbClr val="5C6971"/>
+                </a:solidFill>
+              </a:rPr>
+              <a:t>Generic</a:t>
+            </a:r>
+            <a:r>
+              <a:rPr lang="de-DE" dirty="0">
+                <a:solidFill>
+                  <a:srgbClr val="5C6971"/>
+                </a:solidFill>
+              </a:rPr>
+              <a:t> Data</a:t>
+            </a:r>
+          </a:p>
+          <a:p>
+            <a:pPr marL="684213" lvl="1" indent="-285750">
+              <a:buFont typeface="Arial" panose="020B0604020202020204" pitchFamily="34" charset="0"/>
+              <a:buChar char="•"/>
+            </a:pPr>
+            <a:r>
+              <a:rPr lang="de-DE" dirty="0">
+                <a:solidFill>
+                  <a:srgbClr val="5C6971"/>
+                </a:solidFill>
+              </a:rPr>
+              <a:t>Interfaces</a:t>
+            </a:r>
+          </a:p>
+          <a:p>
+            <a:pPr marL="684213" lvl="1" indent="-285750">
+              <a:buFont typeface="Arial" panose="020B0604020202020204" pitchFamily="34" charset="0"/>
+              <a:buChar char="•"/>
+            </a:pPr>
+            <a:r>
+              <a:rPr lang="de-DE" dirty="0">
+                <a:solidFill>
+                  <a:srgbClr val="5C6971"/>
+                </a:solidFill>
+              </a:rPr>
+              <a:t>Attachements</a:t>
+            </a:r>
           </a:p>
         </p:txBody>
       </p:sp>
@@ -19059,7 +22090,7 @@
             </a:pPr>
             <a:fld id="{2759BC77-E7B8-413A-BC06-D93DFDFFA11C}" type="datetime1">
               <a:rPr lang="de-DE" smtClean="0"/>
-              <a:t>19.05.2021</a:t>
+              <a:t>20.05.2021</a:t>
             </a:fld>
             <a:endParaRPr lang="de-DE" sz="1400" dirty="0"/>
           </a:p>
@@ -19775,7 +22806,7 @@
                                   <p:childTnLst>
                                     <p:animEffect transition="out" filter="fade">
                                       <p:cBhvr>
-                                        <p:cTn id="6" dur="1000"/>
+                                        <p:cTn id="6" dur="500"/>
                                         <p:tgtEl>
                                           <p:spTgt spid="7"/>
                                         </p:tgtEl>
@@ -19785,7 +22816,7 @@
                                       <p:cBhvr>
                                         <p:cTn id="7" dur="1" fill="hold">
                                           <p:stCondLst>
-                                            <p:cond delay="999"/>
+                                            <p:cond delay="499"/>
                                           </p:stCondLst>
                                         </p:cTn>
                                         <p:tgtEl>
@@ -19810,7 +22841,7 @@
                                   <p:childTnLst>
                                     <p:animEffect transition="out" filter="fade">
                                       <p:cBhvr>
-                                        <p:cTn id="9" dur="1000"/>
+                                        <p:cTn id="9" dur="500"/>
                                         <p:tgtEl>
                                           <p:spTgt spid="8"/>
                                         </p:tgtEl>
@@ -19820,7 +22851,7 @@
                                       <p:cBhvr>
                                         <p:cTn id="10" dur="1" fill="hold">
                                           <p:stCondLst>
-                                            <p:cond delay="999"/>
+                                            <p:cond delay="499"/>
                                           </p:stCondLst>
                                         </p:cTn>
                                         <p:tgtEl>
@@ -19843,7 +22874,7 @@
                         <p:par>
                           <p:cTn id="11" fill="hold">
                             <p:stCondLst>
-                              <p:cond delay="1000"/>
+                              <p:cond delay="500"/>
                             </p:stCondLst>
                             <p:childTnLst>
                               <p:par>
@@ -19872,7 +22903,7 @@
                                     </p:set>
                                     <p:animEffect transition="in" filter="fade">
                                       <p:cBhvr>
-                                        <p:cTn id="14" dur="1000"/>
+                                        <p:cTn id="14" dur="500"/>
                                         <p:tgtEl>
                                           <p:spTgt spid="6"/>
                                         </p:tgtEl>

--- a/Projektleiter/Prasentation_4.Semester.pptx
+++ b/Projektleiter/Prasentation_4.Semester.pptx
@@ -12396,47 +12396,6 @@
       </p:cxnSp>
       <p:cxnSp>
         <p:nvCxnSpPr>
-          <p:cNvPr id="75" name="Straight Connector 57">
-            <a:extLst>
-              <a:ext uri="{FF2B5EF4-FFF2-40B4-BE49-F238E27FC236}">
-                <a16:creationId xmlns:a16="http://schemas.microsoft.com/office/drawing/2014/main" id="{90DE18F7-FC05-412C-983E-687689AAD087}"/>
-              </a:ext>
-            </a:extLst>
-          </p:cNvPr>
-          <p:cNvCxnSpPr/>
-          <p:nvPr/>
-        </p:nvCxnSpPr>
-        <p:spPr>
-          <a:xfrm>
-            <a:off x="9000733" y="2578100"/>
-            <a:ext cx="1643380" cy="0"/>
-          </a:xfrm>
-          <a:prstGeom prst="line">
-            <a:avLst/>
-          </a:prstGeom>
-          <a:ln w="12700">
-            <a:solidFill>
-              <a:schemeClr val="bg1"/>
-            </a:solidFill>
-          </a:ln>
-        </p:spPr>
-        <p:style>
-          <a:lnRef idx="1">
-            <a:schemeClr val="accent1"/>
-          </a:lnRef>
-          <a:fillRef idx="0">
-            <a:schemeClr val="accent1"/>
-          </a:fillRef>
-          <a:effectRef idx="0">
-            <a:schemeClr val="accent1"/>
-          </a:effectRef>
-          <a:fontRef idx="minor">
-            <a:schemeClr val="tx1"/>
-          </a:fontRef>
-        </p:style>
-      </p:cxnSp>
-      <p:cxnSp>
-        <p:nvCxnSpPr>
           <p:cNvPr id="78" name="Straight Connector 60">
             <a:extLst>
               <a:ext uri="{FF2B5EF4-FFF2-40B4-BE49-F238E27FC236}">
@@ -12450,47 +12409,6 @@
         <p:spPr>
           <a:xfrm>
             <a:off x="2230998" y="4468495"/>
-            <a:ext cx="1643380" cy="0"/>
-          </a:xfrm>
-          <a:prstGeom prst="line">
-            <a:avLst/>
-          </a:prstGeom>
-          <a:ln w="12700">
-            <a:solidFill>
-              <a:schemeClr val="bg1"/>
-            </a:solidFill>
-          </a:ln>
-        </p:spPr>
-        <p:style>
-          <a:lnRef idx="1">
-            <a:schemeClr val="accent1"/>
-          </a:lnRef>
-          <a:fillRef idx="0">
-            <a:schemeClr val="accent1"/>
-          </a:fillRef>
-          <a:effectRef idx="0">
-            <a:schemeClr val="accent1"/>
-          </a:effectRef>
-          <a:fontRef idx="minor">
-            <a:schemeClr val="tx1"/>
-          </a:fontRef>
-        </p:style>
-      </p:cxnSp>
-      <p:cxnSp>
-        <p:nvCxnSpPr>
-          <p:cNvPr id="81" name="Straight Connector 63">
-            <a:extLst>
-              <a:ext uri="{FF2B5EF4-FFF2-40B4-BE49-F238E27FC236}">
-                <a16:creationId xmlns:a16="http://schemas.microsoft.com/office/drawing/2014/main" id="{682733DA-BD56-408B-863D-90D2BE41BAFE}"/>
-              </a:ext>
-            </a:extLst>
-          </p:cNvPr>
-          <p:cNvCxnSpPr/>
-          <p:nvPr/>
-        </p:nvCxnSpPr>
-        <p:spPr>
-          <a:xfrm>
-            <a:off x="10232633" y="4458970"/>
             <a:ext cx="1643380" cy="0"/>
           </a:xfrm>
           <a:prstGeom prst="line">
@@ -15185,7 +15103,7 @@
           <a:p>
             <a:r>
               <a:rPr lang="de-DE" dirty="0"/>
-              <a:t>8. Fazit und Ausblick</a:t>
+              <a:t>8. Ausblick</a:t>
             </a:r>
           </a:p>
         </p:txBody>
@@ -15216,10 +15134,68 @@
               <a:buChar char="•"/>
             </a:pPr>
             <a:r>
-              <a:rPr lang="de-DE" dirty="0" err="1"/>
-              <a:t>adadad</a:t>
-            </a:r>
-            <a:endParaRPr lang="de-DE" dirty="0"/>
+              <a:rPr lang="de-DE" dirty="0"/>
+              <a:t>Weiterentwicklung des Modelling Wizards möglich</a:t>
+            </a:r>
+          </a:p>
+          <a:p>
+            <a:pPr marL="285750" indent="-285750">
+              <a:buFont typeface="Arial" panose="020B0604020202020204" pitchFamily="34" charset="0"/>
+              <a:buChar char="•"/>
+            </a:pPr>
+            <a:r>
+              <a:rPr lang="de-DE" dirty="0"/>
+              <a:t>neue Funktionen hinzufügen</a:t>
+            </a:r>
+          </a:p>
+          <a:p>
+            <a:pPr marL="0" indent="0"/>
+            <a:r>
+              <a:rPr lang="de-DE" dirty="0"/>
+              <a:t>	</a:t>
+            </a:r>
+            <a:r>
+              <a:rPr lang="de-DE" dirty="0">
+                <a:sym typeface="Wingdings" panose="05000000000000000000" pitchFamily="2" charset="2"/>
+              </a:rPr>
+              <a:t> separates Speichern von den Libraries und dem Devices</a:t>
+            </a:r>
+          </a:p>
+          <a:p>
+            <a:pPr marL="285750" indent="-285750">
+              <a:buFont typeface="Arial" panose="020B0604020202020204" pitchFamily="34" charset="0"/>
+              <a:buChar char="•"/>
+            </a:pPr>
+            <a:r>
+              <a:rPr lang="de-DE" dirty="0">
+                <a:sym typeface="Wingdings" panose="05000000000000000000" pitchFamily="2" charset="2"/>
+              </a:rPr>
+              <a:t>Bestehende Funktionen verbessern</a:t>
+            </a:r>
+          </a:p>
+          <a:p>
+            <a:pPr marL="285750" indent="-285750">
+              <a:buFont typeface="Arial" panose="020B0604020202020204" pitchFamily="34" charset="0"/>
+              <a:buChar char="•"/>
+            </a:pPr>
+            <a:r>
+              <a:rPr lang="de-DE" dirty="0">
+                <a:sym typeface="Wingdings" panose="05000000000000000000" pitchFamily="2" charset="2"/>
+              </a:rPr>
+              <a:t>Plugin als </a:t>
+            </a:r>
+            <a:r>
+              <a:rPr lang="de-DE" dirty="0" err="1">
+                <a:sym typeface="Wingdings" panose="05000000000000000000" pitchFamily="2" charset="2"/>
+              </a:rPr>
+              <a:t>Standalone</a:t>
+            </a:r>
+            <a:r>
+              <a:rPr lang="de-DE" dirty="0">
+                <a:sym typeface="Wingdings" panose="05000000000000000000" pitchFamily="2" charset="2"/>
+              </a:rPr>
+              <a:t> Anwendung entwickeln</a:t>
+            </a:r>
           </a:p>
         </p:txBody>
       </p:sp>
@@ -17327,7 +17303,7 @@
             </a:pPr>
             <a:r>
               <a:rPr lang="de-DE" altLang="de-DE" dirty="0"/>
-              <a:t>Fazit und Ausblick</a:t>
+              <a:t>Ausblick</a:t>
             </a:r>
           </a:p>
         </p:txBody>

--- a/Projektleiter/Prasentation_4.Semester.pptx
+++ b/Projektleiter/Prasentation_4.Semester.pptx
@@ -7,10 +7,10 @@
     <p:sldMasterId id="2147483684" r:id="rId3"/>
   </p:sldMasterIdLst>
   <p:notesMasterIdLst>
-    <p:notesMasterId r:id="rId16"/>
+    <p:notesMasterId r:id="rId18"/>
   </p:notesMasterIdLst>
   <p:handoutMasterIdLst>
-    <p:handoutMasterId r:id="rId17"/>
+    <p:handoutMasterId r:id="rId19"/>
   </p:handoutMasterIdLst>
   <p:sldIdLst>
     <p:sldId id="270" r:id="rId4"/>
@@ -22,9 +22,11 @@
     <p:sldId id="281" r:id="rId10"/>
     <p:sldId id="280" r:id="rId11"/>
     <p:sldId id="279" r:id="rId12"/>
-    <p:sldId id="285" r:id="rId13"/>
-    <p:sldId id="283" r:id="rId14"/>
-    <p:sldId id="278" r:id="rId15"/>
+    <p:sldId id="287" r:id="rId13"/>
+    <p:sldId id="285" r:id="rId14"/>
+    <p:sldId id="283" r:id="rId15"/>
+    <p:sldId id="286" r:id="rId16"/>
+    <p:sldId id="278" r:id="rId17"/>
   </p:sldIdLst>
   <p:sldSz cx="9906000" cy="6858000" type="A4"/>
   <p:notesSz cx="6858000" cy="9144000"/>
@@ -1515,6 +1517,25 @@
           <a:p>
             <a:r>
               <a:rPr lang="de-DE" dirty="0"/>
+              <a:t>POC und POO als </a:t>
+            </a:r>
+            <a:r>
+              <a:rPr lang="de-DE" dirty="0" err="1"/>
+              <a:t>Paramter</a:t>
+            </a:r>
+            <a:r>
+              <a:rPr lang="de-DE" dirty="0"/>
+              <a:t> des Black-Box-</a:t>
+            </a:r>
+            <a:r>
+              <a:rPr lang="de-DE" dirty="0" err="1"/>
+              <a:t>Testing</a:t>
+            </a:r>
+            <a:endParaRPr lang="de-DE" dirty="0"/>
+          </a:p>
+          <a:p>
+            <a:r>
+              <a:rPr lang="de-DE" dirty="0"/>
               <a:t>POC: Point </a:t>
             </a:r>
             <a:r>
@@ -1583,6 +1604,227 @@
     <p:extLst>
       <p:ext uri="{BB962C8B-B14F-4D97-AF65-F5344CB8AC3E}">
         <p14:creationId xmlns:p14="http://schemas.microsoft.com/office/powerpoint/2010/main" val="2845738759"/>
+      </p:ext>
+    </p:extLst>
+  </p:cSld>
+  <p:clrMapOvr>
+    <a:masterClrMapping/>
+  </p:clrMapOvr>
+</p:notes>
+</file>
+
+<file path=ppt/notesSlides/notesSlide4.xml><?xml version="1.0" encoding="utf-8"?>
+<p:notes xmlns:a="http://schemas.openxmlformats.org/drawingml/2006/main" xmlns:r="http://schemas.openxmlformats.org/officeDocument/2006/relationships" xmlns:p="http://schemas.openxmlformats.org/presentationml/2006/main">
+  <p:cSld>
+    <p:spTree>
+      <p:nvGrpSpPr>
+        <p:cNvPr id="1" name=""/>
+        <p:cNvGrpSpPr/>
+        <p:nvPr/>
+      </p:nvGrpSpPr>
+      <p:grpSpPr>
+        <a:xfrm>
+          <a:off x="0" y="0"/>
+          <a:ext cx="0" cy="0"/>
+          <a:chOff x="0" y="0"/>
+          <a:chExt cx="0" cy="0"/>
+        </a:xfrm>
+      </p:grpSpPr>
+      <p:sp>
+        <p:nvSpPr>
+          <p:cNvPr id="2" name="Folienbildplatzhalter 1"/>
+          <p:cNvSpPr>
+            <a:spLocks noGrp="1" noRot="1" noChangeAspect="1"/>
+          </p:cNvSpPr>
+          <p:nvPr>
+            <p:ph type="sldImg"/>
+          </p:nvPr>
+        </p:nvSpPr>
+        <p:spPr/>
+      </p:sp>
+      <p:sp>
+        <p:nvSpPr>
+          <p:cNvPr id="3" name="Notizenplatzhalter 2"/>
+          <p:cNvSpPr>
+            <a:spLocks noGrp="1"/>
+          </p:cNvSpPr>
+          <p:nvPr>
+            <p:ph type="body" idx="1"/>
+          </p:nvPr>
+        </p:nvSpPr>
+        <p:spPr/>
+        <p:txBody>
+          <a:bodyPr/>
+          <a:lstStyle/>
+          <a:p>
+            <a:r>
+              <a:rPr lang="de-DE" dirty="0"/>
+              <a:t>Prototype vor einem halben Jahr erstellt (</a:t>
+            </a:r>
+            <a:r>
+              <a:rPr lang="de-DE" dirty="0" err="1"/>
+              <a:t>Vorestellung</a:t>
+            </a:r>
+            <a:r>
+              <a:rPr lang="de-DE" dirty="0"/>
+              <a:t>)</a:t>
+            </a:r>
+          </a:p>
+        </p:txBody>
+      </p:sp>
+      <p:sp>
+        <p:nvSpPr>
+          <p:cNvPr id="4" name="Foliennummernplatzhalter 3"/>
+          <p:cNvSpPr>
+            <a:spLocks noGrp="1"/>
+          </p:cNvSpPr>
+          <p:nvPr>
+            <p:ph type="sldNum" sz="quarter" idx="5"/>
+          </p:nvPr>
+        </p:nvSpPr>
+        <p:spPr/>
+        <p:txBody>
+          <a:bodyPr/>
+          <a:lstStyle/>
+          <a:p>
+            <a:pPr>
+              <a:defRPr/>
+            </a:pPr>
+            <a:fld id="{D8DEE2F2-E037-4778-A169-A12E4CD724E0}" type="slidenum">
+              <a:rPr lang="de-DE" altLang="de-DE" smtClean="0"/>
+              <a:pPr>
+                <a:defRPr/>
+              </a:pPr>
+              <a:t>9</a:t>
+            </a:fld>
+            <a:endParaRPr lang="de-DE" altLang="de-DE"/>
+          </a:p>
+        </p:txBody>
+      </p:sp>
+    </p:spTree>
+    <p:extLst>
+      <p:ext uri="{BB962C8B-B14F-4D97-AF65-F5344CB8AC3E}">
+        <p14:creationId xmlns:p14="http://schemas.microsoft.com/office/powerpoint/2010/main" val="3830318012"/>
+      </p:ext>
+    </p:extLst>
+  </p:cSld>
+  <p:clrMapOvr>
+    <a:masterClrMapping/>
+  </p:clrMapOvr>
+</p:notes>
+</file>
+
+<file path=ppt/notesSlides/notesSlide5.xml><?xml version="1.0" encoding="utf-8"?>
+<p:notes xmlns:a="http://schemas.openxmlformats.org/drawingml/2006/main" xmlns:r="http://schemas.openxmlformats.org/officeDocument/2006/relationships" xmlns:p="http://schemas.openxmlformats.org/presentationml/2006/main">
+  <p:cSld>
+    <p:spTree>
+      <p:nvGrpSpPr>
+        <p:cNvPr id="1" name=""/>
+        <p:cNvGrpSpPr/>
+        <p:nvPr/>
+      </p:nvGrpSpPr>
+      <p:grpSpPr>
+        <a:xfrm>
+          <a:off x="0" y="0"/>
+          <a:ext cx="0" cy="0"/>
+          <a:chOff x="0" y="0"/>
+          <a:chExt cx="0" cy="0"/>
+        </a:xfrm>
+      </p:grpSpPr>
+      <p:sp>
+        <p:nvSpPr>
+          <p:cNvPr id="2" name="Folienbildplatzhalter 1"/>
+          <p:cNvSpPr>
+            <a:spLocks noGrp="1" noRot="1" noChangeAspect="1"/>
+          </p:cNvSpPr>
+          <p:nvPr>
+            <p:ph type="sldImg"/>
+          </p:nvPr>
+        </p:nvSpPr>
+        <p:spPr/>
+      </p:sp>
+      <p:sp>
+        <p:nvSpPr>
+          <p:cNvPr id="3" name="Notizenplatzhalter 2"/>
+          <p:cNvSpPr>
+            <a:spLocks noGrp="1"/>
+          </p:cNvSpPr>
+          <p:nvPr>
+            <p:ph type="body" idx="1"/>
+          </p:nvPr>
+        </p:nvSpPr>
+        <p:spPr/>
+        <p:txBody>
+          <a:bodyPr/>
+          <a:lstStyle/>
+          <a:p>
+            <a:r>
+              <a:rPr lang="de-DE" b="0" i="0" dirty="0">
+                <a:solidFill>
+                  <a:srgbClr val="DCDDDE"/>
+                </a:solidFill>
+                <a:effectLst/>
+                <a:latin typeface="Whitney"/>
+              </a:rPr>
+              <a:t>Was ist die User-Story des Kunden, was will der Kunde? </a:t>
+            </a:r>
+            <a:r>
+              <a:rPr lang="de-DE" b="0" i="0" dirty="0" err="1">
+                <a:solidFill>
+                  <a:srgbClr val="DCDDDE"/>
+                </a:solidFill>
+                <a:effectLst/>
+                <a:latin typeface="Whitney"/>
+              </a:rPr>
+              <a:t>Requirements</a:t>
+            </a:r>
+            <a:r>
+              <a:rPr lang="de-DE" b="0" i="0" dirty="0">
+                <a:solidFill>
+                  <a:srgbClr val="DCDDDE"/>
+                </a:solidFill>
+                <a:effectLst/>
+                <a:latin typeface="Whitney"/>
+              </a:rPr>
+              <a:t> Engineering.</a:t>
+            </a:r>
+            <a:endParaRPr lang="de-DE" dirty="0"/>
+          </a:p>
+        </p:txBody>
+      </p:sp>
+      <p:sp>
+        <p:nvSpPr>
+          <p:cNvPr id="4" name="Foliennummernplatzhalter 3"/>
+          <p:cNvSpPr>
+            <a:spLocks noGrp="1"/>
+          </p:cNvSpPr>
+          <p:nvPr>
+            <p:ph type="sldNum" sz="quarter" idx="5"/>
+          </p:nvPr>
+        </p:nvSpPr>
+        <p:spPr/>
+        <p:txBody>
+          <a:bodyPr/>
+          <a:lstStyle/>
+          <a:p>
+            <a:pPr>
+              <a:defRPr/>
+            </a:pPr>
+            <a:fld id="{D8DEE2F2-E037-4778-A169-A12E4CD724E0}" type="slidenum">
+              <a:rPr lang="de-DE" altLang="de-DE" smtClean="0"/>
+              <a:pPr>
+                <a:defRPr/>
+              </a:pPr>
+              <a:t>11</a:t>
+            </a:fld>
+            <a:endParaRPr lang="de-DE" altLang="de-DE"/>
+          </a:p>
+        </p:txBody>
+      </p:sp>
+    </p:spTree>
+    <p:extLst>
+      <p:ext uri="{BB962C8B-B14F-4D97-AF65-F5344CB8AC3E}">
+        <p14:creationId xmlns:p14="http://schemas.microsoft.com/office/powerpoint/2010/main" val="2525218667"/>
       </p:ext>
     </p:extLst>
   </p:cSld>
@@ -12196,6 +12438,357 @@
       </p:grpSpPr>
       <p:sp>
         <p:nvSpPr>
+          <p:cNvPr id="2" name="Titel 1">
+            <a:extLst>
+              <a:ext uri="{FF2B5EF4-FFF2-40B4-BE49-F238E27FC236}">
+                <a16:creationId xmlns:a16="http://schemas.microsoft.com/office/drawing/2014/main" id="{E1AE5B99-FEB9-43F7-BB40-724BA56942EA}"/>
+              </a:ext>
+            </a:extLst>
+          </p:cNvPr>
+          <p:cNvSpPr>
+            <a:spLocks noGrp="1"/>
+          </p:cNvSpPr>
+          <p:nvPr>
+            <p:ph type="title"/>
+          </p:nvPr>
+        </p:nvSpPr>
+        <p:spPr/>
+        <p:txBody>
+          <a:bodyPr/>
+          <a:lstStyle/>
+          <a:p>
+            <a:r>
+              <a:rPr lang="de-DE" dirty="0"/>
+              <a:t>6. Live Demo </a:t>
+            </a:r>
+          </a:p>
+        </p:txBody>
+      </p:sp>
+      <p:sp>
+        <p:nvSpPr>
+          <p:cNvPr id="3" name="Inhaltsplatzhalter 2">
+            <a:extLst>
+              <a:ext uri="{FF2B5EF4-FFF2-40B4-BE49-F238E27FC236}">
+                <a16:creationId xmlns:a16="http://schemas.microsoft.com/office/drawing/2014/main" id="{3BB16B93-D31E-4AE7-90FE-F975B15F61A8}"/>
+              </a:ext>
+            </a:extLst>
+          </p:cNvPr>
+          <p:cNvSpPr>
+            <a:spLocks noGrp="1"/>
+          </p:cNvSpPr>
+          <p:nvPr>
+            <p:ph idx="1"/>
+          </p:nvPr>
+        </p:nvSpPr>
+        <p:spPr/>
+        <p:txBody>
+          <a:bodyPr/>
+          <a:lstStyle/>
+          <a:p>
+            <a:pPr algn="ctr"/>
+            <a:r>
+              <a:rPr lang="de-DE" sz="8000" dirty="0"/>
+              <a:t>…</a:t>
+            </a:r>
+          </a:p>
+        </p:txBody>
+      </p:sp>
+      <p:sp>
+        <p:nvSpPr>
+          <p:cNvPr id="4" name="Datumsplatzhalter 3">
+            <a:extLst>
+              <a:ext uri="{FF2B5EF4-FFF2-40B4-BE49-F238E27FC236}">
+                <a16:creationId xmlns:a16="http://schemas.microsoft.com/office/drawing/2014/main" id="{8305C01E-6A57-4906-9A66-ECE5FE31C222}"/>
+              </a:ext>
+            </a:extLst>
+          </p:cNvPr>
+          <p:cNvSpPr>
+            <a:spLocks noGrp="1"/>
+          </p:cNvSpPr>
+          <p:nvPr>
+            <p:ph type="dt" sz="half" idx="10"/>
+          </p:nvPr>
+        </p:nvSpPr>
+        <p:spPr/>
+        <p:txBody>
+          <a:bodyPr/>
+          <a:lstStyle/>
+          <a:p>
+            <a:pPr>
+              <a:defRPr/>
+            </a:pPr>
+            <a:fld id="{9D2A934D-B879-471D-A43B-2A135311CF87}" type="datetime1">
+              <a:rPr lang="de-DE" smtClean="0"/>
+              <a:t>20.05.2021</a:t>
+            </a:fld>
+            <a:endParaRPr lang="de-DE" sz="1400" dirty="0"/>
+          </a:p>
+        </p:txBody>
+      </p:sp>
+      <p:sp>
+        <p:nvSpPr>
+          <p:cNvPr id="5" name="Foliennummernplatzhalter 4">
+            <a:extLst>
+              <a:ext uri="{FF2B5EF4-FFF2-40B4-BE49-F238E27FC236}">
+                <a16:creationId xmlns:a16="http://schemas.microsoft.com/office/drawing/2014/main" id="{E7E090D2-D189-4960-B85A-376E7977DBB9}"/>
+              </a:ext>
+            </a:extLst>
+          </p:cNvPr>
+          <p:cNvSpPr>
+            <a:spLocks noGrp="1"/>
+          </p:cNvSpPr>
+          <p:nvPr>
+            <p:ph type="sldNum" sz="quarter" idx="11"/>
+          </p:nvPr>
+        </p:nvSpPr>
+        <p:spPr/>
+        <p:txBody>
+          <a:bodyPr/>
+          <a:lstStyle/>
+          <a:p>
+            <a:pPr>
+              <a:defRPr/>
+            </a:pPr>
+            <a:r>
+              <a:rPr lang="de-DE" altLang="de-DE"/>
+              <a:t>Seite </a:t>
+            </a:r>
+            <a:fld id="{46AFF148-B2F3-4BD3-AB1B-DF53844393DF}" type="slidenum">
+              <a:rPr lang="de-DE" altLang="de-DE" smtClean="0"/>
+              <a:pPr>
+                <a:defRPr/>
+              </a:pPr>
+              <a:t>10</a:t>
+            </a:fld>
+            <a:endParaRPr lang="de-DE" altLang="de-DE"/>
+          </a:p>
+        </p:txBody>
+      </p:sp>
+      <p:sp>
+        <p:nvSpPr>
+          <p:cNvPr id="6" name="Rectangle 9">
+            <a:extLst>
+              <a:ext uri="{FF2B5EF4-FFF2-40B4-BE49-F238E27FC236}">
+                <a16:creationId xmlns:a16="http://schemas.microsoft.com/office/drawing/2014/main" id="{F2C1342C-19C9-4C76-B852-EB16F59C2B99}"/>
+              </a:ext>
+            </a:extLst>
+          </p:cNvPr>
+          <p:cNvSpPr>
+            <a:spLocks noChangeArrowheads="1"/>
+          </p:cNvSpPr>
+          <p:nvPr/>
+        </p:nvSpPr>
+        <p:spPr bwMode="auto">
+          <a:xfrm>
+            <a:off x="2908300" y="6297613"/>
+            <a:ext cx="5803900" cy="274637"/>
+          </a:xfrm>
+          <a:prstGeom prst="rect">
+            <a:avLst/>
+          </a:prstGeom>
+          <a:noFill/>
+          <a:ln>
+            <a:noFill/>
+          </a:ln>
+          <a:extLst>
+            <a:ext uri="{909E8E84-426E-40DD-AFC4-6F175D3DCCD1}">
+              <a14:hiddenFill xmlns:a14="http://schemas.microsoft.com/office/drawing/2010/main">
+                <a:solidFill>
+                  <a:schemeClr val="accent1"/>
+                </a:solidFill>
+              </a14:hiddenFill>
+            </a:ext>
+            <a:ext uri="{91240B29-F687-4F45-9708-019B960494DF}">
+              <a14:hiddenLine xmlns:a14="http://schemas.microsoft.com/office/drawing/2010/main" w="9525">
+                <a:solidFill>
+                  <a:schemeClr val="tx1"/>
+                </a:solidFill>
+                <a:miter lim="800000"/>
+                <a:headEnd/>
+                <a:tailEnd/>
+              </a14:hiddenLine>
+            </a:ext>
+          </a:extLst>
+        </p:spPr>
+        <p:txBody>
+          <a:bodyPr lIns="91413" tIns="45706" rIns="91413" bIns="45706">
+            <a:spAutoFit/>
+          </a:bodyPr>
+          <a:lstStyle>
+            <a:lvl1pPr defTabSz="912813">
+              <a:spcBef>
+                <a:spcPct val="20000"/>
+              </a:spcBef>
+              <a:defRPr>
+                <a:solidFill>
+                  <a:srgbClr val="5C6971"/>
+                </a:solidFill>
+                <a:latin typeface="Arial" panose="020B0604020202020204" pitchFamily="34" charset="0"/>
+                <a:ea typeface="ＭＳ Ｐゴシック" panose="020B0600070205080204" pitchFamily="34" charset="-128"/>
+              </a:defRPr>
+            </a:lvl1pPr>
+            <a:lvl2pPr marL="742950" indent="-285750" defTabSz="912813">
+              <a:spcBef>
+                <a:spcPct val="20000"/>
+              </a:spcBef>
+              <a:buChar char="–"/>
+              <a:defRPr>
+                <a:solidFill>
+                  <a:schemeClr val="tx1"/>
+                </a:solidFill>
+                <a:latin typeface="Arial" panose="020B0604020202020204" pitchFamily="34" charset="0"/>
+                <a:ea typeface="ＭＳ Ｐゴシック" panose="020B0600070205080204" pitchFamily="34" charset="-128"/>
+              </a:defRPr>
+            </a:lvl2pPr>
+            <a:lvl3pPr marL="1143000" indent="-228600" defTabSz="912813">
+              <a:spcBef>
+                <a:spcPct val="20000"/>
+              </a:spcBef>
+              <a:buChar char="•"/>
+              <a:defRPr>
+                <a:solidFill>
+                  <a:schemeClr val="tx1"/>
+                </a:solidFill>
+                <a:latin typeface="Arial" panose="020B0604020202020204" pitchFamily="34" charset="0"/>
+                <a:ea typeface="ＭＳ Ｐゴシック" panose="020B0600070205080204" pitchFamily="34" charset="-128"/>
+              </a:defRPr>
+            </a:lvl3pPr>
+            <a:lvl4pPr marL="1600200" indent="-228600" defTabSz="912813">
+              <a:spcBef>
+                <a:spcPct val="20000"/>
+              </a:spcBef>
+              <a:buChar char="–"/>
+              <a:defRPr>
+                <a:solidFill>
+                  <a:schemeClr val="tx1"/>
+                </a:solidFill>
+                <a:latin typeface="Arial" panose="020B0604020202020204" pitchFamily="34" charset="0"/>
+                <a:ea typeface="ＭＳ Ｐゴシック" panose="020B0600070205080204" pitchFamily="34" charset="-128"/>
+              </a:defRPr>
+            </a:lvl4pPr>
+            <a:lvl5pPr marL="2057400" indent="-228600" defTabSz="912813">
+              <a:spcBef>
+                <a:spcPct val="20000"/>
+              </a:spcBef>
+              <a:buChar char="»"/>
+              <a:defRPr>
+                <a:solidFill>
+                  <a:schemeClr val="tx1"/>
+                </a:solidFill>
+                <a:latin typeface="Arial" panose="020B0604020202020204" pitchFamily="34" charset="0"/>
+                <a:ea typeface="ＭＳ Ｐゴシック" panose="020B0600070205080204" pitchFamily="34" charset="-128"/>
+              </a:defRPr>
+            </a:lvl5pPr>
+            <a:lvl6pPr marL="2514600" indent="-228600" defTabSz="912813" eaLnBrk="0" fontAlgn="base" hangingPunct="0">
+              <a:spcBef>
+                <a:spcPct val="20000"/>
+              </a:spcBef>
+              <a:spcAft>
+                <a:spcPct val="0"/>
+              </a:spcAft>
+              <a:buChar char="»"/>
+              <a:defRPr>
+                <a:solidFill>
+                  <a:schemeClr val="tx1"/>
+                </a:solidFill>
+                <a:latin typeface="Arial" panose="020B0604020202020204" pitchFamily="34" charset="0"/>
+                <a:ea typeface="ＭＳ Ｐゴシック" panose="020B0600070205080204" pitchFamily="34" charset="-128"/>
+              </a:defRPr>
+            </a:lvl6pPr>
+            <a:lvl7pPr marL="2971800" indent="-228600" defTabSz="912813" eaLnBrk="0" fontAlgn="base" hangingPunct="0">
+              <a:spcBef>
+                <a:spcPct val="20000"/>
+              </a:spcBef>
+              <a:spcAft>
+                <a:spcPct val="0"/>
+              </a:spcAft>
+              <a:buChar char="»"/>
+              <a:defRPr>
+                <a:solidFill>
+                  <a:schemeClr val="tx1"/>
+                </a:solidFill>
+                <a:latin typeface="Arial" panose="020B0604020202020204" pitchFamily="34" charset="0"/>
+                <a:ea typeface="ＭＳ Ｐゴシック" panose="020B0600070205080204" pitchFamily="34" charset="-128"/>
+              </a:defRPr>
+            </a:lvl7pPr>
+            <a:lvl8pPr marL="3429000" indent="-228600" defTabSz="912813" eaLnBrk="0" fontAlgn="base" hangingPunct="0">
+              <a:spcBef>
+                <a:spcPct val="20000"/>
+              </a:spcBef>
+              <a:spcAft>
+                <a:spcPct val="0"/>
+              </a:spcAft>
+              <a:buChar char="»"/>
+              <a:defRPr>
+                <a:solidFill>
+                  <a:schemeClr val="tx1"/>
+                </a:solidFill>
+                <a:latin typeface="Arial" panose="020B0604020202020204" pitchFamily="34" charset="0"/>
+                <a:ea typeface="ＭＳ Ｐゴシック" panose="020B0600070205080204" pitchFamily="34" charset="-128"/>
+              </a:defRPr>
+            </a:lvl8pPr>
+            <a:lvl9pPr marL="3886200" indent="-228600" defTabSz="912813" eaLnBrk="0" fontAlgn="base" hangingPunct="0">
+              <a:spcBef>
+                <a:spcPct val="20000"/>
+              </a:spcBef>
+              <a:spcAft>
+                <a:spcPct val="0"/>
+              </a:spcAft>
+              <a:buChar char="»"/>
+              <a:defRPr>
+                <a:solidFill>
+                  <a:schemeClr val="tx1"/>
+                </a:solidFill>
+                <a:latin typeface="Arial" panose="020B0604020202020204" pitchFamily="34" charset="0"/>
+                <a:ea typeface="ＭＳ Ｐゴシック" panose="020B0600070205080204" pitchFamily="34" charset="-128"/>
+              </a:defRPr>
+            </a:lvl9pPr>
+          </a:lstStyle>
+          <a:p>
+            <a:pPr algn="r">
+              <a:spcBef>
+                <a:spcPct val="0"/>
+              </a:spcBef>
+            </a:pPr>
+            <a:r>
+              <a:rPr lang="de-DE" altLang="de-DE" sz="1200" dirty="0"/>
+              <a:t>Live Demo |</a:t>
+            </a:r>
+          </a:p>
+        </p:txBody>
+      </p:sp>
+    </p:spTree>
+    <p:extLst>
+      <p:ext uri="{BB962C8B-B14F-4D97-AF65-F5344CB8AC3E}">
+        <p14:creationId xmlns:p14="http://schemas.microsoft.com/office/powerpoint/2010/main" val="2809286707"/>
+      </p:ext>
+    </p:extLst>
+  </p:cSld>
+  <p:clrMapOvr>
+    <a:masterClrMapping/>
+  </p:clrMapOvr>
+</p:sld>
+</file>
+
+<file path=ppt/slides/slide11.xml><?xml version="1.0" encoding="utf-8"?>
+<p:sld xmlns:a="http://schemas.openxmlformats.org/drawingml/2006/main" xmlns:r="http://schemas.openxmlformats.org/officeDocument/2006/relationships" xmlns:p="http://schemas.openxmlformats.org/presentationml/2006/main">
+  <p:cSld>
+    <p:spTree>
+      <p:nvGrpSpPr>
+        <p:cNvPr id="1" name=""/>
+        <p:cNvGrpSpPr/>
+        <p:nvPr/>
+      </p:nvGrpSpPr>
+      <p:grpSpPr>
+        <a:xfrm>
+          <a:off x="0" y="0"/>
+          <a:ext cx="0" cy="0"/>
+          <a:chOff x="0" y="0"/>
+          <a:chExt cx="0" cy="0"/>
+        </a:xfrm>
+      </p:grpSpPr>
+      <p:sp>
+        <p:nvSpPr>
           <p:cNvPr id="4" name="Datumsplatzhalter 3">
             <a:extLst>
               <a:ext uri="{FF2B5EF4-FFF2-40B4-BE49-F238E27FC236}">
@@ -12218,7 +12811,7 @@
             <a:pPr>
               <a:defRPr/>
             </a:pPr>
-            <a:fld id="{02D6F678-9F6F-4074-8B8C-346F47D444C0}" type="datetime1">
+            <a:fld id="{AD68A200-A82C-44CC-B7F2-3916FF0B3AF7}" type="datetime1">
               <a:rPr lang="de-DE" smtClean="0"/>
               <a:t>20.05.2021</a:t>
             </a:fld>
@@ -12259,7 +12852,7 @@
               <a:pPr>
                 <a:defRPr/>
               </a:pPr>
-              <a:t>10</a:t>
+              <a:t>11</a:t>
             </a:fld>
             <a:endParaRPr lang="de-DE" altLang="de-DE"/>
           </a:p>
@@ -12280,7 +12873,7 @@
           <p:nvPr/>
         </p:nvPicPr>
         <p:blipFill>
-          <a:blip r:embed="rId2">
+          <a:blip r:embed="rId3">
             <a:extLst>
               <a:ext uri="{28A0092B-C50C-407E-A947-70E740481C1C}">
                 <a14:useLocalDpi xmlns:a14="http://schemas.microsoft.com/office/drawing/2010/main" val="0"/>
@@ -13987,7 +14580,7 @@
         <p:spPr>
           <a:xfrm>
             <a:off x="1439357" y="4019852"/>
-            <a:ext cx="2039067" cy="830997"/>
+            <a:ext cx="2039067" cy="584775"/>
           </a:xfrm>
           <a:prstGeom prst="rect">
             <a:avLst/>
@@ -14002,23 +14595,20 @@
           <a:p>
             <a:pPr algn="ctr"/>
             <a:r>
+              <a:rPr lang="de-DE" sz="1600" b="1" dirty="0" err="1">
+                <a:solidFill>
+                  <a:schemeClr val="bg1"/>
+                </a:solidFill>
+              </a:rPr>
+              <a:t>Requirements</a:t>
+            </a:r>
+            <a:r>
               <a:rPr lang="de-DE" sz="1600" b="1" dirty="0">
                 <a:solidFill>
                   <a:schemeClr val="bg1"/>
                 </a:solidFill>
               </a:rPr>
-              <a:t>Den Aufwand </a:t>
-            </a:r>
-          </a:p>
-          <a:p>
-            <a:pPr algn="ctr"/>
-            <a:r>
-              <a:rPr lang="de-DE" sz="1600" b="1" dirty="0">
-                <a:solidFill>
-                  <a:schemeClr val="bg1"/>
-                </a:solidFill>
-              </a:rPr>
-              <a:t>des Projekts einschätzen</a:t>
+              <a:t> Engineering</a:t>
             </a:r>
           </a:p>
         </p:txBody>
@@ -14283,7 +14873,7 @@
         <p:spPr>
           <a:xfrm>
             <a:off x="3969167" y="4576955"/>
-            <a:ext cx="2022399" cy="584775"/>
+            <a:ext cx="2022399" cy="830997"/>
           </a:xfrm>
           <a:prstGeom prst="rect">
             <a:avLst/>
@@ -14303,7 +14893,18 @@
                   <a:schemeClr val="bg1"/>
                 </a:solidFill>
               </a:rPr>
-              <a:t>Ausführlichen Kick-Off planen </a:t>
+              <a:t>Den Aufwand </a:t>
+            </a:r>
+          </a:p>
+          <a:p>
+            <a:pPr algn="ctr"/>
+            <a:r>
+              <a:rPr lang="de-DE" sz="1600" b="1" dirty="0">
+                <a:solidFill>
+                  <a:schemeClr val="bg1"/>
+                </a:solidFill>
+              </a:rPr>
+              <a:t>des Projekts einschätzen</a:t>
             </a:r>
           </a:p>
         </p:txBody>
@@ -15063,7 +15664,7 @@
 </p:sld>
 </file>
 
-<file path=ppt/slides/slide11.xml><?xml version="1.0" encoding="utf-8"?>
+<file path=ppt/slides/slide12.xml><?xml version="1.0" encoding="utf-8"?>
 <p:sld xmlns:a="http://schemas.openxmlformats.org/drawingml/2006/main" xmlns:r="http://schemas.openxmlformats.org/officeDocument/2006/relationships" xmlns:p="http://schemas.openxmlformats.org/presentationml/2006/main">
   <p:cSld>
     <p:spTree>
@@ -15223,7 +15824,7 @@
             <a:pPr>
               <a:defRPr/>
             </a:pPr>
-            <a:fld id="{2759BC77-E7B8-413A-BC06-D93DFDFFA11C}" type="datetime1">
+            <a:fld id="{1CB2C306-2F6E-4993-9381-EDECCD692165}" type="datetime1">
               <a:rPr lang="de-DE" smtClean="0"/>
               <a:t>20.05.2021</a:t>
             </a:fld>
@@ -15264,7 +15865,7 @@
               <a:pPr>
                 <a:defRPr/>
               </a:pPr>
-              <a:t>11</a:t>
+              <a:t>12</a:t>
             </a:fld>
             <a:endParaRPr lang="de-DE" altLang="de-DE"/>
           </a:p>
@@ -15476,7 +16077,378 @@
 </p:sld>
 </file>
 
-<file path=ppt/slides/slide12.xml><?xml version="1.0" encoding="utf-8"?>
+<file path=ppt/slides/slide13.xml><?xml version="1.0" encoding="utf-8"?>
+<p:sld xmlns:a="http://schemas.openxmlformats.org/drawingml/2006/main" xmlns:r="http://schemas.openxmlformats.org/officeDocument/2006/relationships" xmlns:p="http://schemas.openxmlformats.org/presentationml/2006/main">
+  <p:cSld>
+    <p:spTree>
+      <p:nvGrpSpPr>
+        <p:cNvPr id="1" name=""/>
+        <p:cNvGrpSpPr/>
+        <p:nvPr/>
+      </p:nvGrpSpPr>
+      <p:grpSpPr>
+        <a:xfrm>
+          <a:off x="0" y="0"/>
+          <a:ext cx="0" cy="0"/>
+          <a:chOff x="0" y="0"/>
+          <a:chExt cx="0" cy="0"/>
+        </a:xfrm>
+      </p:grpSpPr>
+      <p:sp>
+        <p:nvSpPr>
+          <p:cNvPr id="2" name="Titel 1">
+            <a:extLst>
+              <a:ext uri="{FF2B5EF4-FFF2-40B4-BE49-F238E27FC236}">
+                <a16:creationId xmlns:a16="http://schemas.microsoft.com/office/drawing/2014/main" id="{C3C89342-6F5C-4B3D-8BFC-5B79B97958D5}"/>
+              </a:ext>
+            </a:extLst>
+          </p:cNvPr>
+          <p:cNvSpPr>
+            <a:spLocks noGrp="1"/>
+          </p:cNvSpPr>
+          <p:nvPr>
+            <p:ph type="title"/>
+          </p:nvPr>
+        </p:nvSpPr>
+        <p:spPr>
+          <a:xfrm>
+            <a:off x="742950" y="3673465"/>
+            <a:ext cx="8420100" cy="1362075"/>
+          </a:xfrm>
+        </p:spPr>
+        <p:txBody>
+          <a:bodyPr/>
+          <a:lstStyle/>
+          <a:p>
+            <a:pPr algn="ctr"/>
+            <a:r>
+              <a:rPr lang="de-DE" dirty="0"/>
+              <a:t>Fragen?</a:t>
+            </a:r>
+          </a:p>
+        </p:txBody>
+      </p:sp>
+      <p:sp>
+        <p:nvSpPr>
+          <p:cNvPr id="3" name="Inhaltsplatzhalter 2">
+            <a:extLst>
+              <a:ext uri="{FF2B5EF4-FFF2-40B4-BE49-F238E27FC236}">
+                <a16:creationId xmlns:a16="http://schemas.microsoft.com/office/drawing/2014/main" id="{42006B0D-6943-40FA-9430-F32CCAD1A421}"/>
+              </a:ext>
+            </a:extLst>
+          </p:cNvPr>
+          <p:cNvSpPr>
+            <a:spLocks noGrp="1"/>
+          </p:cNvSpPr>
+          <p:nvPr>
+            <p:ph type="body" idx="1"/>
+          </p:nvPr>
+        </p:nvSpPr>
+        <p:spPr>
+          <a:xfrm>
+            <a:off x="1404578" y="1535102"/>
+            <a:ext cx="7096844" cy="1955800"/>
+          </a:xfrm>
+        </p:spPr>
+        <p:txBody>
+          <a:bodyPr/>
+          <a:lstStyle/>
+          <a:p>
+            <a:pPr algn="just"/>
+            <a:r>
+              <a:rPr lang="en-US" b="0" i="1" dirty="0">
+                <a:effectLst/>
+              </a:rPr>
+              <a:t>Anyone can write code that a computer can understand. Good programmers write code that humans can understand.  - </a:t>
+            </a:r>
+            <a:r>
+              <a:rPr lang="en-US" dirty="0"/>
+              <a:t>Martin Fowler</a:t>
+            </a:r>
+            <a:endParaRPr lang="de-DE" dirty="0">
+              <a:sym typeface="Wingdings" panose="05000000000000000000" pitchFamily="2" charset="2"/>
+            </a:endParaRPr>
+          </a:p>
+        </p:txBody>
+      </p:sp>
+      <p:sp>
+        <p:nvSpPr>
+          <p:cNvPr id="4" name="Datumsplatzhalter 3">
+            <a:extLst>
+              <a:ext uri="{FF2B5EF4-FFF2-40B4-BE49-F238E27FC236}">
+                <a16:creationId xmlns:a16="http://schemas.microsoft.com/office/drawing/2014/main" id="{12316D94-E5BA-480C-B696-859691E26562}"/>
+              </a:ext>
+            </a:extLst>
+          </p:cNvPr>
+          <p:cNvSpPr>
+            <a:spLocks noGrp="1"/>
+          </p:cNvSpPr>
+          <p:nvPr>
+            <p:ph type="dt" sz="half" idx="10"/>
+          </p:nvPr>
+        </p:nvSpPr>
+        <p:spPr/>
+        <p:txBody>
+          <a:bodyPr/>
+          <a:lstStyle/>
+          <a:p>
+            <a:pPr>
+              <a:defRPr/>
+            </a:pPr>
+            <a:fld id="{B1DAAFC2-D38C-4EF2-949C-C4691A9EFB35}" type="datetime1">
+              <a:rPr lang="de-DE" smtClean="0"/>
+              <a:t>20.05.2021</a:t>
+            </a:fld>
+            <a:endParaRPr lang="de-DE" sz="1400" dirty="0"/>
+          </a:p>
+        </p:txBody>
+      </p:sp>
+      <p:sp>
+        <p:nvSpPr>
+          <p:cNvPr id="5" name="Foliennummernplatzhalter 4">
+            <a:extLst>
+              <a:ext uri="{FF2B5EF4-FFF2-40B4-BE49-F238E27FC236}">
+                <a16:creationId xmlns:a16="http://schemas.microsoft.com/office/drawing/2014/main" id="{F73C356D-E3EC-423D-B4B1-0D2FB0BCEBB0}"/>
+              </a:ext>
+            </a:extLst>
+          </p:cNvPr>
+          <p:cNvSpPr>
+            <a:spLocks noGrp="1"/>
+          </p:cNvSpPr>
+          <p:nvPr>
+            <p:ph type="sldNum" sz="quarter" idx="11"/>
+          </p:nvPr>
+        </p:nvSpPr>
+        <p:spPr/>
+        <p:txBody>
+          <a:bodyPr/>
+          <a:lstStyle/>
+          <a:p>
+            <a:pPr>
+              <a:defRPr/>
+            </a:pPr>
+            <a:r>
+              <a:rPr lang="de-DE" altLang="de-DE"/>
+              <a:t>Seite </a:t>
+            </a:r>
+            <a:fld id="{46AFF148-B2F3-4BD3-AB1B-DF53844393DF}" type="slidenum">
+              <a:rPr lang="de-DE" altLang="de-DE" smtClean="0"/>
+              <a:pPr>
+                <a:defRPr/>
+              </a:pPr>
+              <a:t>13</a:t>
+            </a:fld>
+            <a:endParaRPr lang="de-DE" altLang="de-DE"/>
+          </a:p>
+        </p:txBody>
+      </p:sp>
+      <p:sp>
+        <p:nvSpPr>
+          <p:cNvPr id="6" name="Rectangle 9">
+            <a:extLst>
+              <a:ext uri="{FF2B5EF4-FFF2-40B4-BE49-F238E27FC236}">
+                <a16:creationId xmlns:a16="http://schemas.microsoft.com/office/drawing/2014/main" id="{49CA2A12-8346-4408-8133-FA4E9733E305}"/>
+              </a:ext>
+            </a:extLst>
+          </p:cNvPr>
+          <p:cNvSpPr>
+            <a:spLocks noChangeArrowheads="1"/>
+          </p:cNvSpPr>
+          <p:nvPr/>
+        </p:nvSpPr>
+        <p:spPr bwMode="auto">
+          <a:xfrm>
+            <a:off x="2908300" y="6297613"/>
+            <a:ext cx="5803900" cy="274637"/>
+          </a:xfrm>
+          <a:prstGeom prst="rect">
+            <a:avLst/>
+          </a:prstGeom>
+          <a:noFill/>
+          <a:ln>
+            <a:noFill/>
+          </a:ln>
+          <a:extLst>
+            <a:ext uri="{909E8E84-426E-40DD-AFC4-6F175D3DCCD1}">
+              <a14:hiddenFill xmlns:a14="http://schemas.microsoft.com/office/drawing/2010/main">
+                <a:solidFill>
+                  <a:schemeClr val="accent1"/>
+                </a:solidFill>
+              </a14:hiddenFill>
+            </a:ext>
+            <a:ext uri="{91240B29-F687-4F45-9708-019B960494DF}">
+              <a14:hiddenLine xmlns:a14="http://schemas.microsoft.com/office/drawing/2010/main" w="9525">
+                <a:solidFill>
+                  <a:schemeClr val="tx1"/>
+                </a:solidFill>
+                <a:miter lim="800000"/>
+                <a:headEnd/>
+                <a:tailEnd/>
+              </a14:hiddenLine>
+            </a:ext>
+          </a:extLst>
+        </p:spPr>
+        <p:txBody>
+          <a:bodyPr lIns="91413" tIns="45706" rIns="91413" bIns="45706">
+            <a:spAutoFit/>
+          </a:bodyPr>
+          <a:lstStyle>
+            <a:lvl1pPr defTabSz="912813">
+              <a:spcBef>
+                <a:spcPct val="20000"/>
+              </a:spcBef>
+              <a:defRPr>
+                <a:solidFill>
+                  <a:srgbClr val="5C6971"/>
+                </a:solidFill>
+                <a:latin typeface="Arial" panose="020B0604020202020204" pitchFamily="34" charset="0"/>
+                <a:ea typeface="ＭＳ Ｐゴシック" panose="020B0600070205080204" pitchFamily="34" charset="-128"/>
+              </a:defRPr>
+            </a:lvl1pPr>
+            <a:lvl2pPr marL="742950" indent="-285750" defTabSz="912813">
+              <a:spcBef>
+                <a:spcPct val="20000"/>
+              </a:spcBef>
+              <a:buChar char="–"/>
+              <a:defRPr>
+                <a:solidFill>
+                  <a:schemeClr val="tx1"/>
+                </a:solidFill>
+                <a:latin typeface="Arial" panose="020B0604020202020204" pitchFamily="34" charset="0"/>
+                <a:ea typeface="ＭＳ Ｐゴシック" panose="020B0600070205080204" pitchFamily="34" charset="-128"/>
+              </a:defRPr>
+            </a:lvl2pPr>
+            <a:lvl3pPr marL="1143000" indent="-228600" defTabSz="912813">
+              <a:spcBef>
+                <a:spcPct val="20000"/>
+              </a:spcBef>
+              <a:buChar char="•"/>
+              <a:defRPr>
+                <a:solidFill>
+                  <a:schemeClr val="tx1"/>
+                </a:solidFill>
+                <a:latin typeface="Arial" panose="020B0604020202020204" pitchFamily="34" charset="0"/>
+                <a:ea typeface="ＭＳ Ｐゴシック" panose="020B0600070205080204" pitchFamily="34" charset="-128"/>
+              </a:defRPr>
+            </a:lvl3pPr>
+            <a:lvl4pPr marL="1600200" indent="-228600" defTabSz="912813">
+              <a:spcBef>
+                <a:spcPct val="20000"/>
+              </a:spcBef>
+              <a:buChar char="–"/>
+              <a:defRPr>
+                <a:solidFill>
+                  <a:schemeClr val="tx1"/>
+                </a:solidFill>
+                <a:latin typeface="Arial" panose="020B0604020202020204" pitchFamily="34" charset="0"/>
+                <a:ea typeface="ＭＳ Ｐゴシック" panose="020B0600070205080204" pitchFamily="34" charset="-128"/>
+              </a:defRPr>
+            </a:lvl4pPr>
+            <a:lvl5pPr marL="2057400" indent="-228600" defTabSz="912813">
+              <a:spcBef>
+                <a:spcPct val="20000"/>
+              </a:spcBef>
+              <a:buChar char="»"/>
+              <a:defRPr>
+                <a:solidFill>
+                  <a:schemeClr val="tx1"/>
+                </a:solidFill>
+                <a:latin typeface="Arial" panose="020B0604020202020204" pitchFamily="34" charset="0"/>
+                <a:ea typeface="ＭＳ Ｐゴシック" panose="020B0600070205080204" pitchFamily="34" charset="-128"/>
+              </a:defRPr>
+            </a:lvl5pPr>
+            <a:lvl6pPr marL="2514600" indent="-228600" defTabSz="912813" eaLnBrk="0" fontAlgn="base" hangingPunct="0">
+              <a:spcBef>
+                <a:spcPct val="20000"/>
+              </a:spcBef>
+              <a:spcAft>
+                <a:spcPct val="0"/>
+              </a:spcAft>
+              <a:buChar char="»"/>
+              <a:defRPr>
+                <a:solidFill>
+                  <a:schemeClr val="tx1"/>
+                </a:solidFill>
+                <a:latin typeface="Arial" panose="020B0604020202020204" pitchFamily="34" charset="0"/>
+                <a:ea typeface="ＭＳ Ｐゴシック" panose="020B0600070205080204" pitchFamily="34" charset="-128"/>
+              </a:defRPr>
+            </a:lvl6pPr>
+            <a:lvl7pPr marL="2971800" indent="-228600" defTabSz="912813" eaLnBrk="0" fontAlgn="base" hangingPunct="0">
+              <a:spcBef>
+                <a:spcPct val="20000"/>
+              </a:spcBef>
+              <a:spcAft>
+                <a:spcPct val="0"/>
+              </a:spcAft>
+              <a:buChar char="»"/>
+              <a:defRPr>
+                <a:solidFill>
+                  <a:schemeClr val="tx1"/>
+                </a:solidFill>
+                <a:latin typeface="Arial" panose="020B0604020202020204" pitchFamily="34" charset="0"/>
+                <a:ea typeface="ＭＳ Ｐゴシック" panose="020B0600070205080204" pitchFamily="34" charset="-128"/>
+              </a:defRPr>
+            </a:lvl7pPr>
+            <a:lvl8pPr marL="3429000" indent="-228600" defTabSz="912813" eaLnBrk="0" fontAlgn="base" hangingPunct="0">
+              <a:spcBef>
+                <a:spcPct val="20000"/>
+              </a:spcBef>
+              <a:spcAft>
+                <a:spcPct val="0"/>
+              </a:spcAft>
+              <a:buChar char="»"/>
+              <a:defRPr>
+                <a:solidFill>
+                  <a:schemeClr val="tx1"/>
+                </a:solidFill>
+                <a:latin typeface="Arial" panose="020B0604020202020204" pitchFamily="34" charset="0"/>
+                <a:ea typeface="ＭＳ Ｐゴシック" panose="020B0600070205080204" pitchFamily="34" charset="-128"/>
+              </a:defRPr>
+            </a:lvl8pPr>
+            <a:lvl9pPr marL="3886200" indent="-228600" defTabSz="912813" eaLnBrk="0" fontAlgn="base" hangingPunct="0">
+              <a:spcBef>
+                <a:spcPct val="20000"/>
+              </a:spcBef>
+              <a:spcAft>
+                <a:spcPct val="0"/>
+              </a:spcAft>
+              <a:buChar char="»"/>
+              <a:defRPr>
+                <a:solidFill>
+                  <a:schemeClr val="tx1"/>
+                </a:solidFill>
+                <a:latin typeface="Arial" panose="020B0604020202020204" pitchFamily="34" charset="0"/>
+                <a:ea typeface="ＭＳ Ｐゴシック" panose="020B0600070205080204" pitchFamily="34" charset="-128"/>
+              </a:defRPr>
+            </a:lvl9pPr>
+          </a:lstStyle>
+          <a:p>
+            <a:pPr algn="r">
+              <a:spcBef>
+                <a:spcPct val="0"/>
+              </a:spcBef>
+            </a:pPr>
+            <a:r>
+              <a:rPr lang="de-DE" altLang="de-DE" sz="1200" dirty="0"/>
+              <a:t>Ausblick |</a:t>
+            </a:r>
+          </a:p>
+        </p:txBody>
+      </p:sp>
+    </p:spTree>
+    <p:extLst>
+      <p:ext uri="{BB962C8B-B14F-4D97-AF65-F5344CB8AC3E}">
+        <p14:creationId xmlns:p14="http://schemas.microsoft.com/office/powerpoint/2010/main" val="4265515873"/>
+      </p:ext>
+    </p:extLst>
+  </p:cSld>
+  <p:clrMapOvr>
+    <a:masterClrMapping/>
+  </p:clrMapOvr>
+</p:sld>
+</file>
+
+<file path=ppt/slides/slide14.xml><?xml version="1.0" encoding="utf-8"?>
 <p:sld xmlns:a="http://schemas.openxmlformats.org/drawingml/2006/main" xmlns:r="http://schemas.openxmlformats.org/officeDocument/2006/relationships" xmlns:p="http://schemas.openxmlformats.org/presentationml/2006/main" show="0">
   <p:cSld>
     <p:spTree>
@@ -15652,10 +16624,10 @@
             <a:pPr>
               <a:defRPr/>
             </a:pPr>
-            <a:r>
-              <a:rPr lang="de-DE" dirty="0"/>
-              <a:t>19.05.2021</a:t>
-            </a:r>
+            <a:fld id="{93680D36-A3BE-4736-9A7B-3EB10928D2CB}" type="datetime1">
+              <a:rPr lang="de-DE" smtClean="0"/>
+              <a:t>20.05.2021</a:t>
+            </a:fld>
             <a:endParaRPr lang="de-DE" sz="1400" dirty="0"/>
           </a:p>
         </p:txBody>
@@ -15693,7 +16665,7 @@
               <a:pPr>
                 <a:defRPr/>
               </a:pPr>
-              <a:t>12</a:t>
+              <a:t>14</a:t>
             </a:fld>
             <a:endParaRPr lang="de-DE" altLang="de-DE"/>
           </a:p>
@@ -17958,7 +18930,7 @@
             </a:pPr>
             <a:r>
               <a:rPr lang="de-DE" dirty="0"/>
-              <a:t>Plugin für den </a:t>
+              <a:t> Plugin für den </a:t>
             </a:r>
             <a:r>
               <a:rPr lang="de-DE" dirty="0" err="1"/>
@@ -17980,64 +18952,6 @@
             </a:r>
           </a:p>
           <a:p>
-            <a:pPr marL="457200" lvl="1" indent="0">
-              <a:buNone/>
-            </a:pPr>
-            <a:r>
-              <a:rPr lang="de-DE" dirty="0">
-                <a:solidFill>
-                  <a:srgbClr val="5C6971"/>
-                </a:solidFill>
-                <a:sym typeface="Wingdings" panose="05000000000000000000" pitchFamily="2" charset="2"/>
-              </a:rPr>
-              <a:t> </a:t>
-            </a:r>
-            <a:r>
-              <a:rPr lang="de-DE" dirty="0">
-                <a:solidFill>
-                  <a:srgbClr val="5C6971"/>
-                </a:solidFill>
-              </a:rPr>
-              <a:t>Entweder manuell</a:t>
-            </a:r>
-          </a:p>
-          <a:p>
-            <a:pPr marL="457200" lvl="1" indent="0">
-              <a:buNone/>
-            </a:pPr>
-            <a:r>
-              <a:rPr lang="de-DE" dirty="0">
-                <a:solidFill>
-                  <a:srgbClr val="5C6971"/>
-                </a:solidFill>
-                <a:sym typeface="Wingdings" panose="05000000000000000000" pitchFamily="2" charset="2"/>
-              </a:rPr>
-              <a:t> </a:t>
-            </a:r>
-            <a:r>
-              <a:rPr lang="de-DE" dirty="0">
-                <a:solidFill>
-                  <a:srgbClr val="5C6971"/>
-                </a:solidFill>
-              </a:rPr>
-              <a:t>Oder auch mithilfe von Gerätebeschreibungsdateien </a:t>
-            </a:r>
-            <a:r>
-              <a:rPr lang="de-DE" dirty="0">
-                <a:solidFill>
-                  <a:srgbClr val="5C6971"/>
-                </a:solidFill>
-                <a:sym typeface="Wingdings" panose="05000000000000000000" pitchFamily="2" charset="2"/>
-              </a:rPr>
-              <a:t>(DD2AML-Converter)</a:t>
-            </a:r>
-            <a:endParaRPr lang="de-DE" dirty="0">
-              <a:solidFill>
-                <a:srgbClr val="5C6971"/>
-              </a:solidFill>
-            </a:endParaRPr>
-          </a:p>
-          <a:p>
             <a:pPr>
               <a:buFont typeface="Arial" panose="020B0604020202020204" pitchFamily="34" charset="0"/>
               <a:buChar char="•"/>
@@ -18048,7 +18962,7 @@
             </a:r>
             <a:r>
               <a:rPr lang="de-DE" dirty="0"/>
-              <a:t>-Package als Dateiformat</a:t>
+              <a:t>- Package als Dateiformat</a:t>
             </a:r>
           </a:p>
         </p:txBody>
@@ -18549,15 +19463,12 @@
               </a:rPr>
               <a:t>Outputformat</a:t>
             </a:r>
-            <a:r>
-              <a:rPr lang="de-DE" dirty="0">
-                <a:solidFill>
-                  <a:srgbClr val="5C6971"/>
-                </a:solidFill>
-                <a:sym typeface="Wingdings" panose="05000000000000000000" pitchFamily="2" charset="2"/>
-              </a:rPr>
-              <a:t> (AML-DDs)</a:t>
-            </a:r>
+            <a:endParaRPr lang="de-DE" dirty="0">
+              <a:solidFill>
+                <a:srgbClr val="5C6971"/>
+              </a:solidFill>
+              <a:sym typeface="Wingdings" panose="05000000000000000000" pitchFamily="2" charset="2"/>
+            </a:endParaRPr>
           </a:p>
         </p:txBody>
       </p:sp>
@@ -20777,9 +21688,7 @@
             <a:srgbClr val="FF9933"/>
           </a:solidFill>
           <a:ln w="38100">
-            <a:solidFill>
-              <a:schemeClr val="accent4"/>
-            </a:solidFill>
+            <a:noFill/>
           </a:ln>
           <a:effectLst/>
         </p:spPr>
@@ -20848,9 +21757,7 @@
             <a:schemeClr val="accent2"/>
           </a:solidFill>
           <a:ln w="28575">
-            <a:solidFill>
-              <a:srgbClr val="FF9900"/>
-            </a:solidFill>
+            <a:noFill/>
           </a:ln>
           <a:effectLst/>
         </p:spPr>
@@ -20925,9 +21832,7 @@
             <a:schemeClr val="accent2"/>
           </a:solidFill>
           <a:ln w="28575">
-            <a:solidFill>
-              <a:srgbClr val="FF9933"/>
-            </a:solidFill>
+            <a:noFill/>
           </a:ln>
           <a:effectLst/>
         </p:spPr>
@@ -21100,9 +22005,7 @@
             <a:schemeClr val="bg2"/>
           </a:solidFill>
           <a:ln w="28575">
-            <a:solidFill>
-              <a:srgbClr val="FF9933"/>
-            </a:solidFill>
+            <a:noFill/>
           </a:ln>
           <a:effectLst/>
         </p:spPr>
@@ -21171,9 +22074,7 @@
             <a:schemeClr val="bg2"/>
           </a:solidFill>
           <a:ln w="28575">
-            <a:solidFill>
-              <a:srgbClr val="FF9900"/>
-            </a:solidFill>
+            <a:noFill/>
           </a:ln>
           <a:effectLst/>
         </p:spPr>
@@ -21242,9 +22143,7 @@
             <a:schemeClr val="bg2"/>
           </a:solidFill>
           <a:ln w="28575">
-            <a:solidFill>
-              <a:srgbClr val="FF9933"/>
-            </a:solidFill>
+            <a:noFill/>
           </a:ln>
           <a:effectLst/>
         </p:spPr>
@@ -21313,9 +22212,7 @@
             <a:schemeClr val="bg2"/>
           </a:solidFill>
           <a:ln w="28575">
-            <a:solidFill>
-              <a:srgbClr val="FF9933"/>
-            </a:solidFill>
+            <a:noFill/>
           </a:ln>
           <a:effectLst/>
         </p:spPr>
@@ -22396,10 +23293,10 @@
             <a:pPr>
               <a:defRPr/>
             </a:pPr>
-            <a:r>
-              <a:rPr lang="de-DE" dirty="0"/>
-              <a:t>19.05.2021</a:t>
-            </a:r>
+            <a:fld id="{5613AECD-85DF-4009-A97F-9CE1707E632B}" type="datetime1">
+              <a:rPr lang="de-DE" smtClean="0"/>
+              <a:t>20.05.2021</a:t>
+            </a:fld>
             <a:endParaRPr lang="de-DE" sz="1400" dirty="0"/>
           </a:p>
         </p:txBody>
@@ -22493,7 +23390,7 @@
           <p:nvPr/>
         </p:nvPicPr>
         <p:blipFill>
-          <a:blip r:embed="rId2"/>
+          <a:blip r:embed="rId3"/>
           <a:stretch>
             <a:fillRect/>
           </a:stretch>
@@ -22525,7 +23422,7 @@
           </p:nvPr>
         </p:nvPicPr>
         <p:blipFill>
-          <a:blip r:embed="rId3" cstate="print">
+          <a:blip r:embed="rId4" cstate="print">
             <a:extLst>
               <a:ext uri="{28A0092B-C50C-407E-A947-70E740481C1C}">
                 <a14:useLocalDpi xmlns:a14="http://schemas.microsoft.com/office/drawing/2010/main" val="0"/>

--- a/Projektleiter/Prasentation_4.Semester.pptx
+++ b/Projektleiter/Prasentation_4.Semester.pptx
@@ -1766,7 +1766,7 @@
                 <a:effectLst/>
                 <a:latin typeface="Whitney"/>
               </a:rPr>
-              <a:t>Was ist die User-Story des Kunden, was will der Kunde? </a:t>
+              <a:t>„</a:t>
             </a:r>
             <a:r>
               <a:rPr lang="de-DE" b="0" i="0" dirty="0" err="1">
@@ -1786,8 +1786,204 @@
                 <a:effectLst/>
                 <a:latin typeface="Whitney"/>
               </a:rPr>
-              <a:t> Engineering.</a:t>
-            </a:r>
+              <a:t> Engineering“</a:t>
+            </a:r>
+          </a:p>
+          <a:p>
+            <a:r>
+              <a:rPr lang="de-DE" b="0" i="0" dirty="0">
+                <a:solidFill>
+                  <a:srgbClr val="DCDDDE"/>
+                </a:solidFill>
+                <a:effectLst/>
+                <a:latin typeface="Whitney"/>
+              </a:rPr>
+              <a:t>Was ist die User-Story des Kunden?</a:t>
+            </a:r>
+          </a:p>
+          <a:p>
+            <a:r>
+              <a:rPr lang="de-DE" b="0" i="0" dirty="0">
+                <a:solidFill>
+                  <a:srgbClr val="DCDDDE"/>
+                </a:solidFill>
+                <a:effectLst/>
+                <a:latin typeface="Whitney"/>
+              </a:rPr>
+              <a:t>Was will der Kunde? (</a:t>
+            </a:r>
+            <a:r>
+              <a:rPr lang="de-DE" b="0" i="0" dirty="0" err="1">
+                <a:solidFill>
+                  <a:srgbClr val="DCDDDE"/>
+                </a:solidFill>
+                <a:effectLst/>
+                <a:latin typeface="Whitney"/>
+              </a:rPr>
+              <a:t>Requirements</a:t>
+            </a:r>
+            <a:r>
+              <a:rPr lang="de-DE" b="0" i="0" dirty="0">
+                <a:solidFill>
+                  <a:srgbClr val="DCDDDE"/>
+                </a:solidFill>
+                <a:effectLst/>
+                <a:latin typeface="Whitney"/>
+              </a:rPr>
+              <a:t> Engineering)</a:t>
+            </a:r>
+          </a:p>
+          <a:p>
+            <a:endParaRPr lang="de-DE" b="0" i="0" dirty="0">
+              <a:solidFill>
+                <a:srgbClr val="DCDDDE"/>
+              </a:solidFill>
+              <a:effectLst/>
+              <a:latin typeface="Whitney"/>
+            </a:endParaRPr>
+          </a:p>
+          <a:p>
+            <a:endParaRPr lang="de-DE" b="0" i="0" dirty="0">
+              <a:solidFill>
+                <a:srgbClr val="DCDDDE"/>
+              </a:solidFill>
+              <a:effectLst/>
+              <a:latin typeface="Whitney"/>
+            </a:endParaRPr>
+          </a:p>
+          <a:p>
+            <a:r>
+              <a:rPr lang="de-DE" b="0" i="0" dirty="0">
+                <a:solidFill>
+                  <a:srgbClr val="DCDDDE"/>
+                </a:solidFill>
+                <a:effectLst/>
+                <a:latin typeface="Whitney"/>
+              </a:rPr>
+              <a:t>„Den Aufwand des Projekts einschätzen“</a:t>
+            </a:r>
+          </a:p>
+          <a:p>
+            <a:r>
+              <a:rPr lang="de-DE" b="0" i="0" dirty="0">
+                <a:solidFill>
+                  <a:srgbClr val="DCDDDE"/>
+                </a:solidFill>
+                <a:effectLst/>
+                <a:latin typeface="Whitney"/>
+              </a:rPr>
+              <a:t>Bei </a:t>
+            </a:r>
+            <a:r>
+              <a:rPr lang="de-DE" b="0" i="0" dirty="0" err="1">
+                <a:solidFill>
+                  <a:srgbClr val="DCDDDE"/>
+                </a:solidFill>
+                <a:effectLst/>
+                <a:latin typeface="Whitney"/>
+              </a:rPr>
+              <a:t>Vorenwticklungen</a:t>
+            </a:r>
+            <a:r>
+              <a:rPr lang="de-DE" b="0" i="0" dirty="0">
+                <a:solidFill>
+                  <a:srgbClr val="DCDDDE"/>
+                </a:solidFill>
+                <a:effectLst/>
+                <a:latin typeface="Whitney"/>
+              </a:rPr>
+              <a:t>:</a:t>
+            </a:r>
+          </a:p>
+          <a:p>
+            <a:r>
+              <a:rPr lang="de-DE" b="0" i="0" dirty="0">
+                <a:solidFill>
+                  <a:srgbClr val="DCDDDE"/>
+                </a:solidFill>
+                <a:effectLst/>
+                <a:latin typeface="Whitney"/>
+              </a:rPr>
+              <a:t>	- Bekannte Probleme?</a:t>
+            </a:r>
+          </a:p>
+          <a:p>
+            <a:r>
+              <a:rPr lang="de-DE" b="0" i="0" dirty="0">
+                <a:solidFill>
+                  <a:srgbClr val="DCDDDE"/>
+                </a:solidFill>
+                <a:effectLst/>
+                <a:latin typeface="Whitney"/>
+              </a:rPr>
+              <a:t>	- Verbesserungen an Software</a:t>
+            </a:r>
+          </a:p>
+          <a:p>
+            <a:r>
+              <a:rPr lang="de-DE" b="0" i="0" dirty="0">
+                <a:solidFill>
+                  <a:srgbClr val="DCDDDE"/>
+                </a:solidFill>
+                <a:effectLst/>
+                <a:latin typeface="Whitney"/>
+              </a:rPr>
+              <a:t>	- Workflows</a:t>
+            </a:r>
+          </a:p>
+          <a:p>
+            <a:r>
+              <a:rPr lang="de-DE" b="0" i="0" dirty="0">
+                <a:solidFill>
+                  <a:srgbClr val="DCDDDE"/>
+                </a:solidFill>
+                <a:effectLst/>
+                <a:latin typeface="Whitney"/>
+              </a:rPr>
+              <a:t>	- Codequalität nach Richtlinien prüfen (Dekomposition, </a:t>
+            </a:r>
+            <a:r>
+              <a:rPr lang="de-DE" b="0" i="0" dirty="0" err="1">
+                <a:solidFill>
+                  <a:srgbClr val="DCDDDE"/>
+                </a:solidFill>
+                <a:effectLst/>
+                <a:latin typeface="Whitney"/>
+              </a:rPr>
+              <a:t>Dont</a:t>
+            </a:r>
+            <a:r>
+              <a:rPr lang="de-DE" b="0" i="0" dirty="0">
+                <a:solidFill>
+                  <a:srgbClr val="DCDDDE"/>
+                </a:solidFill>
+                <a:effectLst/>
+                <a:latin typeface="Whitney"/>
+              </a:rPr>
+              <a:t> Repeat </a:t>
+            </a:r>
+            <a:r>
+              <a:rPr lang="de-DE" b="0" i="0" dirty="0" err="1">
+                <a:solidFill>
+                  <a:srgbClr val="DCDDDE"/>
+                </a:solidFill>
+                <a:effectLst/>
+                <a:latin typeface="Whitney"/>
+              </a:rPr>
+              <a:t>Yourself</a:t>
+            </a:r>
+            <a:r>
+              <a:rPr lang="de-DE" b="0" i="0" dirty="0">
+                <a:solidFill>
+                  <a:srgbClr val="DCDDDE"/>
+                </a:solidFill>
+                <a:effectLst/>
+                <a:latin typeface="Whitney"/>
+              </a:rPr>
+              <a:t>)</a:t>
+            </a:r>
+          </a:p>
+          <a:p>
             <a:endParaRPr lang="de-DE" dirty="0"/>
           </a:p>
         </p:txBody>
@@ -1825,6 +2021,170 @@
     <p:extLst>
       <p:ext uri="{BB962C8B-B14F-4D97-AF65-F5344CB8AC3E}">
         <p14:creationId xmlns:p14="http://schemas.microsoft.com/office/powerpoint/2010/main" val="2525218667"/>
+      </p:ext>
+    </p:extLst>
+  </p:cSld>
+  <p:clrMapOvr>
+    <a:masterClrMapping/>
+  </p:clrMapOvr>
+</p:notes>
+</file>
+
+<file path=ppt/notesSlides/notesSlide6.xml><?xml version="1.0" encoding="utf-8"?>
+<p:notes xmlns:a="http://schemas.openxmlformats.org/drawingml/2006/main" xmlns:r="http://schemas.openxmlformats.org/officeDocument/2006/relationships" xmlns:p="http://schemas.openxmlformats.org/presentationml/2006/main">
+  <p:cSld>
+    <p:spTree>
+      <p:nvGrpSpPr>
+        <p:cNvPr id="1" name=""/>
+        <p:cNvGrpSpPr/>
+        <p:nvPr/>
+      </p:nvGrpSpPr>
+      <p:grpSpPr>
+        <a:xfrm>
+          <a:off x="0" y="0"/>
+          <a:ext cx="0" cy="0"/>
+          <a:chOff x="0" y="0"/>
+          <a:chExt cx="0" cy="0"/>
+        </a:xfrm>
+      </p:grpSpPr>
+      <p:sp>
+        <p:nvSpPr>
+          <p:cNvPr id="2" name="Folienbildplatzhalter 1"/>
+          <p:cNvSpPr>
+            <a:spLocks noGrp="1" noRot="1" noChangeAspect="1"/>
+          </p:cNvSpPr>
+          <p:nvPr>
+            <p:ph type="sldImg"/>
+          </p:nvPr>
+        </p:nvSpPr>
+        <p:spPr/>
+      </p:sp>
+      <p:sp>
+        <p:nvSpPr>
+          <p:cNvPr id="3" name="Notizenplatzhalter 2"/>
+          <p:cNvSpPr>
+            <a:spLocks noGrp="1"/>
+          </p:cNvSpPr>
+          <p:nvPr>
+            <p:ph type="body" idx="1"/>
+          </p:nvPr>
+        </p:nvSpPr>
+        <p:spPr/>
+        <p:txBody>
+          <a:bodyPr/>
+          <a:lstStyle/>
+          <a:p>
+            <a:pPr marL="171450" indent="-171450">
+              <a:buFontTx/>
+              <a:buChar char="-"/>
+            </a:pPr>
+            <a:r>
+              <a:rPr lang="de-DE" dirty="0"/>
+              <a:t>Bestehende Funktionen verbessern:</a:t>
+            </a:r>
+          </a:p>
+          <a:p>
+            <a:pPr marL="628650" lvl="1" indent="-171450">
+              <a:buFontTx/>
+              <a:buChar char="-"/>
+            </a:pPr>
+            <a:r>
+              <a:rPr lang="de-DE" dirty="0"/>
+              <a:t>BUG130 </a:t>
+            </a:r>
+            <a:r>
+              <a:rPr lang="de-DE" dirty="0" err="1"/>
+              <a:t>Saving</a:t>
+            </a:r>
+            <a:r>
+              <a:rPr lang="de-DE" dirty="0"/>
+              <a:t> </a:t>
+            </a:r>
+            <a:r>
+              <a:rPr lang="de-DE" dirty="0" err="1"/>
+              <a:t>Clears</a:t>
+            </a:r>
+            <a:r>
+              <a:rPr lang="de-DE" dirty="0"/>
+              <a:t> Libraries</a:t>
+            </a:r>
+          </a:p>
+          <a:p>
+            <a:pPr marL="628650" lvl="1" indent="-171450">
+              <a:buFontTx/>
+              <a:buChar char="-"/>
+            </a:pPr>
+            <a:r>
+              <a:rPr lang="de-DE" dirty="0"/>
+              <a:t>EH30 Import/Open </a:t>
+            </a:r>
+            <a:r>
+              <a:rPr lang="de-DE" dirty="0" err="1"/>
+              <a:t>Foreign</a:t>
+            </a:r>
+            <a:r>
+              <a:rPr lang="de-DE" dirty="0"/>
+              <a:t> Files</a:t>
+            </a:r>
+          </a:p>
+          <a:p>
+            <a:pPr marL="628650" lvl="1" indent="-171450">
+              <a:buFontTx/>
+              <a:buChar char="-"/>
+            </a:pPr>
+            <a:r>
+              <a:rPr lang="de-DE" dirty="0"/>
+              <a:t>F80 </a:t>
+            </a:r>
+            <a:r>
+              <a:rPr lang="de-DE" dirty="0" err="1"/>
+              <a:t>Testability</a:t>
+            </a:r>
+            <a:r>
+              <a:rPr lang="de-DE" dirty="0"/>
+              <a:t> </a:t>
+            </a:r>
+            <a:r>
+              <a:rPr lang="de-DE" dirty="0" err="1"/>
+              <a:t>enhancement</a:t>
+            </a:r>
+            <a:endParaRPr lang="de-DE" dirty="0"/>
+          </a:p>
+        </p:txBody>
+      </p:sp>
+      <p:sp>
+        <p:nvSpPr>
+          <p:cNvPr id="4" name="Foliennummernplatzhalter 3"/>
+          <p:cNvSpPr>
+            <a:spLocks noGrp="1"/>
+          </p:cNvSpPr>
+          <p:nvPr>
+            <p:ph type="sldNum" sz="quarter" idx="5"/>
+          </p:nvPr>
+        </p:nvSpPr>
+        <p:spPr/>
+        <p:txBody>
+          <a:bodyPr/>
+          <a:lstStyle/>
+          <a:p>
+            <a:pPr>
+              <a:defRPr/>
+            </a:pPr>
+            <a:fld id="{D8DEE2F2-E037-4778-A169-A12E4CD724E0}" type="slidenum">
+              <a:rPr lang="de-DE" altLang="de-DE" smtClean="0"/>
+              <a:pPr>
+                <a:defRPr/>
+              </a:pPr>
+              <a:t>12</a:t>
+            </a:fld>
+            <a:endParaRPr lang="de-DE" altLang="de-DE"/>
+          </a:p>
+        </p:txBody>
+      </p:sp>
+    </p:spTree>
+    <p:extLst>
+      <p:ext uri="{BB962C8B-B14F-4D97-AF65-F5344CB8AC3E}">
+        <p14:creationId xmlns:p14="http://schemas.microsoft.com/office/powerpoint/2010/main" val="47621241"/>
       </p:ext>
     </p:extLst>
   </p:cSld>
@@ -2277,7 +2637,7 @@
               <a:pPr>
                 <a:defRPr/>
               </a:pPr>
-              <a:t>20.05.2021</a:t>
+              <a:t>21.05.2021</a:t>
             </a:fld>
             <a:endParaRPr lang="de-DE" sz="1400"/>
           </a:p>
@@ -2476,7 +2836,7 @@
               <a:pPr>
                 <a:defRPr/>
               </a:pPr>
-              <a:t>20.05.2021</a:t>
+              <a:t>21.05.2021</a:t>
             </a:fld>
             <a:endParaRPr lang="de-DE" sz="1400"/>
           </a:p>
@@ -2687,7 +3047,7 @@
           <a:p>
             <a:fld id="{07B49BA6-875A-412D-9854-CB223973CE47}" type="datetimeFigureOut">
               <a:rPr lang="de-DE" smtClean="0"/>
-              <a:t>20.05.2021</a:t>
+              <a:t>21.05.2021</a:t>
             </a:fld>
             <a:endParaRPr lang="de-DE"/>
           </a:p>
@@ -2885,7 +3245,7 @@
           <a:p>
             <a:fld id="{07B49BA6-875A-412D-9854-CB223973CE47}" type="datetimeFigureOut">
               <a:rPr lang="de-DE" smtClean="0"/>
-              <a:t>20.05.2021</a:t>
+              <a:t>21.05.2021</a:t>
             </a:fld>
             <a:endParaRPr lang="de-DE"/>
           </a:p>
@@ -3160,7 +3520,7 @@
           <a:p>
             <a:fld id="{07B49BA6-875A-412D-9854-CB223973CE47}" type="datetimeFigureOut">
               <a:rPr lang="de-DE" smtClean="0"/>
-              <a:t>20.05.2021</a:t>
+              <a:t>21.05.2021</a:t>
             </a:fld>
             <a:endParaRPr lang="de-DE"/>
           </a:p>
@@ -3425,7 +3785,7 @@
           <a:p>
             <a:fld id="{07B49BA6-875A-412D-9854-CB223973CE47}" type="datetimeFigureOut">
               <a:rPr lang="de-DE" smtClean="0"/>
-              <a:t>20.05.2021</a:t>
+              <a:t>21.05.2021</a:t>
             </a:fld>
             <a:endParaRPr lang="de-DE"/>
           </a:p>
@@ -3837,7 +4197,7 @@
           <a:p>
             <a:fld id="{07B49BA6-875A-412D-9854-CB223973CE47}" type="datetimeFigureOut">
               <a:rPr lang="de-DE" smtClean="0"/>
-              <a:t>20.05.2021</a:t>
+              <a:t>21.05.2021</a:t>
             </a:fld>
             <a:endParaRPr lang="de-DE"/>
           </a:p>
@@ -3978,7 +4338,7 @@
           <a:p>
             <a:fld id="{07B49BA6-875A-412D-9854-CB223973CE47}" type="datetimeFigureOut">
               <a:rPr lang="de-DE" smtClean="0"/>
-              <a:t>20.05.2021</a:t>
+              <a:t>21.05.2021</a:t>
             </a:fld>
             <a:endParaRPr lang="de-DE"/>
           </a:p>
@@ -4091,7 +4451,7 @@
           <a:p>
             <a:fld id="{07B49BA6-875A-412D-9854-CB223973CE47}" type="datetimeFigureOut">
               <a:rPr lang="de-DE" smtClean="0"/>
-              <a:t>20.05.2021</a:t>
+              <a:t>21.05.2021</a:t>
             </a:fld>
             <a:endParaRPr lang="de-DE"/>
           </a:p>
@@ -4402,7 +4762,7 @@
           <a:p>
             <a:fld id="{07B49BA6-875A-412D-9854-CB223973CE47}" type="datetimeFigureOut">
               <a:rPr lang="de-DE" smtClean="0"/>
-              <a:t>20.05.2021</a:t>
+              <a:t>21.05.2021</a:t>
             </a:fld>
             <a:endParaRPr lang="de-DE"/>
           </a:p>
@@ -4600,7 +4960,7 @@
               <a:pPr>
                 <a:defRPr/>
               </a:pPr>
-              <a:t>20.05.2021</a:t>
+              <a:t>21.05.2021</a:t>
             </a:fld>
             <a:endParaRPr lang="de-DE" sz="1400"/>
           </a:p>
@@ -4879,7 +5239,7 @@
           <a:p>
             <a:fld id="{07B49BA6-875A-412D-9854-CB223973CE47}" type="datetimeFigureOut">
               <a:rPr lang="de-DE" smtClean="0"/>
-              <a:t>20.05.2021</a:t>
+              <a:t>21.05.2021</a:t>
             </a:fld>
             <a:endParaRPr lang="de-DE"/>
           </a:p>
@@ -5077,7 +5437,7 @@
           <a:p>
             <a:fld id="{07B49BA6-875A-412D-9854-CB223973CE47}" type="datetimeFigureOut">
               <a:rPr lang="de-DE" smtClean="0"/>
-              <a:t>20.05.2021</a:t>
+              <a:t>21.05.2021</a:t>
             </a:fld>
             <a:endParaRPr lang="de-DE"/>
           </a:p>
@@ -5285,7 +5645,7 @@
           <a:p>
             <a:fld id="{07B49BA6-875A-412D-9854-CB223973CE47}" type="datetimeFigureOut">
               <a:rPr lang="de-DE" smtClean="0"/>
-              <a:t>20.05.2021</a:t>
+              <a:t>21.05.2021</a:t>
             </a:fld>
             <a:endParaRPr lang="de-DE"/>
           </a:p>
@@ -7251,7 +7611,7 @@
               <a:pPr>
                 <a:defRPr/>
               </a:pPr>
-              <a:t>20.05.2021</a:t>
+              <a:t>21.05.2021</a:t>
             </a:fld>
             <a:endParaRPr lang="de-DE" sz="1400"/>
           </a:p>
@@ -8487,7 +8847,7 @@
               <a:pPr>
                 <a:defRPr/>
               </a:pPr>
-              <a:t>20.05.2021</a:t>
+              <a:t>21.05.2021</a:t>
             </a:fld>
             <a:endParaRPr lang="de-DE" sz="1400"/>
           </a:p>
@@ -8932,7 +9292,7 @@
               <a:pPr>
                 <a:defRPr/>
               </a:pPr>
-              <a:t>20.05.2021</a:t>
+              <a:t>21.05.2021</a:t>
             </a:fld>
             <a:endParaRPr lang="de-DE" sz="1400"/>
           </a:p>
@@ -9070,7 +9430,7 @@
               <a:pPr>
                 <a:defRPr/>
               </a:pPr>
-              <a:t>20.05.2021</a:t>
+              <a:t>21.05.2021</a:t>
             </a:fld>
             <a:endParaRPr lang="de-DE" sz="1400"/>
           </a:p>
@@ -9186,7 +9546,7 @@
               <a:pPr>
                 <a:defRPr/>
               </a:pPr>
-              <a:t>20.05.2021</a:t>
+              <a:t>21.05.2021</a:t>
             </a:fld>
             <a:endParaRPr lang="de-DE" sz="1400"/>
           </a:p>
@@ -9482,7 +9842,7 @@
               <a:pPr>
                 <a:defRPr/>
               </a:pPr>
-              <a:t>20.05.2021</a:t>
+              <a:t>21.05.2021</a:t>
             </a:fld>
             <a:endParaRPr lang="de-DE" sz="1400"/>
           </a:p>
@@ -9756,7 +10116,7 @@
               <a:pPr>
                 <a:defRPr/>
               </a:pPr>
-              <a:t>20.05.2021</a:t>
+              <a:t>21.05.2021</a:t>
             </a:fld>
             <a:endParaRPr lang="de-DE" sz="1400"/>
           </a:p>
@@ -9966,7 +10326,7 @@
               <a:pPr>
                 <a:defRPr/>
               </a:pPr>
-              <a:t>20.05.2021</a:t>
+              <a:t>21.05.2021</a:t>
             </a:fld>
             <a:endParaRPr lang="de-DE" sz="1400"/>
           </a:p>
@@ -10853,7 +11213,7 @@
           <a:p>
             <a:fld id="{07B49BA6-875A-412D-9854-CB223973CE47}" type="datetimeFigureOut">
               <a:rPr lang="de-DE" smtClean="0"/>
-              <a:t>20.05.2021</a:t>
+              <a:t>21.05.2021</a:t>
             </a:fld>
             <a:endParaRPr lang="de-DE"/>
           </a:p>
@@ -12387,7 +12747,7 @@
             </a:r>
             <a:fld id="{3A82A570-DA67-483A-AE6F-6750694CF7E7}" type="datetime1">
               <a:rPr lang="de-DE" altLang="de-DE" smtClean="0"/>
-              <a:t>20.05.2021</a:t>
+              <a:t>21.05.2021</a:t>
             </a:fld>
             <a:r>
               <a:rPr lang="de-DE" altLang="de-DE" dirty="0"/>
@@ -12519,7 +12879,7 @@
             </a:pPr>
             <a:fld id="{9D2A934D-B879-471D-A43B-2A135311CF87}" type="datetime1">
               <a:rPr lang="de-DE" smtClean="0"/>
-              <a:t>20.05.2021</a:t>
+              <a:t>21.05.2021</a:t>
             </a:fld>
             <a:endParaRPr lang="de-DE" sz="1400" dirty="0"/>
           </a:p>
@@ -12813,7 +13173,7 @@
             </a:pPr>
             <a:fld id="{AD68A200-A82C-44CC-B7F2-3916FF0B3AF7}" type="datetime1">
               <a:rPr lang="de-DE" smtClean="0"/>
-              <a:t>20.05.2021</a:t>
+              <a:t>21.05.2021</a:t>
             </a:fld>
             <a:endParaRPr lang="de-DE" sz="1400" dirty="0"/>
           </a:p>
@@ -15746,7 +16106,7 @@
             </a:pPr>
             <a:r>
               <a:rPr lang="de-DE" dirty="0"/>
-              <a:t>neue Funktionen hinzufügen</a:t>
+              <a:t>Neue Funktionen hinzufügen</a:t>
             </a:r>
           </a:p>
           <a:p>
@@ -15826,7 +16186,7 @@
             </a:pPr>
             <a:fld id="{1CB2C306-2F6E-4993-9381-EDECCD692165}" type="datetime1">
               <a:rPr lang="de-DE" smtClean="0"/>
-              <a:t>20.05.2021</a:t>
+              <a:t>21.05.2021</a:t>
             </a:fld>
             <a:endParaRPr lang="de-DE" sz="1400" dirty="0"/>
           </a:p>
@@ -16197,7 +16557,7 @@
             </a:pPr>
             <a:fld id="{B1DAAFC2-D38C-4EF2-949C-C4691A9EFB35}" type="datetime1">
               <a:rPr lang="de-DE" smtClean="0"/>
-              <a:t>20.05.2021</a:t>
+              <a:t>21.05.2021</a:t>
             </a:fld>
             <a:endParaRPr lang="de-DE" sz="1400" dirty="0"/>
           </a:p>
@@ -16626,7 +16986,7 @@
             </a:pPr>
             <a:fld id="{93680D36-A3BE-4736-9A7B-3EB10928D2CB}" type="datetime1">
               <a:rPr lang="de-DE" smtClean="0"/>
-              <a:t>20.05.2021</a:t>
+              <a:t>21.05.2021</a:t>
             </a:fld>
             <a:endParaRPr lang="de-DE" sz="1400" dirty="0"/>
           </a:p>
@@ -17364,7 +17724,7 @@
             </a:pPr>
             <a:fld id="{A55D7560-873E-4A11-B999-9EC1DC85140A}" type="datetime1">
               <a:rPr lang="de-DE" altLang="de-DE" smtClean="0"/>
-              <a:t>20.05.2021</a:t>
+              <a:t>21.05.2021</a:t>
             </a:fld>
             <a:endParaRPr lang="de-DE" altLang="de-DE" sz="1400" dirty="0"/>
           </a:p>
@@ -18458,7 +18818,7 @@
             </a:pPr>
             <a:fld id="{B9F3D077-160D-4153-8186-251702BBFA30}" type="datetime1">
               <a:rPr lang="de-DE" altLang="de-DE" smtClean="0"/>
-              <a:t>20.05.2021</a:t>
+              <a:t>21.05.2021</a:t>
             </a:fld>
             <a:endParaRPr lang="de-DE" altLang="de-DE" sz="1400" dirty="0"/>
           </a:p>
@@ -18993,7 +19353,7 @@
             </a:pPr>
             <a:fld id="{2759BC77-E7B8-413A-BC06-D93DFDFFA11C}" type="datetime1">
               <a:rPr lang="de-DE" smtClean="0"/>
-              <a:t>20.05.2021</a:t>
+              <a:t>21.05.2021</a:t>
             </a:fld>
             <a:endParaRPr lang="de-DE" sz="1400" dirty="0"/>
           </a:p>
@@ -19498,7 +19858,7 @@
             </a:pPr>
             <a:fld id="{AFED0CDB-B616-4E20-99D4-F9860A5C8486}" type="datetime1">
               <a:rPr lang="de-DE" smtClean="0"/>
-              <a:t>20.05.2021</a:t>
+              <a:t>21.05.2021</a:t>
             </a:fld>
             <a:endParaRPr lang="de-DE" sz="1400" dirty="0"/>
           </a:p>
@@ -19825,7 +20185,7 @@
             </a:pPr>
             <a:fld id="{CF0DA80B-4892-42C9-B7CC-0EAC1D881A24}" type="datetime1">
               <a:rPr lang="de-DE" smtClean="0"/>
-              <a:t>20.05.2021</a:t>
+              <a:t>21.05.2021</a:t>
             </a:fld>
             <a:endParaRPr lang="de-DE" sz="1400" dirty="0"/>
           </a:p>
@@ -21426,7 +21786,7 @@
             </a:pPr>
             <a:fld id="{2759BC77-E7B8-413A-BC06-D93DFDFFA11C}" type="datetime1">
               <a:rPr lang="de-DE" smtClean="0"/>
-              <a:t>20.05.2021</a:t>
+              <a:t>21.05.2021</a:t>
             </a:fld>
             <a:endParaRPr lang="de-DE" sz="1400" dirty="0"/>
           </a:p>
@@ -22963,7 +23323,7 @@
             </a:pPr>
             <a:fld id="{2759BC77-E7B8-413A-BC06-D93DFDFFA11C}" type="datetime1">
               <a:rPr lang="de-DE" smtClean="0"/>
-              <a:t>20.05.2021</a:t>
+              <a:t>21.05.2021</a:t>
             </a:fld>
             <a:endParaRPr lang="de-DE" sz="1400" dirty="0"/>
           </a:p>
@@ -23295,7 +23655,7 @@
             </a:pPr>
             <a:fld id="{5613AECD-85DF-4009-A97F-9CE1707E632B}" type="datetime1">
               <a:rPr lang="de-DE" smtClean="0"/>
-              <a:t>20.05.2021</a:t>
+              <a:t>21.05.2021</a:t>
             </a:fld>
             <a:endParaRPr lang="de-DE" sz="1400" dirty="0"/>
           </a:p>
